--- a/Ansible develop.pptx
+++ b/Ansible develop.pptx
@@ -3,13 +3,15 @@
 <p:presentation xmlns:a="http://schemas.openxmlformats.org/drawingml/2006/main" xmlns:r="http://schemas.openxmlformats.org/officeDocument/2006/relationships" xmlns:p="http://schemas.openxmlformats.org/presentationml/2006/main" saveSubsetFonts="1">
   <p:sldMasterIdLst>
     <p:sldMasterId id="2147483648" r:id="rId1"/>
+    <p:sldMasterId id="2147483660" r:id="rId2"/>
   </p:sldMasterIdLst>
   <p:sldIdLst>
-    <p:sldId id="257" r:id="rId2"/>
-    <p:sldId id="259" r:id="rId3"/>
-    <p:sldId id="258" r:id="rId4"/>
-    <p:sldId id="260" r:id="rId5"/>
-    <p:sldId id="261" r:id="rId6"/>
+    <p:sldId id="257" r:id="rId3"/>
+    <p:sldId id="259" r:id="rId4"/>
+    <p:sldId id="258" r:id="rId5"/>
+    <p:sldId id="260" r:id="rId6"/>
+    <p:sldId id="261" r:id="rId7"/>
+    <p:sldId id="263" r:id="rId8"/>
   </p:sldIdLst>
   <p:sldSz cx="12192000" cy="6858000"/>
   <p:notesSz cx="6858000" cy="9144000"/>
@@ -247,7 +249,7 @@
           <a:p>
             <a:fld id="{5031EC5B-F743-4982-A443-44F1B46250F2}" type="datetimeFigureOut">
               <a:rPr lang="en-US" smtClean="0"/>
-              <a:t>8/23/2017</a:t>
+              <a:t>9/2/2017</a:t>
             </a:fld>
             <a:endParaRPr lang="en-US"/>
           </a:p>
@@ -417,7 +419,7 @@
           <a:p>
             <a:fld id="{5031EC5B-F743-4982-A443-44F1B46250F2}" type="datetimeFigureOut">
               <a:rPr lang="en-US" smtClean="0"/>
-              <a:t>8/23/2017</a:t>
+              <a:t>9/2/2017</a:t>
             </a:fld>
             <a:endParaRPr lang="en-US"/>
           </a:p>
@@ -597,7 +599,7 @@
           <a:p>
             <a:fld id="{5031EC5B-F743-4982-A443-44F1B46250F2}" type="datetimeFigureOut">
               <a:rPr lang="en-US" smtClean="0"/>
-              <a:t>8/23/2017</a:t>
+              <a:t>9/2/2017</a:t>
             </a:fld>
             <a:endParaRPr lang="en-US"/>
           </a:p>
@@ -649,6 +651,1959 @@
     <p:extLst>
       <p:ext uri="{BB962C8B-B14F-4D97-AF65-F5344CB8AC3E}">
         <p14:creationId xmlns:p14="http://schemas.microsoft.com/office/powerpoint/2010/main" val="2532829524"/>
+      </p:ext>
+    </p:extLst>
+  </p:cSld>
+  <p:clrMapOvr>
+    <a:masterClrMapping/>
+  </p:clrMapOvr>
+</p:sldLayout>
+</file>
+
+<file path=ppt/slideLayouts/slideLayout12.xml><?xml version="1.0" encoding="utf-8"?>
+<p:sldLayout xmlns:a="http://schemas.openxmlformats.org/drawingml/2006/main" xmlns:r="http://schemas.openxmlformats.org/officeDocument/2006/relationships" xmlns:p="http://schemas.openxmlformats.org/presentationml/2006/main" type="title" preserve="1">
+  <p:cSld name="标题幻灯片">
+    <p:spTree>
+      <p:nvGrpSpPr>
+        <p:cNvPr id="1" name=""/>
+        <p:cNvGrpSpPr/>
+        <p:nvPr/>
+      </p:nvGrpSpPr>
+      <p:grpSpPr>
+        <a:xfrm>
+          <a:off x="0" y="0"/>
+          <a:ext cx="0" cy="0"/>
+          <a:chOff x="0" y="0"/>
+          <a:chExt cx="0" cy="0"/>
+        </a:xfrm>
+      </p:grpSpPr>
+      <p:sp>
+        <p:nvSpPr>
+          <p:cNvPr id="2" name="标题 1"/>
+          <p:cNvSpPr>
+            <a:spLocks noGrp="1"/>
+          </p:cNvSpPr>
+          <p:nvPr>
+            <p:ph type="ctrTitle"/>
+          </p:nvPr>
+        </p:nvSpPr>
+        <p:spPr>
+          <a:xfrm>
+            <a:off x="1524000" y="1122363"/>
+            <a:ext cx="9144000" cy="2387600"/>
+          </a:xfrm>
+        </p:spPr>
+        <p:txBody>
+          <a:bodyPr anchor="b"/>
+          <a:lstStyle>
+            <a:lvl1pPr algn="ctr">
+              <a:defRPr sz="6000"/>
+            </a:lvl1pPr>
+          </a:lstStyle>
+          <a:p>
+            <a:r>
+              <a:rPr lang="zh-CN" altLang="en-US" smtClean="0"/>
+              <a:t>单击此处编辑母版标题样式</a:t>
+            </a:r>
+            <a:endParaRPr lang="en-US"/>
+          </a:p>
+        </p:txBody>
+      </p:sp>
+      <p:sp>
+        <p:nvSpPr>
+          <p:cNvPr id="3" name="副标题 2"/>
+          <p:cNvSpPr>
+            <a:spLocks noGrp="1"/>
+          </p:cNvSpPr>
+          <p:nvPr>
+            <p:ph type="subTitle" idx="1"/>
+          </p:nvPr>
+        </p:nvSpPr>
+        <p:spPr>
+          <a:xfrm>
+            <a:off x="1524000" y="3602038"/>
+            <a:ext cx="9144000" cy="1655762"/>
+          </a:xfrm>
+        </p:spPr>
+        <p:txBody>
+          <a:bodyPr/>
+          <a:lstStyle>
+            <a:lvl1pPr marL="0" indent="0" algn="ctr">
+              <a:buNone/>
+              <a:defRPr sz="2400"/>
+            </a:lvl1pPr>
+            <a:lvl2pPr marL="457200" indent="0" algn="ctr">
+              <a:buNone/>
+              <a:defRPr sz="2000"/>
+            </a:lvl2pPr>
+            <a:lvl3pPr marL="914400" indent="0" algn="ctr">
+              <a:buNone/>
+              <a:defRPr sz="1800"/>
+            </a:lvl3pPr>
+            <a:lvl4pPr marL="1371600" indent="0" algn="ctr">
+              <a:buNone/>
+              <a:defRPr sz="1600"/>
+            </a:lvl4pPr>
+            <a:lvl5pPr marL="1828800" indent="0" algn="ctr">
+              <a:buNone/>
+              <a:defRPr sz="1600"/>
+            </a:lvl5pPr>
+            <a:lvl6pPr marL="2286000" indent="0" algn="ctr">
+              <a:buNone/>
+              <a:defRPr sz="1600"/>
+            </a:lvl6pPr>
+            <a:lvl7pPr marL="2743200" indent="0" algn="ctr">
+              <a:buNone/>
+              <a:defRPr sz="1600"/>
+            </a:lvl7pPr>
+            <a:lvl8pPr marL="3200400" indent="0" algn="ctr">
+              <a:buNone/>
+              <a:defRPr sz="1600"/>
+            </a:lvl8pPr>
+            <a:lvl9pPr marL="3657600" indent="0" algn="ctr">
+              <a:buNone/>
+              <a:defRPr sz="1600"/>
+            </a:lvl9pPr>
+          </a:lstStyle>
+          <a:p>
+            <a:r>
+              <a:rPr lang="zh-CN" altLang="en-US" smtClean="0"/>
+              <a:t>单击此处编辑母版副标题样式</a:t>
+            </a:r>
+            <a:endParaRPr lang="en-US"/>
+          </a:p>
+        </p:txBody>
+      </p:sp>
+      <p:sp>
+        <p:nvSpPr>
+          <p:cNvPr id="4" name="日期占位符 3"/>
+          <p:cNvSpPr>
+            <a:spLocks noGrp="1"/>
+          </p:cNvSpPr>
+          <p:nvPr>
+            <p:ph type="dt" sz="half" idx="10"/>
+          </p:nvPr>
+        </p:nvSpPr>
+        <p:spPr/>
+        <p:txBody>
+          <a:bodyPr/>
+          <a:lstStyle/>
+          <a:p>
+            <a:fld id="{7506AF6E-7C2C-4319-BD75-E45FB5426491}" type="datetimeFigureOut">
+              <a:rPr lang="en-US">
+                <a:solidFill>
+                  <a:prstClr val="black">
+                    <a:tint val="75000"/>
+                  </a:prstClr>
+                </a:solidFill>
+              </a:rPr>
+              <a:pPr/>
+              <a:t>9/2/2017</a:t>
+            </a:fld>
+            <a:endParaRPr lang="en-US">
+              <a:solidFill>
+                <a:prstClr val="black">
+                  <a:tint val="75000"/>
+                </a:prstClr>
+              </a:solidFill>
+            </a:endParaRPr>
+          </a:p>
+        </p:txBody>
+      </p:sp>
+      <p:sp>
+        <p:nvSpPr>
+          <p:cNvPr id="5" name="页脚占位符 4"/>
+          <p:cNvSpPr>
+            <a:spLocks noGrp="1"/>
+          </p:cNvSpPr>
+          <p:nvPr>
+            <p:ph type="ftr" sz="quarter" idx="11"/>
+          </p:nvPr>
+        </p:nvSpPr>
+        <p:spPr/>
+        <p:txBody>
+          <a:bodyPr/>
+          <a:lstStyle/>
+          <a:p>
+            <a:endParaRPr lang="en-US">
+              <a:solidFill>
+                <a:prstClr val="black">
+                  <a:tint val="75000"/>
+                </a:prstClr>
+              </a:solidFill>
+            </a:endParaRPr>
+          </a:p>
+        </p:txBody>
+      </p:sp>
+      <p:sp>
+        <p:nvSpPr>
+          <p:cNvPr id="6" name="灯片编号占位符 5"/>
+          <p:cNvSpPr>
+            <a:spLocks noGrp="1"/>
+          </p:cNvSpPr>
+          <p:nvPr>
+            <p:ph type="sldNum" sz="quarter" idx="12"/>
+          </p:nvPr>
+        </p:nvSpPr>
+        <p:spPr/>
+        <p:txBody>
+          <a:bodyPr/>
+          <a:lstStyle/>
+          <a:p>
+            <a:fld id="{6CB346C4-FE00-4E06-A9A6-43F79416BB2D}" type="slidenum">
+              <a:rPr lang="en-US">
+                <a:solidFill>
+                  <a:prstClr val="black">
+                    <a:tint val="75000"/>
+                  </a:prstClr>
+                </a:solidFill>
+              </a:rPr>
+              <a:pPr/>
+              <a:t>‹#›</a:t>
+            </a:fld>
+            <a:endParaRPr lang="en-US">
+              <a:solidFill>
+                <a:prstClr val="black">
+                  <a:tint val="75000"/>
+                </a:prstClr>
+              </a:solidFill>
+            </a:endParaRPr>
+          </a:p>
+        </p:txBody>
+      </p:sp>
+    </p:spTree>
+    <p:extLst>
+      <p:ext uri="{BB962C8B-B14F-4D97-AF65-F5344CB8AC3E}">
+        <p14:creationId xmlns:p14="http://schemas.microsoft.com/office/powerpoint/2010/main" val="2371692764"/>
+      </p:ext>
+    </p:extLst>
+  </p:cSld>
+  <p:clrMapOvr>
+    <a:masterClrMapping/>
+  </p:clrMapOvr>
+</p:sldLayout>
+</file>
+
+<file path=ppt/slideLayouts/slideLayout13.xml><?xml version="1.0" encoding="utf-8"?>
+<p:sldLayout xmlns:a="http://schemas.openxmlformats.org/drawingml/2006/main" xmlns:r="http://schemas.openxmlformats.org/officeDocument/2006/relationships" xmlns:p="http://schemas.openxmlformats.org/presentationml/2006/main" type="obj" preserve="1">
+  <p:cSld name="标题和内容">
+    <p:spTree>
+      <p:nvGrpSpPr>
+        <p:cNvPr id="1" name=""/>
+        <p:cNvGrpSpPr/>
+        <p:nvPr/>
+      </p:nvGrpSpPr>
+      <p:grpSpPr>
+        <a:xfrm>
+          <a:off x="0" y="0"/>
+          <a:ext cx="0" cy="0"/>
+          <a:chOff x="0" y="0"/>
+          <a:chExt cx="0" cy="0"/>
+        </a:xfrm>
+      </p:grpSpPr>
+      <p:sp>
+        <p:nvSpPr>
+          <p:cNvPr id="2" name="标题 1"/>
+          <p:cNvSpPr>
+            <a:spLocks noGrp="1"/>
+          </p:cNvSpPr>
+          <p:nvPr>
+            <p:ph type="title"/>
+          </p:nvPr>
+        </p:nvSpPr>
+        <p:spPr/>
+        <p:txBody>
+          <a:bodyPr/>
+          <a:lstStyle/>
+          <a:p>
+            <a:r>
+              <a:rPr lang="zh-CN" altLang="en-US" smtClean="0"/>
+              <a:t>单击此处编辑母版标题样式</a:t>
+            </a:r>
+            <a:endParaRPr lang="en-US"/>
+          </a:p>
+        </p:txBody>
+      </p:sp>
+      <p:sp>
+        <p:nvSpPr>
+          <p:cNvPr id="3" name="内容占位符 2"/>
+          <p:cNvSpPr>
+            <a:spLocks noGrp="1"/>
+          </p:cNvSpPr>
+          <p:nvPr>
+            <p:ph idx="1"/>
+          </p:nvPr>
+        </p:nvSpPr>
+        <p:spPr/>
+        <p:txBody>
+          <a:bodyPr/>
+          <a:lstStyle/>
+          <a:p>
+            <a:pPr lvl="0"/>
+            <a:r>
+              <a:rPr lang="zh-CN" altLang="en-US" smtClean="0"/>
+              <a:t>单击此处编辑母版文本样式</a:t>
+            </a:r>
+          </a:p>
+          <a:p>
+            <a:pPr lvl="1"/>
+            <a:r>
+              <a:rPr lang="zh-CN" altLang="en-US" smtClean="0"/>
+              <a:t>第二级</a:t>
+            </a:r>
+          </a:p>
+          <a:p>
+            <a:pPr lvl="2"/>
+            <a:r>
+              <a:rPr lang="zh-CN" altLang="en-US" smtClean="0"/>
+              <a:t>第三级</a:t>
+            </a:r>
+          </a:p>
+          <a:p>
+            <a:pPr lvl="3"/>
+            <a:r>
+              <a:rPr lang="zh-CN" altLang="en-US" smtClean="0"/>
+              <a:t>第四级</a:t>
+            </a:r>
+          </a:p>
+          <a:p>
+            <a:pPr lvl="4"/>
+            <a:r>
+              <a:rPr lang="zh-CN" altLang="en-US" smtClean="0"/>
+              <a:t>第五级</a:t>
+            </a:r>
+            <a:endParaRPr lang="en-US"/>
+          </a:p>
+        </p:txBody>
+      </p:sp>
+      <p:sp>
+        <p:nvSpPr>
+          <p:cNvPr id="4" name="日期占位符 3"/>
+          <p:cNvSpPr>
+            <a:spLocks noGrp="1"/>
+          </p:cNvSpPr>
+          <p:nvPr>
+            <p:ph type="dt" sz="half" idx="10"/>
+          </p:nvPr>
+        </p:nvSpPr>
+        <p:spPr/>
+        <p:txBody>
+          <a:bodyPr/>
+          <a:lstStyle/>
+          <a:p>
+            <a:fld id="{7506AF6E-7C2C-4319-BD75-E45FB5426491}" type="datetimeFigureOut">
+              <a:rPr lang="en-US">
+                <a:solidFill>
+                  <a:prstClr val="black">
+                    <a:tint val="75000"/>
+                  </a:prstClr>
+                </a:solidFill>
+              </a:rPr>
+              <a:pPr/>
+              <a:t>9/2/2017</a:t>
+            </a:fld>
+            <a:endParaRPr lang="en-US">
+              <a:solidFill>
+                <a:prstClr val="black">
+                  <a:tint val="75000"/>
+                </a:prstClr>
+              </a:solidFill>
+            </a:endParaRPr>
+          </a:p>
+        </p:txBody>
+      </p:sp>
+      <p:sp>
+        <p:nvSpPr>
+          <p:cNvPr id="5" name="页脚占位符 4"/>
+          <p:cNvSpPr>
+            <a:spLocks noGrp="1"/>
+          </p:cNvSpPr>
+          <p:nvPr>
+            <p:ph type="ftr" sz="quarter" idx="11"/>
+          </p:nvPr>
+        </p:nvSpPr>
+        <p:spPr/>
+        <p:txBody>
+          <a:bodyPr/>
+          <a:lstStyle/>
+          <a:p>
+            <a:endParaRPr lang="en-US">
+              <a:solidFill>
+                <a:prstClr val="black">
+                  <a:tint val="75000"/>
+                </a:prstClr>
+              </a:solidFill>
+            </a:endParaRPr>
+          </a:p>
+        </p:txBody>
+      </p:sp>
+      <p:sp>
+        <p:nvSpPr>
+          <p:cNvPr id="6" name="灯片编号占位符 5"/>
+          <p:cNvSpPr>
+            <a:spLocks noGrp="1"/>
+          </p:cNvSpPr>
+          <p:nvPr>
+            <p:ph type="sldNum" sz="quarter" idx="12"/>
+          </p:nvPr>
+        </p:nvSpPr>
+        <p:spPr/>
+        <p:txBody>
+          <a:bodyPr/>
+          <a:lstStyle/>
+          <a:p>
+            <a:fld id="{6CB346C4-FE00-4E06-A9A6-43F79416BB2D}" type="slidenum">
+              <a:rPr lang="en-US">
+                <a:solidFill>
+                  <a:prstClr val="black">
+                    <a:tint val="75000"/>
+                  </a:prstClr>
+                </a:solidFill>
+              </a:rPr>
+              <a:pPr/>
+              <a:t>‹#›</a:t>
+            </a:fld>
+            <a:endParaRPr lang="en-US">
+              <a:solidFill>
+                <a:prstClr val="black">
+                  <a:tint val="75000"/>
+                </a:prstClr>
+              </a:solidFill>
+            </a:endParaRPr>
+          </a:p>
+        </p:txBody>
+      </p:sp>
+    </p:spTree>
+    <p:extLst>
+      <p:ext uri="{BB962C8B-B14F-4D97-AF65-F5344CB8AC3E}">
+        <p14:creationId xmlns:p14="http://schemas.microsoft.com/office/powerpoint/2010/main" val="2548740410"/>
+      </p:ext>
+    </p:extLst>
+  </p:cSld>
+  <p:clrMapOvr>
+    <a:masterClrMapping/>
+  </p:clrMapOvr>
+</p:sldLayout>
+</file>
+
+<file path=ppt/slideLayouts/slideLayout14.xml><?xml version="1.0" encoding="utf-8"?>
+<p:sldLayout xmlns:a="http://schemas.openxmlformats.org/drawingml/2006/main" xmlns:r="http://schemas.openxmlformats.org/officeDocument/2006/relationships" xmlns:p="http://schemas.openxmlformats.org/presentationml/2006/main" type="secHead" preserve="1">
+  <p:cSld name="节标题">
+    <p:spTree>
+      <p:nvGrpSpPr>
+        <p:cNvPr id="1" name=""/>
+        <p:cNvGrpSpPr/>
+        <p:nvPr/>
+      </p:nvGrpSpPr>
+      <p:grpSpPr>
+        <a:xfrm>
+          <a:off x="0" y="0"/>
+          <a:ext cx="0" cy="0"/>
+          <a:chOff x="0" y="0"/>
+          <a:chExt cx="0" cy="0"/>
+        </a:xfrm>
+      </p:grpSpPr>
+      <p:sp>
+        <p:nvSpPr>
+          <p:cNvPr id="2" name="标题 1"/>
+          <p:cNvSpPr>
+            <a:spLocks noGrp="1"/>
+          </p:cNvSpPr>
+          <p:nvPr>
+            <p:ph type="title"/>
+          </p:nvPr>
+        </p:nvSpPr>
+        <p:spPr>
+          <a:xfrm>
+            <a:off x="831850" y="1709738"/>
+            <a:ext cx="10515600" cy="2852737"/>
+          </a:xfrm>
+        </p:spPr>
+        <p:txBody>
+          <a:bodyPr anchor="b"/>
+          <a:lstStyle>
+            <a:lvl1pPr>
+              <a:defRPr sz="6000"/>
+            </a:lvl1pPr>
+          </a:lstStyle>
+          <a:p>
+            <a:r>
+              <a:rPr lang="zh-CN" altLang="en-US" smtClean="0"/>
+              <a:t>单击此处编辑母版标题样式</a:t>
+            </a:r>
+            <a:endParaRPr lang="en-US"/>
+          </a:p>
+        </p:txBody>
+      </p:sp>
+      <p:sp>
+        <p:nvSpPr>
+          <p:cNvPr id="3" name="文本占位符 2"/>
+          <p:cNvSpPr>
+            <a:spLocks noGrp="1"/>
+          </p:cNvSpPr>
+          <p:nvPr>
+            <p:ph type="body" idx="1"/>
+          </p:nvPr>
+        </p:nvSpPr>
+        <p:spPr>
+          <a:xfrm>
+            <a:off x="831850" y="4589463"/>
+            <a:ext cx="10515600" cy="1500187"/>
+          </a:xfrm>
+        </p:spPr>
+        <p:txBody>
+          <a:bodyPr/>
+          <a:lstStyle>
+            <a:lvl1pPr marL="0" indent="0">
+              <a:buNone/>
+              <a:defRPr sz="2400">
+                <a:solidFill>
+                  <a:schemeClr val="tx1">
+                    <a:tint val="75000"/>
+                  </a:schemeClr>
+                </a:solidFill>
+              </a:defRPr>
+            </a:lvl1pPr>
+            <a:lvl2pPr marL="457200" indent="0">
+              <a:buNone/>
+              <a:defRPr sz="2000">
+                <a:solidFill>
+                  <a:schemeClr val="tx1">
+                    <a:tint val="75000"/>
+                  </a:schemeClr>
+                </a:solidFill>
+              </a:defRPr>
+            </a:lvl2pPr>
+            <a:lvl3pPr marL="914400" indent="0">
+              <a:buNone/>
+              <a:defRPr sz="1800">
+                <a:solidFill>
+                  <a:schemeClr val="tx1">
+                    <a:tint val="75000"/>
+                  </a:schemeClr>
+                </a:solidFill>
+              </a:defRPr>
+            </a:lvl3pPr>
+            <a:lvl4pPr marL="1371600" indent="0">
+              <a:buNone/>
+              <a:defRPr sz="1600">
+                <a:solidFill>
+                  <a:schemeClr val="tx1">
+                    <a:tint val="75000"/>
+                  </a:schemeClr>
+                </a:solidFill>
+              </a:defRPr>
+            </a:lvl4pPr>
+            <a:lvl5pPr marL="1828800" indent="0">
+              <a:buNone/>
+              <a:defRPr sz="1600">
+                <a:solidFill>
+                  <a:schemeClr val="tx1">
+                    <a:tint val="75000"/>
+                  </a:schemeClr>
+                </a:solidFill>
+              </a:defRPr>
+            </a:lvl5pPr>
+            <a:lvl6pPr marL="2286000" indent="0">
+              <a:buNone/>
+              <a:defRPr sz="1600">
+                <a:solidFill>
+                  <a:schemeClr val="tx1">
+                    <a:tint val="75000"/>
+                  </a:schemeClr>
+                </a:solidFill>
+              </a:defRPr>
+            </a:lvl6pPr>
+            <a:lvl7pPr marL="2743200" indent="0">
+              <a:buNone/>
+              <a:defRPr sz="1600">
+                <a:solidFill>
+                  <a:schemeClr val="tx1">
+                    <a:tint val="75000"/>
+                  </a:schemeClr>
+                </a:solidFill>
+              </a:defRPr>
+            </a:lvl7pPr>
+            <a:lvl8pPr marL="3200400" indent="0">
+              <a:buNone/>
+              <a:defRPr sz="1600">
+                <a:solidFill>
+                  <a:schemeClr val="tx1">
+                    <a:tint val="75000"/>
+                  </a:schemeClr>
+                </a:solidFill>
+              </a:defRPr>
+            </a:lvl8pPr>
+            <a:lvl9pPr marL="3657600" indent="0">
+              <a:buNone/>
+              <a:defRPr sz="1600">
+                <a:solidFill>
+                  <a:schemeClr val="tx1">
+                    <a:tint val="75000"/>
+                  </a:schemeClr>
+                </a:solidFill>
+              </a:defRPr>
+            </a:lvl9pPr>
+          </a:lstStyle>
+          <a:p>
+            <a:pPr lvl="0"/>
+            <a:r>
+              <a:rPr lang="zh-CN" altLang="en-US" smtClean="0"/>
+              <a:t>单击此处编辑母版文本样式</a:t>
+            </a:r>
+          </a:p>
+        </p:txBody>
+      </p:sp>
+      <p:sp>
+        <p:nvSpPr>
+          <p:cNvPr id="4" name="日期占位符 3"/>
+          <p:cNvSpPr>
+            <a:spLocks noGrp="1"/>
+          </p:cNvSpPr>
+          <p:nvPr>
+            <p:ph type="dt" sz="half" idx="10"/>
+          </p:nvPr>
+        </p:nvSpPr>
+        <p:spPr/>
+        <p:txBody>
+          <a:bodyPr/>
+          <a:lstStyle/>
+          <a:p>
+            <a:fld id="{7506AF6E-7C2C-4319-BD75-E45FB5426491}" type="datetimeFigureOut">
+              <a:rPr lang="en-US">
+                <a:solidFill>
+                  <a:prstClr val="black">
+                    <a:tint val="75000"/>
+                  </a:prstClr>
+                </a:solidFill>
+              </a:rPr>
+              <a:pPr/>
+              <a:t>9/2/2017</a:t>
+            </a:fld>
+            <a:endParaRPr lang="en-US">
+              <a:solidFill>
+                <a:prstClr val="black">
+                  <a:tint val="75000"/>
+                </a:prstClr>
+              </a:solidFill>
+            </a:endParaRPr>
+          </a:p>
+        </p:txBody>
+      </p:sp>
+      <p:sp>
+        <p:nvSpPr>
+          <p:cNvPr id="5" name="页脚占位符 4"/>
+          <p:cNvSpPr>
+            <a:spLocks noGrp="1"/>
+          </p:cNvSpPr>
+          <p:nvPr>
+            <p:ph type="ftr" sz="quarter" idx="11"/>
+          </p:nvPr>
+        </p:nvSpPr>
+        <p:spPr/>
+        <p:txBody>
+          <a:bodyPr/>
+          <a:lstStyle/>
+          <a:p>
+            <a:endParaRPr lang="en-US">
+              <a:solidFill>
+                <a:prstClr val="black">
+                  <a:tint val="75000"/>
+                </a:prstClr>
+              </a:solidFill>
+            </a:endParaRPr>
+          </a:p>
+        </p:txBody>
+      </p:sp>
+      <p:sp>
+        <p:nvSpPr>
+          <p:cNvPr id="6" name="灯片编号占位符 5"/>
+          <p:cNvSpPr>
+            <a:spLocks noGrp="1"/>
+          </p:cNvSpPr>
+          <p:nvPr>
+            <p:ph type="sldNum" sz="quarter" idx="12"/>
+          </p:nvPr>
+        </p:nvSpPr>
+        <p:spPr/>
+        <p:txBody>
+          <a:bodyPr/>
+          <a:lstStyle/>
+          <a:p>
+            <a:fld id="{6CB346C4-FE00-4E06-A9A6-43F79416BB2D}" type="slidenum">
+              <a:rPr lang="en-US">
+                <a:solidFill>
+                  <a:prstClr val="black">
+                    <a:tint val="75000"/>
+                  </a:prstClr>
+                </a:solidFill>
+              </a:rPr>
+              <a:pPr/>
+              <a:t>‹#›</a:t>
+            </a:fld>
+            <a:endParaRPr lang="en-US">
+              <a:solidFill>
+                <a:prstClr val="black">
+                  <a:tint val="75000"/>
+                </a:prstClr>
+              </a:solidFill>
+            </a:endParaRPr>
+          </a:p>
+        </p:txBody>
+      </p:sp>
+    </p:spTree>
+    <p:extLst>
+      <p:ext uri="{BB962C8B-B14F-4D97-AF65-F5344CB8AC3E}">
+        <p14:creationId xmlns:p14="http://schemas.microsoft.com/office/powerpoint/2010/main" val="3146450793"/>
+      </p:ext>
+    </p:extLst>
+  </p:cSld>
+  <p:clrMapOvr>
+    <a:masterClrMapping/>
+  </p:clrMapOvr>
+</p:sldLayout>
+</file>
+
+<file path=ppt/slideLayouts/slideLayout15.xml><?xml version="1.0" encoding="utf-8"?>
+<p:sldLayout xmlns:a="http://schemas.openxmlformats.org/drawingml/2006/main" xmlns:r="http://schemas.openxmlformats.org/officeDocument/2006/relationships" xmlns:p="http://schemas.openxmlformats.org/presentationml/2006/main" type="twoObj" preserve="1">
+  <p:cSld name="两栏内容">
+    <p:spTree>
+      <p:nvGrpSpPr>
+        <p:cNvPr id="1" name=""/>
+        <p:cNvGrpSpPr/>
+        <p:nvPr/>
+      </p:nvGrpSpPr>
+      <p:grpSpPr>
+        <a:xfrm>
+          <a:off x="0" y="0"/>
+          <a:ext cx="0" cy="0"/>
+          <a:chOff x="0" y="0"/>
+          <a:chExt cx="0" cy="0"/>
+        </a:xfrm>
+      </p:grpSpPr>
+      <p:sp>
+        <p:nvSpPr>
+          <p:cNvPr id="2" name="标题 1"/>
+          <p:cNvSpPr>
+            <a:spLocks noGrp="1"/>
+          </p:cNvSpPr>
+          <p:nvPr>
+            <p:ph type="title"/>
+          </p:nvPr>
+        </p:nvSpPr>
+        <p:spPr/>
+        <p:txBody>
+          <a:bodyPr/>
+          <a:lstStyle/>
+          <a:p>
+            <a:r>
+              <a:rPr lang="zh-CN" altLang="en-US" smtClean="0"/>
+              <a:t>单击此处编辑母版标题样式</a:t>
+            </a:r>
+            <a:endParaRPr lang="en-US"/>
+          </a:p>
+        </p:txBody>
+      </p:sp>
+      <p:sp>
+        <p:nvSpPr>
+          <p:cNvPr id="3" name="内容占位符 2"/>
+          <p:cNvSpPr>
+            <a:spLocks noGrp="1"/>
+          </p:cNvSpPr>
+          <p:nvPr>
+            <p:ph sz="half" idx="1"/>
+          </p:nvPr>
+        </p:nvSpPr>
+        <p:spPr>
+          <a:xfrm>
+            <a:off x="838200" y="1825625"/>
+            <a:ext cx="5181600" cy="4351338"/>
+          </a:xfrm>
+        </p:spPr>
+        <p:txBody>
+          <a:bodyPr/>
+          <a:lstStyle/>
+          <a:p>
+            <a:pPr lvl="0"/>
+            <a:r>
+              <a:rPr lang="zh-CN" altLang="en-US" smtClean="0"/>
+              <a:t>单击此处编辑母版文本样式</a:t>
+            </a:r>
+          </a:p>
+          <a:p>
+            <a:pPr lvl="1"/>
+            <a:r>
+              <a:rPr lang="zh-CN" altLang="en-US" smtClean="0"/>
+              <a:t>第二级</a:t>
+            </a:r>
+          </a:p>
+          <a:p>
+            <a:pPr lvl="2"/>
+            <a:r>
+              <a:rPr lang="zh-CN" altLang="en-US" smtClean="0"/>
+              <a:t>第三级</a:t>
+            </a:r>
+          </a:p>
+          <a:p>
+            <a:pPr lvl="3"/>
+            <a:r>
+              <a:rPr lang="zh-CN" altLang="en-US" smtClean="0"/>
+              <a:t>第四级</a:t>
+            </a:r>
+          </a:p>
+          <a:p>
+            <a:pPr lvl="4"/>
+            <a:r>
+              <a:rPr lang="zh-CN" altLang="en-US" smtClean="0"/>
+              <a:t>第五级</a:t>
+            </a:r>
+            <a:endParaRPr lang="en-US"/>
+          </a:p>
+        </p:txBody>
+      </p:sp>
+      <p:sp>
+        <p:nvSpPr>
+          <p:cNvPr id="4" name="内容占位符 3"/>
+          <p:cNvSpPr>
+            <a:spLocks noGrp="1"/>
+          </p:cNvSpPr>
+          <p:nvPr>
+            <p:ph sz="half" idx="2"/>
+          </p:nvPr>
+        </p:nvSpPr>
+        <p:spPr>
+          <a:xfrm>
+            <a:off x="6172200" y="1825625"/>
+            <a:ext cx="5181600" cy="4351338"/>
+          </a:xfrm>
+        </p:spPr>
+        <p:txBody>
+          <a:bodyPr/>
+          <a:lstStyle/>
+          <a:p>
+            <a:pPr lvl="0"/>
+            <a:r>
+              <a:rPr lang="zh-CN" altLang="en-US" smtClean="0"/>
+              <a:t>单击此处编辑母版文本样式</a:t>
+            </a:r>
+          </a:p>
+          <a:p>
+            <a:pPr lvl="1"/>
+            <a:r>
+              <a:rPr lang="zh-CN" altLang="en-US" smtClean="0"/>
+              <a:t>第二级</a:t>
+            </a:r>
+          </a:p>
+          <a:p>
+            <a:pPr lvl="2"/>
+            <a:r>
+              <a:rPr lang="zh-CN" altLang="en-US" smtClean="0"/>
+              <a:t>第三级</a:t>
+            </a:r>
+          </a:p>
+          <a:p>
+            <a:pPr lvl="3"/>
+            <a:r>
+              <a:rPr lang="zh-CN" altLang="en-US" smtClean="0"/>
+              <a:t>第四级</a:t>
+            </a:r>
+          </a:p>
+          <a:p>
+            <a:pPr lvl="4"/>
+            <a:r>
+              <a:rPr lang="zh-CN" altLang="en-US" smtClean="0"/>
+              <a:t>第五级</a:t>
+            </a:r>
+            <a:endParaRPr lang="en-US"/>
+          </a:p>
+        </p:txBody>
+      </p:sp>
+      <p:sp>
+        <p:nvSpPr>
+          <p:cNvPr id="5" name="日期占位符 4"/>
+          <p:cNvSpPr>
+            <a:spLocks noGrp="1"/>
+          </p:cNvSpPr>
+          <p:nvPr>
+            <p:ph type="dt" sz="half" idx="10"/>
+          </p:nvPr>
+        </p:nvSpPr>
+        <p:spPr/>
+        <p:txBody>
+          <a:bodyPr/>
+          <a:lstStyle/>
+          <a:p>
+            <a:fld id="{7506AF6E-7C2C-4319-BD75-E45FB5426491}" type="datetimeFigureOut">
+              <a:rPr lang="en-US">
+                <a:solidFill>
+                  <a:prstClr val="black">
+                    <a:tint val="75000"/>
+                  </a:prstClr>
+                </a:solidFill>
+              </a:rPr>
+              <a:pPr/>
+              <a:t>9/2/2017</a:t>
+            </a:fld>
+            <a:endParaRPr lang="en-US">
+              <a:solidFill>
+                <a:prstClr val="black">
+                  <a:tint val="75000"/>
+                </a:prstClr>
+              </a:solidFill>
+            </a:endParaRPr>
+          </a:p>
+        </p:txBody>
+      </p:sp>
+      <p:sp>
+        <p:nvSpPr>
+          <p:cNvPr id="6" name="页脚占位符 5"/>
+          <p:cNvSpPr>
+            <a:spLocks noGrp="1"/>
+          </p:cNvSpPr>
+          <p:nvPr>
+            <p:ph type="ftr" sz="quarter" idx="11"/>
+          </p:nvPr>
+        </p:nvSpPr>
+        <p:spPr/>
+        <p:txBody>
+          <a:bodyPr/>
+          <a:lstStyle/>
+          <a:p>
+            <a:endParaRPr lang="en-US">
+              <a:solidFill>
+                <a:prstClr val="black">
+                  <a:tint val="75000"/>
+                </a:prstClr>
+              </a:solidFill>
+            </a:endParaRPr>
+          </a:p>
+        </p:txBody>
+      </p:sp>
+      <p:sp>
+        <p:nvSpPr>
+          <p:cNvPr id="7" name="灯片编号占位符 6"/>
+          <p:cNvSpPr>
+            <a:spLocks noGrp="1"/>
+          </p:cNvSpPr>
+          <p:nvPr>
+            <p:ph type="sldNum" sz="quarter" idx="12"/>
+          </p:nvPr>
+        </p:nvSpPr>
+        <p:spPr/>
+        <p:txBody>
+          <a:bodyPr/>
+          <a:lstStyle/>
+          <a:p>
+            <a:fld id="{6CB346C4-FE00-4E06-A9A6-43F79416BB2D}" type="slidenum">
+              <a:rPr lang="en-US">
+                <a:solidFill>
+                  <a:prstClr val="black">
+                    <a:tint val="75000"/>
+                  </a:prstClr>
+                </a:solidFill>
+              </a:rPr>
+              <a:pPr/>
+              <a:t>‹#›</a:t>
+            </a:fld>
+            <a:endParaRPr lang="en-US">
+              <a:solidFill>
+                <a:prstClr val="black">
+                  <a:tint val="75000"/>
+                </a:prstClr>
+              </a:solidFill>
+            </a:endParaRPr>
+          </a:p>
+        </p:txBody>
+      </p:sp>
+    </p:spTree>
+    <p:extLst>
+      <p:ext uri="{BB962C8B-B14F-4D97-AF65-F5344CB8AC3E}">
+        <p14:creationId xmlns:p14="http://schemas.microsoft.com/office/powerpoint/2010/main" val="514296987"/>
+      </p:ext>
+    </p:extLst>
+  </p:cSld>
+  <p:clrMapOvr>
+    <a:masterClrMapping/>
+  </p:clrMapOvr>
+</p:sldLayout>
+</file>
+
+<file path=ppt/slideLayouts/slideLayout16.xml><?xml version="1.0" encoding="utf-8"?>
+<p:sldLayout xmlns:a="http://schemas.openxmlformats.org/drawingml/2006/main" xmlns:r="http://schemas.openxmlformats.org/officeDocument/2006/relationships" xmlns:p="http://schemas.openxmlformats.org/presentationml/2006/main" type="twoTxTwoObj" preserve="1">
+  <p:cSld name="比较">
+    <p:spTree>
+      <p:nvGrpSpPr>
+        <p:cNvPr id="1" name=""/>
+        <p:cNvGrpSpPr/>
+        <p:nvPr/>
+      </p:nvGrpSpPr>
+      <p:grpSpPr>
+        <a:xfrm>
+          <a:off x="0" y="0"/>
+          <a:ext cx="0" cy="0"/>
+          <a:chOff x="0" y="0"/>
+          <a:chExt cx="0" cy="0"/>
+        </a:xfrm>
+      </p:grpSpPr>
+      <p:sp>
+        <p:nvSpPr>
+          <p:cNvPr id="2" name="标题 1"/>
+          <p:cNvSpPr>
+            <a:spLocks noGrp="1"/>
+          </p:cNvSpPr>
+          <p:nvPr>
+            <p:ph type="title"/>
+          </p:nvPr>
+        </p:nvSpPr>
+        <p:spPr>
+          <a:xfrm>
+            <a:off x="839788" y="365125"/>
+            <a:ext cx="10515600" cy="1325563"/>
+          </a:xfrm>
+        </p:spPr>
+        <p:txBody>
+          <a:bodyPr/>
+          <a:lstStyle/>
+          <a:p>
+            <a:r>
+              <a:rPr lang="zh-CN" altLang="en-US" smtClean="0"/>
+              <a:t>单击此处编辑母版标题样式</a:t>
+            </a:r>
+            <a:endParaRPr lang="en-US"/>
+          </a:p>
+        </p:txBody>
+      </p:sp>
+      <p:sp>
+        <p:nvSpPr>
+          <p:cNvPr id="3" name="文本占位符 2"/>
+          <p:cNvSpPr>
+            <a:spLocks noGrp="1"/>
+          </p:cNvSpPr>
+          <p:nvPr>
+            <p:ph type="body" idx="1"/>
+          </p:nvPr>
+        </p:nvSpPr>
+        <p:spPr>
+          <a:xfrm>
+            <a:off x="839788" y="1681163"/>
+            <a:ext cx="5157787" cy="823912"/>
+          </a:xfrm>
+        </p:spPr>
+        <p:txBody>
+          <a:bodyPr anchor="b"/>
+          <a:lstStyle>
+            <a:lvl1pPr marL="0" indent="0">
+              <a:buNone/>
+              <a:defRPr sz="2400" b="1"/>
+            </a:lvl1pPr>
+            <a:lvl2pPr marL="457200" indent="0">
+              <a:buNone/>
+              <a:defRPr sz="2000" b="1"/>
+            </a:lvl2pPr>
+            <a:lvl3pPr marL="914400" indent="0">
+              <a:buNone/>
+              <a:defRPr sz="1800" b="1"/>
+            </a:lvl3pPr>
+            <a:lvl4pPr marL="1371600" indent="0">
+              <a:buNone/>
+              <a:defRPr sz="1600" b="1"/>
+            </a:lvl4pPr>
+            <a:lvl5pPr marL="1828800" indent="0">
+              <a:buNone/>
+              <a:defRPr sz="1600" b="1"/>
+            </a:lvl5pPr>
+            <a:lvl6pPr marL="2286000" indent="0">
+              <a:buNone/>
+              <a:defRPr sz="1600" b="1"/>
+            </a:lvl6pPr>
+            <a:lvl7pPr marL="2743200" indent="0">
+              <a:buNone/>
+              <a:defRPr sz="1600" b="1"/>
+            </a:lvl7pPr>
+            <a:lvl8pPr marL="3200400" indent="0">
+              <a:buNone/>
+              <a:defRPr sz="1600" b="1"/>
+            </a:lvl8pPr>
+            <a:lvl9pPr marL="3657600" indent="0">
+              <a:buNone/>
+              <a:defRPr sz="1600" b="1"/>
+            </a:lvl9pPr>
+          </a:lstStyle>
+          <a:p>
+            <a:pPr lvl="0"/>
+            <a:r>
+              <a:rPr lang="zh-CN" altLang="en-US" smtClean="0"/>
+              <a:t>单击此处编辑母版文本样式</a:t>
+            </a:r>
+          </a:p>
+        </p:txBody>
+      </p:sp>
+      <p:sp>
+        <p:nvSpPr>
+          <p:cNvPr id="4" name="内容占位符 3"/>
+          <p:cNvSpPr>
+            <a:spLocks noGrp="1"/>
+          </p:cNvSpPr>
+          <p:nvPr>
+            <p:ph sz="half" idx="2"/>
+          </p:nvPr>
+        </p:nvSpPr>
+        <p:spPr>
+          <a:xfrm>
+            <a:off x="839788" y="2505075"/>
+            <a:ext cx="5157787" cy="3684588"/>
+          </a:xfrm>
+        </p:spPr>
+        <p:txBody>
+          <a:bodyPr/>
+          <a:lstStyle/>
+          <a:p>
+            <a:pPr lvl="0"/>
+            <a:r>
+              <a:rPr lang="zh-CN" altLang="en-US" smtClean="0"/>
+              <a:t>单击此处编辑母版文本样式</a:t>
+            </a:r>
+          </a:p>
+          <a:p>
+            <a:pPr lvl="1"/>
+            <a:r>
+              <a:rPr lang="zh-CN" altLang="en-US" smtClean="0"/>
+              <a:t>第二级</a:t>
+            </a:r>
+          </a:p>
+          <a:p>
+            <a:pPr lvl="2"/>
+            <a:r>
+              <a:rPr lang="zh-CN" altLang="en-US" smtClean="0"/>
+              <a:t>第三级</a:t>
+            </a:r>
+          </a:p>
+          <a:p>
+            <a:pPr lvl="3"/>
+            <a:r>
+              <a:rPr lang="zh-CN" altLang="en-US" smtClean="0"/>
+              <a:t>第四级</a:t>
+            </a:r>
+          </a:p>
+          <a:p>
+            <a:pPr lvl="4"/>
+            <a:r>
+              <a:rPr lang="zh-CN" altLang="en-US" smtClean="0"/>
+              <a:t>第五级</a:t>
+            </a:r>
+            <a:endParaRPr lang="en-US"/>
+          </a:p>
+        </p:txBody>
+      </p:sp>
+      <p:sp>
+        <p:nvSpPr>
+          <p:cNvPr id="5" name="文本占位符 4"/>
+          <p:cNvSpPr>
+            <a:spLocks noGrp="1"/>
+          </p:cNvSpPr>
+          <p:nvPr>
+            <p:ph type="body" sz="quarter" idx="3"/>
+          </p:nvPr>
+        </p:nvSpPr>
+        <p:spPr>
+          <a:xfrm>
+            <a:off x="6172200" y="1681163"/>
+            <a:ext cx="5183188" cy="823912"/>
+          </a:xfrm>
+        </p:spPr>
+        <p:txBody>
+          <a:bodyPr anchor="b"/>
+          <a:lstStyle>
+            <a:lvl1pPr marL="0" indent="0">
+              <a:buNone/>
+              <a:defRPr sz="2400" b="1"/>
+            </a:lvl1pPr>
+            <a:lvl2pPr marL="457200" indent="0">
+              <a:buNone/>
+              <a:defRPr sz="2000" b="1"/>
+            </a:lvl2pPr>
+            <a:lvl3pPr marL="914400" indent="0">
+              <a:buNone/>
+              <a:defRPr sz="1800" b="1"/>
+            </a:lvl3pPr>
+            <a:lvl4pPr marL="1371600" indent="0">
+              <a:buNone/>
+              <a:defRPr sz="1600" b="1"/>
+            </a:lvl4pPr>
+            <a:lvl5pPr marL="1828800" indent="0">
+              <a:buNone/>
+              <a:defRPr sz="1600" b="1"/>
+            </a:lvl5pPr>
+            <a:lvl6pPr marL="2286000" indent="0">
+              <a:buNone/>
+              <a:defRPr sz="1600" b="1"/>
+            </a:lvl6pPr>
+            <a:lvl7pPr marL="2743200" indent="0">
+              <a:buNone/>
+              <a:defRPr sz="1600" b="1"/>
+            </a:lvl7pPr>
+            <a:lvl8pPr marL="3200400" indent="0">
+              <a:buNone/>
+              <a:defRPr sz="1600" b="1"/>
+            </a:lvl8pPr>
+            <a:lvl9pPr marL="3657600" indent="0">
+              <a:buNone/>
+              <a:defRPr sz="1600" b="1"/>
+            </a:lvl9pPr>
+          </a:lstStyle>
+          <a:p>
+            <a:pPr lvl="0"/>
+            <a:r>
+              <a:rPr lang="zh-CN" altLang="en-US" smtClean="0"/>
+              <a:t>单击此处编辑母版文本样式</a:t>
+            </a:r>
+          </a:p>
+        </p:txBody>
+      </p:sp>
+      <p:sp>
+        <p:nvSpPr>
+          <p:cNvPr id="6" name="内容占位符 5"/>
+          <p:cNvSpPr>
+            <a:spLocks noGrp="1"/>
+          </p:cNvSpPr>
+          <p:nvPr>
+            <p:ph sz="quarter" idx="4"/>
+          </p:nvPr>
+        </p:nvSpPr>
+        <p:spPr>
+          <a:xfrm>
+            <a:off x="6172200" y="2505075"/>
+            <a:ext cx="5183188" cy="3684588"/>
+          </a:xfrm>
+        </p:spPr>
+        <p:txBody>
+          <a:bodyPr/>
+          <a:lstStyle/>
+          <a:p>
+            <a:pPr lvl="0"/>
+            <a:r>
+              <a:rPr lang="zh-CN" altLang="en-US" smtClean="0"/>
+              <a:t>单击此处编辑母版文本样式</a:t>
+            </a:r>
+          </a:p>
+          <a:p>
+            <a:pPr lvl="1"/>
+            <a:r>
+              <a:rPr lang="zh-CN" altLang="en-US" smtClean="0"/>
+              <a:t>第二级</a:t>
+            </a:r>
+          </a:p>
+          <a:p>
+            <a:pPr lvl="2"/>
+            <a:r>
+              <a:rPr lang="zh-CN" altLang="en-US" smtClean="0"/>
+              <a:t>第三级</a:t>
+            </a:r>
+          </a:p>
+          <a:p>
+            <a:pPr lvl="3"/>
+            <a:r>
+              <a:rPr lang="zh-CN" altLang="en-US" smtClean="0"/>
+              <a:t>第四级</a:t>
+            </a:r>
+          </a:p>
+          <a:p>
+            <a:pPr lvl="4"/>
+            <a:r>
+              <a:rPr lang="zh-CN" altLang="en-US" smtClean="0"/>
+              <a:t>第五级</a:t>
+            </a:r>
+            <a:endParaRPr lang="en-US"/>
+          </a:p>
+        </p:txBody>
+      </p:sp>
+      <p:sp>
+        <p:nvSpPr>
+          <p:cNvPr id="7" name="日期占位符 6"/>
+          <p:cNvSpPr>
+            <a:spLocks noGrp="1"/>
+          </p:cNvSpPr>
+          <p:nvPr>
+            <p:ph type="dt" sz="half" idx="10"/>
+          </p:nvPr>
+        </p:nvSpPr>
+        <p:spPr/>
+        <p:txBody>
+          <a:bodyPr/>
+          <a:lstStyle/>
+          <a:p>
+            <a:fld id="{7506AF6E-7C2C-4319-BD75-E45FB5426491}" type="datetimeFigureOut">
+              <a:rPr lang="en-US">
+                <a:solidFill>
+                  <a:prstClr val="black">
+                    <a:tint val="75000"/>
+                  </a:prstClr>
+                </a:solidFill>
+              </a:rPr>
+              <a:pPr/>
+              <a:t>9/2/2017</a:t>
+            </a:fld>
+            <a:endParaRPr lang="en-US">
+              <a:solidFill>
+                <a:prstClr val="black">
+                  <a:tint val="75000"/>
+                </a:prstClr>
+              </a:solidFill>
+            </a:endParaRPr>
+          </a:p>
+        </p:txBody>
+      </p:sp>
+      <p:sp>
+        <p:nvSpPr>
+          <p:cNvPr id="8" name="页脚占位符 7"/>
+          <p:cNvSpPr>
+            <a:spLocks noGrp="1"/>
+          </p:cNvSpPr>
+          <p:nvPr>
+            <p:ph type="ftr" sz="quarter" idx="11"/>
+          </p:nvPr>
+        </p:nvSpPr>
+        <p:spPr/>
+        <p:txBody>
+          <a:bodyPr/>
+          <a:lstStyle/>
+          <a:p>
+            <a:endParaRPr lang="en-US">
+              <a:solidFill>
+                <a:prstClr val="black">
+                  <a:tint val="75000"/>
+                </a:prstClr>
+              </a:solidFill>
+            </a:endParaRPr>
+          </a:p>
+        </p:txBody>
+      </p:sp>
+      <p:sp>
+        <p:nvSpPr>
+          <p:cNvPr id="9" name="灯片编号占位符 8"/>
+          <p:cNvSpPr>
+            <a:spLocks noGrp="1"/>
+          </p:cNvSpPr>
+          <p:nvPr>
+            <p:ph type="sldNum" sz="quarter" idx="12"/>
+          </p:nvPr>
+        </p:nvSpPr>
+        <p:spPr/>
+        <p:txBody>
+          <a:bodyPr/>
+          <a:lstStyle/>
+          <a:p>
+            <a:fld id="{6CB346C4-FE00-4E06-A9A6-43F79416BB2D}" type="slidenum">
+              <a:rPr lang="en-US">
+                <a:solidFill>
+                  <a:prstClr val="black">
+                    <a:tint val="75000"/>
+                  </a:prstClr>
+                </a:solidFill>
+              </a:rPr>
+              <a:pPr/>
+              <a:t>‹#›</a:t>
+            </a:fld>
+            <a:endParaRPr lang="en-US">
+              <a:solidFill>
+                <a:prstClr val="black">
+                  <a:tint val="75000"/>
+                </a:prstClr>
+              </a:solidFill>
+            </a:endParaRPr>
+          </a:p>
+        </p:txBody>
+      </p:sp>
+    </p:spTree>
+    <p:extLst>
+      <p:ext uri="{BB962C8B-B14F-4D97-AF65-F5344CB8AC3E}">
+        <p14:creationId xmlns:p14="http://schemas.microsoft.com/office/powerpoint/2010/main" val="1068103341"/>
+      </p:ext>
+    </p:extLst>
+  </p:cSld>
+  <p:clrMapOvr>
+    <a:masterClrMapping/>
+  </p:clrMapOvr>
+</p:sldLayout>
+</file>
+
+<file path=ppt/slideLayouts/slideLayout17.xml><?xml version="1.0" encoding="utf-8"?>
+<p:sldLayout xmlns:a="http://schemas.openxmlformats.org/drawingml/2006/main" xmlns:r="http://schemas.openxmlformats.org/officeDocument/2006/relationships" xmlns:p="http://schemas.openxmlformats.org/presentationml/2006/main" type="titleOnly" preserve="1">
+  <p:cSld name="仅标题">
+    <p:spTree>
+      <p:nvGrpSpPr>
+        <p:cNvPr id="1" name=""/>
+        <p:cNvGrpSpPr/>
+        <p:nvPr/>
+      </p:nvGrpSpPr>
+      <p:grpSpPr>
+        <a:xfrm>
+          <a:off x="0" y="0"/>
+          <a:ext cx="0" cy="0"/>
+          <a:chOff x="0" y="0"/>
+          <a:chExt cx="0" cy="0"/>
+        </a:xfrm>
+      </p:grpSpPr>
+      <p:sp>
+        <p:nvSpPr>
+          <p:cNvPr id="2" name="标题 1"/>
+          <p:cNvSpPr>
+            <a:spLocks noGrp="1"/>
+          </p:cNvSpPr>
+          <p:nvPr>
+            <p:ph type="title"/>
+          </p:nvPr>
+        </p:nvSpPr>
+        <p:spPr/>
+        <p:txBody>
+          <a:bodyPr/>
+          <a:lstStyle/>
+          <a:p>
+            <a:r>
+              <a:rPr lang="zh-CN" altLang="en-US" smtClean="0"/>
+              <a:t>单击此处编辑母版标题样式</a:t>
+            </a:r>
+            <a:endParaRPr lang="en-US"/>
+          </a:p>
+        </p:txBody>
+      </p:sp>
+      <p:sp>
+        <p:nvSpPr>
+          <p:cNvPr id="3" name="日期占位符 2"/>
+          <p:cNvSpPr>
+            <a:spLocks noGrp="1"/>
+          </p:cNvSpPr>
+          <p:nvPr>
+            <p:ph type="dt" sz="half" idx="10"/>
+          </p:nvPr>
+        </p:nvSpPr>
+        <p:spPr/>
+        <p:txBody>
+          <a:bodyPr/>
+          <a:lstStyle/>
+          <a:p>
+            <a:fld id="{7506AF6E-7C2C-4319-BD75-E45FB5426491}" type="datetimeFigureOut">
+              <a:rPr lang="en-US">
+                <a:solidFill>
+                  <a:prstClr val="black">
+                    <a:tint val="75000"/>
+                  </a:prstClr>
+                </a:solidFill>
+              </a:rPr>
+              <a:pPr/>
+              <a:t>9/2/2017</a:t>
+            </a:fld>
+            <a:endParaRPr lang="en-US">
+              <a:solidFill>
+                <a:prstClr val="black">
+                  <a:tint val="75000"/>
+                </a:prstClr>
+              </a:solidFill>
+            </a:endParaRPr>
+          </a:p>
+        </p:txBody>
+      </p:sp>
+      <p:sp>
+        <p:nvSpPr>
+          <p:cNvPr id="4" name="页脚占位符 3"/>
+          <p:cNvSpPr>
+            <a:spLocks noGrp="1"/>
+          </p:cNvSpPr>
+          <p:nvPr>
+            <p:ph type="ftr" sz="quarter" idx="11"/>
+          </p:nvPr>
+        </p:nvSpPr>
+        <p:spPr/>
+        <p:txBody>
+          <a:bodyPr/>
+          <a:lstStyle/>
+          <a:p>
+            <a:endParaRPr lang="en-US">
+              <a:solidFill>
+                <a:prstClr val="black">
+                  <a:tint val="75000"/>
+                </a:prstClr>
+              </a:solidFill>
+            </a:endParaRPr>
+          </a:p>
+        </p:txBody>
+      </p:sp>
+      <p:sp>
+        <p:nvSpPr>
+          <p:cNvPr id="5" name="灯片编号占位符 4"/>
+          <p:cNvSpPr>
+            <a:spLocks noGrp="1"/>
+          </p:cNvSpPr>
+          <p:nvPr>
+            <p:ph type="sldNum" sz="quarter" idx="12"/>
+          </p:nvPr>
+        </p:nvSpPr>
+        <p:spPr/>
+        <p:txBody>
+          <a:bodyPr/>
+          <a:lstStyle/>
+          <a:p>
+            <a:fld id="{6CB346C4-FE00-4E06-A9A6-43F79416BB2D}" type="slidenum">
+              <a:rPr lang="en-US">
+                <a:solidFill>
+                  <a:prstClr val="black">
+                    <a:tint val="75000"/>
+                  </a:prstClr>
+                </a:solidFill>
+              </a:rPr>
+              <a:pPr/>
+              <a:t>‹#›</a:t>
+            </a:fld>
+            <a:endParaRPr lang="en-US">
+              <a:solidFill>
+                <a:prstClr val="black">
+                  <a:tint val="75000"/>
+                </a:prstClr>
+              </a:solidFill>
+            </a:endParaRPr>
+          </a:p>
+        </p:txBody>
+      </p:sp>
+    </p:spTree>
+    <p:extLst>
+      <p:ext uri="{BB962C8B-B14F-4D97-AF65-F5344CB8AC3E}">
+        <p14:creationId xmlns:p14="http://schemas.microsoft.com/office/powerpoint/2010/main" val="3210338710"/>
+      </p:ext>
+    </p:extLst>
+  </p:cSld>
+  <p:clrMapOvr>
+    <a:masterClrMapping/>
+  </p:clrMapOvr>
+</p:sldLayout>
+</file>
+
+<file path=ppt/slideLayouts/slideLayout18.xml><?xml version="1.0" encoding="utf-8"?>
+<p:sldLayout xmlns:a="http://schemas.openxmlformats.org/drawingml/2006/main" xmlns:r="http://schemas.openxmlformats.org/officeDocument/2006/relationships" xmlns:p="http://schemas.openxmlformats.org/presentationml/2006/main" type="blank" preserve="1">
+  <p:cSld name="空白">
+    <p:spTree>
+      <p:nvGrpSpPr>
+        <p:cNvPr id="1" name=""/>
+        <p:cNvGrpSpPr/>
+        <p:nvPr/>
+      </p:nvGrpSpPr>
+      <p:grpSpPr>
+        <a:xfrm>
+          <a:off x="0" y="0"/>
+          <a:ext cx="0" cy="0"/>
+          <a:chOff x="0" y="0"/>
+          <a:chExt cx="0" cy="0"/>
+        </a:xfrm>
+      </p:grpSpPr>
+      <p:sp>
+        <p:nvSpPr>
+          <p:cNvPr id="2" name="日期占位符 1"/>
+          <p:cNvSpPr>
+            <a:spLocks noGrp="1"/>
+          </p:cNvSpPr>
+          <p:nvPr>
+            <p:ph type="dt" sz="half" idx="10"/>
+          </p:nvPr>
+        </p:nvSpPr>
+        <p:spPr/>
+        <p:txBody>
+          <a:bodyPr/>
+          <a:lstStyle/>
+          <a:p>
+            <a:fld id="{7506AF6E-7C2C-4319-BD75-E45FB5426491}" type="datetimeFigureOut">
+              <a:rPr lang="en-US">
+                <a:solidFill>
+                  <a:prstClr val="black">
+                    <a:tint val="75000"/>
+                  </a:prstClr>
+                </a:solidFill>
+              </a:rPr>
+              <a:pPr/>
+              <a:t>9/2/2017</a:t>
+            </a:fld>
+            <a:endParaRPr lang="en-US">
+              <a:solidFill>
+                <a:prstClr val="black">
+                  <a:tint val="75000"/>
+                </a:prstClr>
+              </a:solidFill>
+            </a:endParaRPr>
+          </a:p>
+        </p:txBody>
+      </p:sp>
+      <p:sp>
+        <p:nvSpPr>
+          <p:cNvPr id="3" name="页脚占位符 2"/>
+          <p:cNvSpPr>
+            <a:spLocks noGrp="1"/>
+          </p:cNvSpPr>
+          <p:nvPr>
+            <p:ph type="ftr" sz="quarter" idx="11"/>
+          </p:nvPr>
+        </p:nvSpPr>
+        <p:spPr/>
+        <p:txBody>
+          <a:bodyPr/>
+          <a:lstStyle/>
+          <a:p>
+            <a:endParaRPr lang="en-US">
+              <a:solidFill>
+                <a:prstClr val="black">
+                  <a:tint val="75000"/>
+                </a:prstClr>
+              </a:solidFill>
+            </a:endParaRPr>
+          </a:p>
+        </p:txBody>
+      </p:sp>
+      <p:sp>
+        <p:nvSpPr>
+          <p:cNvPr id="4" name="灯片编号占位符 3"/>
+          <p:cNvSpPr>
+            <a:spLocks noGrp="1"/>
+          </p:cNvSpPr>
+          <p:nvPr>
+            <p:ph type="sldNum" sz="quarter" idx="12"/>
+          </p:nvPr>
+        </p:nvSpPr>
+        <p:spPr/>
+        <p:txBody>
+          <a:bodyPr/>
+          <a:lstStyle/>
+          <a:p>
+            <a:fld id="{6CB346C4-FE00-4E06-A9A6-43F79416BB2D}" type="slidenum">
+              <a:rPr lang="en-US">
+                <a:solidFill>
+                  <a:prstClr val="black">
+                    <a:tint val="75000"/>
+                  </a:prstClr>
+                </a:solidFill>
+              </a:rPr>
+              <a:pPr/>
+              <a:t>‹#›</a:t>
+            </a:fld>
+            <a:endParaRPr lang="en-US">
+              <a:solidFill>
+                <a:prstClr val="black">
+                  <a:tint val="75000"/>
+                </a:prstClr>
+              </a:solidFill>
+            </a:endParaRPr>
+          </a:p>
+        </p:txBody>
+      </p:sp>
+    </p:spTree>
+    <p:extLst>
+      <p:ext uri="{BB962C8B-B14F-4D97-AF65-F5344CB8AC3E}">
+        <p14:creationId xmlns:p14="http://schemas.microsoft.com/office/powerpoint/2010/main" val="2471267792"/>
+      </p:ext>
+    </p:extLst>
+  </p:cSld>
+  <p:clrMapOvr>
+    <a:masterClrMapping/>
+  </p:clrMapOvr>
+</p:sldLayout>
+</file>
+
+<file path=ppt/slideLayouts/slideLayout19.xml><?xml version="1.0" encoding="utf-8"?>
+<p:sldLayout xmlns:a="http://schemas.openxmlformats.org/drawingml/2006/main" xmlns:r="http://schemas.openxmlformats.org/officeDocument/2006/relationships" xmlns:p="http://schemas.openxmlformats.org/presentationml/2006/main" type="objTx" preserve="1">
+  <p:cSld name="内容与标题">
+    <p:spTree>
+      <p:nvGrpSpPr>
+        <p:cNvPr id="1" name=""/>
+        <p:cNvGrpSpPr/>
+        <p:nvPr/>
+      </p:nvGrpSpPr>
+      <p:grpSpPr>
+        <a:xfrm>
+          <a:off x="0" y="0"/>
+          <a:ext cx="0" cy="0"/>
+          <a:chOff x="0" y="0"/>
+          <a:chExt cx="0" cy="0"/>
+        </a:xfrm>
+      </p:grpSpPr>
+      <p:sp>
+        <p:nvSpPr>
+          <p:cNvPr id="2" name="标题 1"/>
+          <p:cNvSpPr>
+            <a:spLocks noGrp="1"/>
+          </p:cNvSpPr>
+          <p:nvPr>
+            <p:ph type="title"/>
+          </p:nvPr>
+        </p:nvSpPr>
+        <p:spPr>
+          <a:xfrm>
+            <a:off x="839788" y="457200"/>
+            <a:ext cx="3932237" cy="1600200"/>
+          </a:xfrm>
+        </p:spPr>
+        <p:txBody>
+          <a:bodyPr anchor="b"/>
+          <a:lstStyle>
+            <a:lvl1pPr>
+              <a:defRPr sz="3200"/>
+            </a:lvl1pPr>
+          </a:lstStyle>
+          <a:p>
+            <a:r>
+              <a:rPr lang="zh-CN" altLang="en-US" smtClean="0"/>
+              <a:t>单击此处编辑母版标题样式</a:t>
+            </a:r>
+            <a:endParaRPr lang="en-US"/>
+          </a:p>
+        </p:txBody>
+      </p:sp>
+      <p:sp>
+        <p:nvSpPr>
+          <p:cNvPr id="3" name="内容占位符 2"/>
+          <p:cNvSpPr>
+            <a:spLocks noGrp="1"/>
+          </p:cNvSpPr>
+          <p:nvPr>
+            <p:ph idx="1"/>
+          </p:nvPr>
+        </p:nvSpPr>
+        <p:spPr>
+          <a:xfrm>
+            <a:off x="5183188" y="987425"/>
+            <a:ext cx="6172200" cy="4873625"/>
+          </a:xfrm>
+        </p:spPr>
+        <p:txBody>
+          <a:bodyPr/>
+          <a:lstStyle>
+            <a:lvl1pPr>
+              <a:defRPr sz="3200"/>
+            </a:lvl1pPr>
+            <a:lvl2pPr>
+              <a:defRPr sz="2800"/>
+            </a:lvl2pPr>
+            <a:lvl3pPr>
+              <a:defRPr sz="2400"/>
+            </a:lvl3pPr>
+            <a:lvl4pPr>
+              <a:defRPr sz="2000"/>
+            </a:lvl4pPr>
+            <a:lvl5pPr>
+              <a:defRPr sz="2000"/>
+            </a:lvl5pPr>
+            <a:lvl6pPr>
+              <a:defRPr sz="2000"/>
+            </a:lvl6pPr>
+            <a:lvl7pPr>
+              <a:defRPr sz="2000"/>
+            </a:lvl7pPr>
+            <a:lvl8pPr>
+              <a:defRPr sz="2000"/>
+            </a:lvl8pPr>
+            <a:lvl9pPr>
+              <a:defRPr sz="2000"/>
+            </a:lvl9pPr>
+          </a:lstStyle>
+          <a:p>
+            <a:pPr lvl="0"/>
+            <a:r>
+              <a:rPr lang="zh-CN" altLang="en-US" smtClean="0"/>
+              <a:t>单击此处编辑母版文本样式</a:t>
+            </a:r>
+          </a:p>
+          <a:p>
+            <a:pPr lvl="1"/>
+            <a:r>
+              <a:rPr lang="zh-CN" altLang="en-US" smtClean="0"/>
+              <a:t>第二级</a:t>
+            </a:r>
+          </a:p>
+          <a:p>
+            <a:pPr lvl="2"/>
+            <a:r>
+              <a:rPr lang="zh-CN" altLang="en-US" smtClean="0"/>
+              <a:t>第三级</a:t>
+            </a:r>
+          </a:p>
+          <a:p>
+            <a:pPr lvl="3"/>
+            <a:r>
+              <a:rPr lang="zh-CN" altLang="en-US" smtClean="0"/>
+              <a:t>第四级</a:t>
+            </a:r>
+          </a:p>
+          <a:p>
+            <a:pPr lvl="4"/>
+            <a:r>
+              <a:rPr lang="zh-CN" altLang="en-US" smtClean="0"/>
+              <a:t>第五级</a:t>
+            </a:r>
+            <a:endParaRPr lang="en-US"/>
+          </a:p>
+        </p:txBody>
+      </p:sp>
+      <p:sp>
+        <p:nvSpPr>
+          <p:cNvPr id="4" name="文本占位符 3"/>
+          <p:cNvSpPr>
+            <a:spLocks noGrp="1"/>
+          </p:cNvSpPr>
+          <p:nvPr>
+            <p:ph type="body" sz="half" idx="2"/>
+          </p:nvPr>
+        </p:nvSpPr>
+        <p:spPr>
+          <a:xfrm>
+            <a:off x="839788" y="2057400"/>
+            <a:ext cx="3932237" cy="3811588"/>
+          </a:xfrm>
+        </p:spPr>
+        <p:txBody>
+          <a:bodyPr/>
+          <a:lstStyle>
+            <a:lvl1pPr marL="0" indent="0">
+              <a:buNone/>
+              <a:defRPr sz="1600"/>
+            </a:lvl1pPr>
+            <a:lvl2pPr marL="457200" indent="0">
+              <a:buNone/>
+              <a:defRPr sz="1400"/>
+            </a:lvl2pPr>
+            <a:lvl3pPr marL="914400" indent="0">
+              <a:buNone/>
+              <a:defRPr sz="1200"/>
+            </a:lvl3pPr>
+            <a:lvl4pPr marL="1371600" indent="0">
+              <a:buNone/>
+              <a:defRPr sz="1000"/>
+            </a:lvl4pPr>
+            <a:lvl5pPr marL="1828800" indent="0">
+              <a:buNone/>
+              <a:defRPr sz="1000"/>
+            </a:lvl5pPr>
+            <a:lvl6pPr marL="2286000" indent="0">
+              <a:buNone/>
+              <a:defRPr sz="1000"/>
+            </a:lvl6pPr>
+            <a:lvl7pPr marL="2743200" indent="0">
+              <a:buNone/>
+              <a:defRPr sz="1000"/>
+            </a:lvl7pPr>
+            <a:lvl8pPr marL="3200400" indent="0">
+              <a:buNone/>
+              <a:defRPr sz="1000"/>
+            </a:lvl8pPr>
+            <a:lvl9pPr marL="3657600" indent="0">
+              <a:buNone/>
+              <a:defRPr sz="1000"/>
+            </a:lvl9pPr>
+          </a:lstStyle>
+          <a:p>
+            <a:pPr lvl="0"/>
+            <a:r>
+              <a:rPr lang="zh-CN" altLang="en-US" smtClean="0"/>
+              <a:t>单击此处编辑母版文本样式</a:t>
+            </a:r>
+          </a:p>
+        </p:txBody>
+      </p:sp>
+      <p:sp>
+        <p:nvSpPr>
+          <p:cNvPr id="5" name="日期占位符 4"/>
+          <p:cNvSpPr>
+            <a:spLocks noGrp="1"/>
+          </p:cNvSpPr>
+          <p:nvPr>
+            <p:ph type="dt" sz="half" idx="10"/>
+          </p:nvPr>
+        </p:nvSpPr>
+        <p:spPr/>
+        <p:txBody>
+          <a:bodyPr/>
+          <a:lstStyle/>
+          <a:p>
+            <a:fld id="{7506AF6E-7C2C-4319-BD75-E45FB5426491}" type="datetimeFigureOut">
+              <a:rPr lang="en-US">
+                <a:solidFill>
+                  <a:prstClr val="black">
+                    <a:tint val="75000"/>
+                  </a:prstClr>
+                </a:solidFill>
+              </a:rPr>
+              <a:pPr/>
+              <a:t>9/2/2017</a:t>
+            </a:fld>
+            <a:endParaRPr lang="en-US">
+              <a:solidFill>
+                <a:prstClr val="black">
+                  <a:tint val="75000"/>
+                </a:prstClr>
+              </a:solidFill>
+            </a:endParaRPr>
+          </a:p>
+        </p:txBody>
+      </p:sp>
+      <p:sp>
+        <p:nvSpPr>
+          <p:cNvPr id="6" name="页脚占位符 5"/>
+          <p:cNvSpPr>
+            <a:spLocks noGrp="1"/>
+          </p:cNvSpPr>
+          <p:nvPr>
+            <p:ph type="ftr" sz="quarter" idx="11"/>
+          </p:nvPr>
+        </p:nvSpPr>
+        <p:spPr/>
+        <p:txBody>
+          <a:bodyPr/>
+          <a:lstStyle/>
+          <a:p>
+            <a:endParaRPr lang="en-US">
+              <a:solidFill>
+                <a:prstClr val="black">
+                  <a:tint val="75000"/>
+                </a:prstClr>
+              </a:solidFill>
+            </a:endParaRPr>
+          </a:p>
+        </p:txBody>
+      </p:sp>
+      <p:sp>
+        <p:nvSpPr>
+          <p:cNvPr id="7" name="灯片编号占位符 6"/>
+          <p:cNvSpPr>
+            <a:spLocks noGrp="1"/>
+          </p:cNvSpPr>
+          <p:nvPr>
+            <p:ph type="sldNum" sz="quarter" idx="12"/>
+          </p:nvPr>
+        </p:nvSpPr>
+        <p:spPr/>
+        <p:txBody>
+          <a:bodyPr/>
+          <a:lstStyle/>
+          <a:p>
+            <a:fld id="{6CB346C4-FE00-4E06-A9A6-43F79416BB2D}" type="slidenum">
+              <a:rPr lang="en-US">
+                <a:solidFill>
+                  <a:prstClr val="black">
+                    <a:tint val="75000"/>
+                  </a:prstClr>
+                </a:solidFill>
+              </a:rPr>
+              <a:pPr/>
+              <a:t>‹#›</a:t>
+            </a:fld>
+            <a:endParaRPr lang="en-US">
+              <a:solidFill>
+                <a:prstClr val="black">
+                  <a:tint val="75000"/>
+                </a:prstClr>
+              </a:solidFill>
+            </a:endParaRPr>
+          </a:p>
+        </p:txBody>
+      </p:sp>
+    </p:spTree>
+    <p:extLst>
+      <p:ext uri="{BB962C8B-B14F-4D97-AF65-F5344CB8AC3E}">
+        <p14:creationId xmlns:p14="http://schemas.microsoft.com/office/powerpoint/2010/main" val="1323612127"/>
       </p:ext>
     </p:extLst>
   </p:cSld>
@@ -767,7 +2722,7 @@
           <a:p>
             <a:fld id="{5031EC5B-F743-4982-A443-44F1B46250F2}" type="datetimeFigureOut">
               <a:rPr lang="en-US" smtClean="0"/>
-              <a:t>8/23/2017</a:t>
+              <a:t>9/2/2017</a:t>
             </a:fld>
             <a:endParaRPr lang="en-US"/>
           </a:p>
@@ -819,6 +2774,705 @@
     <p:extLst>
       <p:ext uri="{BB962C8B-B14F-4D97-AF65-F5344CB8AC3E}">
         <p14:creationId xmlns:p14="http://schemas.microsoft.com/office/powerpoint/2010/main" val="3165185735"/>
+      </p:ext>
+    </p:extLst>
+  </p:cSld>
+  <p:clrMapOvr>
+    <a:masterClrMapping/>
+  </p:clrMapOvr>
+</p:sldLayout>
+</file>
+
+<file path=ppt/slideLayouts/slideLayout20.xml><?xml version="1.0" encoding="utf-8"?>
+<p:sldLayout xmlns:a="http://schemas.openxmlformats.org/drawingml/2006/main" xmlns:r="http://schemas.openxmlformats.org/officeDocument/2006/relationships" xmlns:p="http://schemas.openxmlformats.org/presentationml/2006/main" type="picTx" preserve="1">
+  <p:cSld name="图片与标题">
+    <p:spTree>
+      <p:nvGrpSpPr>
+        <p:cNvPr id="1" name=""/>
+        <p:cNvGrpSpPr/>
+        <p:nvPr/>
+      </p:nvGrpSpPr>
+      <p:grpSpPr>
+        <a:xfrm>
+          <a:off x="0" y="0"/>
+          <a:ext cx="0" cy="0"/>
+          <a:chOff x="0" y="0"/>
+          <a:chExt cx="0" cy="0"/>
+        </a:xfrm>
+      </p:grpSpPr>
+      <p:sp>
+        <p:nvSpPr>
+          <p:cNvPr id="2" name="标题 1"/>
+          <p:cNvSpPr>
+            <a:spLocks noGrp="1"/>
+          </p:cNvSpPr>
+          <p:nvPr>
+            <p:ph type="title"/>
+          </p:nvPr>
+        </p:nvSpPr>
+        <p:spPr>
+          <a:xfrm>
+            <a:off x="839788" y="457200"/>
+            <a:ext cx="3932237" cy="1600200"/>
+          </a:xfrm>
+        </p:spPr>
+        <p:txBody>
+          <a:bodyPr anchor="b"/>
+          <a:lstStyle>
+            <a:lvl1pPr>
+              <a:defRPr sz="3200"/>
+            </a:lvl1pPr>
+          </a:lstStyle>
+          <a:p>
+            <a:r>
+              <a:rPr lang="zh-CN" altLang="en-US" smtClean="0"/>
+              <a:t>单击此处编辑母版标题样式</a:t>
+            </a:r>
+            <a:endParaRPr lang="en-US"/>
+          </a:p>
+        </p:txBody>
+      </p:sp>
+      <p:sp>
+        <p:nvSpPr>
+          <p:cNvPr id="3" name="图片占位符 2"/>
+          <p:cNvSpPr>
+            <a:spLocks noGrp="1"/>
+          </p:cNvSpPr>
+          <p:nvPr>
+            <p:ph type="pic" idx="1"/>
+          </p:nvPr>
+        </p:nvSpPr>
+        <p:spPr>
+          <a:xfrm>
+            <a:off x="5183188" y="987425"/>
+            <a:ext cx="6172200" cy="4873625"/>
+          </a:xfrm>
+        </p:spPr>
+        <p:txBody>
+          <a:bodyPr/>
+          <a:lstStyle>
+            <a:lvl1pPr marL="0" indent="0">
+              <a:buNone/>
+              <a:defRPr sz="3200"/>
+            </a:lvl1pPr>
+            <a:lvl2pPr marL="457200" indent="0">
+              <a:buNone/>
+              <a:defRPr sz="2800"/>
+            </a:lvl2pPr>
+            <a:lvl3pPr marL="914400" indent="0">
+              <a:buNone/>
+              <a:defRPr sz="2400"/>
+            </a:lvl3pPr>
+            <a:lvl4pPr marL="1371600" indent="0">
+              <a:buNone/>
+              <a:defRPr sz="2000"/>
+            </a:lvl4pPr>
+            <a:lvl5pPr marL="1828800" indent="0">
+              <a:buNone/>
+              <a:defRPr sz="2000"/>
+            </a:lvl5pPr>
+            <a:lvl6pPr marL="2286000" indent="0">
+              <a:buNone/>
+              <a:defRPr sz="2000"/>
+            </a:lvl6pPr>
+            <a:lvl7pPr marL="2743200" indent="0">
+              <a:buNone/>
+              <a:defRPr sz="2000"/>
+            </a:lvl7pPr>
+            <a:lvl8pPr marL="3200400" indent="0">
+              <a:buNone/>
+              <a:defRPr sz="2000"/>
+            </a:lvl8pPr>
+            <a:lvl9pPr marL="3657600" indent="0">
+              <a:buNone/>
+              <a:defRPr sz="2000"/>
+            </a:lvl9pPr>
+          </a:lstStyle>
+          <a:p>
+            <a:endParaRPr lang="en-US"/>
+          </a:p>
+        </p:txBody>
+      </p:sp>
+      <p:sp>
+        <p:nvSpPr>
+          <p:cNvPr id="4" name="文本占位符 3"/>
+          <p:cNvSpPr>
+            <a:spLocks noGrp="1"/>
+          </p:cNvSpPr>
+          <p:nvPr>
+            <p:ph type="body" sz="half" idx="2"/>
+          </p:nvPr>
+        </p:nvSpPr>
+        <p:spPr>
+          <a:xfrm>
+            <a:off x="839788" y="2057400"/>
+            <a:ext cx="3932237" cy="3811588"/>
+          </a:xfrm>
+        </p:spPr>
+        <p:txBody>
+          <a:bodyPr/>
+          <a:lstStyle>
+            <a:lvl1pPr marL="0" indent="0">
+              <a:buNone/>
+              <a:defRPr sz="1600"/>
+            </a:lvl1pPr>
+            <a:lvl2pPr marL="457200" indent="0">
+              <a:buNone/>
+              <a:defRPr sz="1400"/>
+            </a:lvl2pPr>
+            <a:lvl3pPr marL="914400" indent="0">
+              <a:buNone/>
+              <a:defRPr sz="1200"/>
+            </a:lvl3pPr>
+            <a:lvl4pPr marL="1371600" indent="0">
+              <a:buNone/>
+              <a:defRPr sz="1000"/>
+            </a:lvl4pPr>
+            <a:lvl5pPr marL="1828800" indent="0">
+              <a:buNone/>
+              <a:defRPr sz="1000"/>
+            </a:lvl5pPr>
+            <a:lvl6pPr marL="2286000" indent="0">
+              <a:buNone/>
+              <a:defRPr sz="1000"/>
+            </a:lvl6pPr>
+            <a:lvl7pPr marL="2743200" indent="0">
+              <a:buNone/>
+              <a:defRPr sz="1000"/>
+            </a:lvl7pPr>
+            <a:lvl8pPr marL="3200400" indent="0">
+              <a:buNone/>
+              <a:defRPr sz="1000"/>
+            </a:lvl8pPr>
+            <a:lvl9pPr marL="3657600" indent="0">
+              <a:buNone/>
+              <a:defRPr sz="1000"/>
+            </a:lvl9pPr>
+          </a:lstStyle>
+          <a:p>
+            <a:pPr lvl="0"/>
+            <a:r>
+              <a:rPr lang="zh-CN" altLang="en-US" smtClean="0"/>
+              <a:t>单击此处编辑母版文本样式</a:t>
+            </a:r>
+          </a:p>
+        </p:txBody>
+      </p:sp>
+      <p:sp>
+        <p:nvSpPr>
+          <p:cNvPr id="5" name="日期占位符 4"/>
+          <p:cNvSpPr>
+            <a:spLocks noGrp="1"/>
+          </p:cNvSpPr>
+          <p:nvPr>
+            <p:ph type="dt" sz="half" idx="10"/>
+          </p:nvPr>
+        </p:nvSpPr>
+        <p:spPr/>
+        <p:txBody>
+          <a:bodyPr/>
+          <a:lstStyle/>
+          <a:p>
+            <a:fld id="{7506AF6E-7C2C-4319-BD75-E45FB5426491}" type="datetimeFigureOut">
+              <a:rPr lang="en-US">
+                <a:solidFill>
+                  <a:prstClr val="black">
+                    <a:tint val="75000"/>
+                  </a:prstClr>
+                </a:solidFill>
+              </a:rPr>
+              <a:pPr/>
+              <a:t>9/2/2017</a:t>
+            </a:fld>
+            <a:endParaRPr lang="en-US">
+              <a:solidFill>
+                <a:prstClr val="black">
+                  <a:tint val="75000"/>
+                </a:prstClr>
+              </a:solidFill>
+            </a:endParaRPr>
+          </a:p>
+        </p:txBody>
+      </p:sp>
+      <p:sp>
+        <p:nvSpPr>
+          <p:cNvPr id="6" name="页脚占位符 5"/>
+          <p:cNvSpPr>
+            <a:spLocks noGrp="1"/>
+          </p:cNvSpPr>
+          <p:nvPr>
+            <p:ph type="ftr" sz="quarter" idx="11"/>
+          </p:nvPr>
+        </p:nvSpPr>
+        <p:spPr/>
+        <p:txBody>
+          <a:bodyPr/>
+          <a:lstStyle/>
+          <a:p>
+            <a:endParaRPr lang="en-US">
+              <a:solidFill>
+                <a:prstClr val="black">
+                  <a:tint val="75000"/>
+                </a:prstClr>
+              </a:solidFill>
+            </a:endParaRPr>
+          </a:p>
+        </p:txBody>
+      </p:sp>
+      <p:sp>
+        <p:nvSpPr>
+          <p:cNvPr id="7" name="灯片编号占位符 6"/>
+          <p:cNvSpPr>
+            <a:spLocks noGrp="1"/>
+          </p:cNvSpPr>
+          <p:nvPr>
+            <p:ph type="sldNum" sz="quarter" idx="12"/>
+          </p:nvPr>
+        </p:nvSpPr>
+        <p:spPr/>
+        <p:txBody>
+          <a:bodyPr/>
+          <a:lstStyle/>
+          <a:p>
+            <a:fld id="{6CB346C4-FE00-4E06-A9A6-43F79416BB2D}" type="slidenum">
+              <a:rPr lang="en-US">
+                <a:solidFill>
+                  <a:prstClr val="black">
+                    <a:tint val="75000"/>
+                  </a:prstClr>
+                </a:solidFill>
+              </a:rPr>
+              <a:pPr/>
+              <a:t>‹#›</a:t>
+            </a:fld>
+            <a:endParaRPr lang="en-US">
+              <a:solidFill>
+                <a:prstClr val="black">
+                  <a:tint val="75000"/>
+                </a:prstClr>
+              </a:solidFill>
+            </a:endParaRPr>
+          </a:p>
+        </p:txBody>
+      </p:sp>
+    </p:spTree>
+    <p:extLst>
+      <p:ext uri="{BB962C8B-B14F-4D97-AF65-F5344CB8AC3E}">
+        <p14:creationId xmlns:p14="http://schemas.microsoft.com/office/powerpoint/2010/main" val="1012157547"/>
+      </p:ext>
+    </p:extLst>
+  </p:cSld>
+  <p:clrMapOvr>
+    <a:masterClrMapping/>
+  </p:clrMapOvr>
+</p:sldLayout>
+</file>
+
+<file path=ppt/slideLayouts/slideLayout21.xml><?xml version="1.0" encoding="utf-8"?>
+<p:sldLayout xmlns:a="http://schemas.openxmlformats.org/drawingml/2006/main" xmlns:r="http://schemas.openxmlformats.org/officeDocument/2006/relationships" xmlns:p="http://schemas.openxmlformats.org/presentationml/2006/main" type="vertTx" preserve="1">
+  <p:cSld name="标题和竖排文字">
+    <p:spTree>
+      <p:nvGrpSpPr>
+        <p:cNvPr id="1" name=""/>
+        <p:cNvGrpSpPr/>
+        <p:nvPr/>
+      </p:nvGrpSpPr>
+      <p:grpSpPr>
+        <a:xfrm>
+          <a:off x="0" y="0"/>
+          <a:ext cx="0" cy="0"/>
+          <a:chOff x="0" y="0"/>
+          <a:chExt cx="0" cy="0"/>
+        </a:xfrm>
+      </p:grpSpPr>
+      <p:sp>
+        <p:nvSpPr>
+          <p:cNvPr id="2" name="标题 1"/>
+          <p:cNvSpPr>
+            <a:spLocks noGrp="1"/>
+          </p:cNvSpPr>
+          <p:nvPr>
+            <p:ph type="title"/>
+          </p:nvPr>
+        </p:nvSpPr>
+        <p:spPr/>
+        <p:txBody>
+          <a:bodyPr/>
+          <a:lstStyle/>
+          <a:p>
+            <a:r>
+              <a:rPr lang="zh-CN" altLang="en-US" smtClean="0"/>
+              <a:t>单击此处编辑母版标题样式</a:t>
+            </a:r>
+            <a:endParaRPr lang="en-US"/>
+          </a:p>
+        </p:txBody>
+      </p:sp>
+      <p:sp>
+        <p:nvSpPr>
+          <p:cNvPr id="3" name="竖排文字占位符 2"/>
+          <p:cNvSpPr>
+            <a:spLocks noGrp="1"/>
+          </p:cNvSpPr>
+          <p:nvPr>
+            <p:ph type="body" orient="vert" idx="1"/>
+          </p:nvPr>
+        </p:nvSpPr>
+        <p:spPr/>
+        <p:txBody>
+          <a:bodyPr vert="eaVert"/>
+          <a:lstStyle/>
+          <a:p>
+            <a:pPr lvl="0"/>
+            <a:r>
+              <a:rPr lang="zh-CN" altLang="en-US" smtClean="0"/>
+              <a:t>单击此处编辑母版文本样式</a:t>
+            </a:r>
+          </a:p>
+          <a:p>
+            <a:pPr lvl="1"/>
+            <a:r>
+              <a:rPr lang="zh-CN" altLang="en-US" smtClean="0"/>
+              <a:t>第二级</a:t>
+            </a:r>
+          </a:p>
+          <a:p>
+            <a:pPr lvl="2"/>
+            <a:r>
+              <a:rPr lang="zh-CN" altLang="en-US" smtClean="0"/>
+              <a:t>第三级</a:t>
+            </a:r>
+          </a:p>
+          <a:p>
+            <a:pPr lvl="3"/>
+            <a:r>
+              <a:rPr lang="zh-CN" altLang="en-US" smtClean="0"/>
+              <a:t>第四级</a:t>
+            </a:r>
+          </a:p>
+          <a:p>
+            <a:pPr lvl="4"/>
+            <a:r>
+              <a:rPr lang="zh-CN" altLang="en-US" smtClean="0"/>
+              <a:t>第五级</a:t>
+            </a:r>
+            <a:endParaRPr lang="en-US"/>
+          </a:p>
+        </p:txBody>
+      </p:sp>
+      <p:sp>
+        <p:nvSpPr>
+          <p:cNvPr id="4" name="日期占位符 3"/>
+          <p:cNvSpPr>
+            <a:spLocks noGrp="1"/>
+          </p:cNvSpPr>
+          <p:nvPr>
+            <p:ph type="dt" sz="half" idx="10"/>
+          </p:nvPr>
+        </p:nvSpPr>
+        <p:spPr/>
+        <p:txBody>
+          <a:bodyPr/>
+          <a:lstStyle/>
+          <a:p>
+            <a:fld id="{7506AF6E-7C2C-4319-BD75-E45FB5426491}" type="datetimeFigureOut">
+              <a:rPr lang="en-US">
+                <a:solidFill>
+                  <a:prstClr val="black">
+                    <a:tint val="75000"/>
+                  </a:prstClr>
+                </a:solidFill>
+              </a:rPr>
+              <a:pPr/>
+              <a:t>9/2/2017</a:t>
+            </a:fld>
+            <a:endParaRPr lang="en-US">
+              <a:solidFill>
+                <a:prstClr val="black">
+                  <a:tint val="75000"/>
+                </a:prstClr>
+              </a:solidFill>
+            </a:endParaRPr>
+          </a:p>
+        </p:txBody>
+      </p:sp>
+      <p:sp>
+        <p:nvSpPr>
+          <p:cNvPr id="5" name="页脚占位符 4"/>
+          <p:cNvSpPr>
+            <a:spLocks noGrp="1"/>
+          </p:cNvSpPr>
+          <p:nvPr>
+            <p:ph type="ftr" sz="quarter" idx="11"/>
+          </p:nvPr>
+        </p:nvSpPr>
+        <p:spPr/>
+        <p:txBody>
+          <a:bodyPr/>
+          <a:lstStyle/>
+          <a:p>
+            <a:endParaRPr lang="en-US">
+              <a:solidFill>
+                <a:prstClr val="black">
+                  <a:tint val="75000"/>
+                </a:prstClr>
+              </a:solidFill>
+            </a:endParaRPr>
+          </a:p>
+        </p:txBody>
+      </p:sp>
+      <p:sp>
+        <p:nvSpPr>
+          <p:cNvPr id="6" name="灯片编号占位符 5"/>
+          <p:cNvSpPr>
+            <a:spLocks noGrp="1"/>
+          </p:cNvSpPr>
+          <p:nvPr>
+            <p:ph type="sldNum" sz="quarter" idx="12"/>
+          </p:nvPr>
+        </p:nvSpPr>
+        <p:spPr/>
+        <p:txBody>
+          <a:bodyPr/>
+          <a:lstStyle/>
+          <a:p>
+            <a:fld id="{6CB346C4-FE00-4E06-A9A6-43F79416BB2D}" type="slidenum">
+              <a:rPr lang="en-US">
+                <a:solidFill>
+                  <a:prstClr val="black">
+                    <a:tint val="75000"/>
+                  </a:prstClr>
+                </a:solidFill>
+              </a:rPr>
+              <a:pPr/>
+              <a:t>‹#›</a:t>
+            </a:fld>
+            <a:endParaRPr lang="en-US">
+              <a:solidFill>
+                <a:prstClr val="black">
+                  <a:tint val="75000"/>
+                </a:prstClr>
+              </a:solidFill>
+            </a:endParaRPr>
+          </a:p>
+        </p:txBody>
+      </p:sp>
+    </p:spTree>
+    <p:extLst>
+      <p:ext uri="{BB962C8B-B14F-4D97-AF65-F5344CB8AC3E}">
+        <p14:creationId xmlns:p14="http://schemas.microsoft.com/office/powerpoint/2010/main" val="395500719"/>
+      </p:ext>
+    </p:extLst>
+  </p:cSld>
+  <p:clrMapOvr>
+    <a:masterClrMapping/>
+  </p:clrMapOvr>
+</p:sldLayout>
+</file>
+
+<file path=ppt/slideLayouts/slideLayout22.xml><?xml version="1.0" encoding="utf-8"?>
+<p:sldLayout xmlns:a="http://schemas.openxmlformats.org/drawingml/2006/main" xmlns:r="http://schemas.openxmlformats.org/officeDocument/2006/relationships" xmlns:p="http://schemas.openxmlformats.org/presentationml/2006/main" type="vertTitleAndTx" preserve="1">
+  <p:cSld name="垂直排列标题与&#10;文本">
+    <p:spTree>
+      <p:nvGrpSpPr>
+        <p:cNvPr id="1" name=""/>
+        <p:cNvGrpSpPr/>
+        <p:nvPr/>
+      </p:nvGrpSpPr>
+      <p:grpSpPr>
+        <a:xfrm>
+          <a:off x="0" y="0"/>
+          <a:ext cx="0" cy="0"/>
+          <a:chOff x="0" y="0"/>
+          <a:chExt cx="0" cy="0"/>
+        </a:xfrm>
+      </p:grpSpPr>
+      <p:sp>
+        <p:nvSpPr>
+          <p:cNvPr id="2" name="竖排标题 1"/>
+          <p:cNvSpPr>
+            <a:spLocks noGrp="1"/>
+          </p:cNvSpPr>
+          <p:nvPr>
+            <p:ph type="title" orient="vert"/>
+          </p:nvPr>
+        </p:nvSpPr>
+        <p:spPr>
+          <a:xfrm>
+            <a:off x="8724900" y="365125"/>
+            <a:ext cx="2628900" cy="5811838"/>
+          </a:xfrm>
+        </p:spPr>
+        <p:txBody>
+          <a:bodyPr vert="eaVert"/>
+          <a:lstStyle/>
+          <a:p>
+            <a:r>
+              <a:rPr lang="zh-CN" altLang="en-US" smtClean="0"/>
+              <a:t>单击此处编辑母版标题样式</a:t>
+            </a:r>
+            <a:endParaRPr lang="en-US"/>
+          </a:p>
+        </p:txBody>
+      </p:sp>
+      <p:sp>
+        <p:nvSpPr>
+          <p:cNvPr id="3" name="竖排文字占位符 2"/>
+          <p:cNvSpPr>
+            <a:spLocks noGrp="1"/>
+          </p:cNvSpPr>
+          <p:nvPr>
+            <p:ph type="body" orient="vert" idx="1"/>
+          </p:nvPr>
+        </p:nvSpPr>
+        <p:spPr>
+          <a:xfrm>
+            <a:off x="838200" y="365125"/>
+            <a:ext cx="7734300" cy="5811838"/>
+          </a:xfrm>
+        </p:spPr>
+        <p:txBody>
+          <a:bodyPr vert="eaVert"/>
+          <a:lstStyle/>
+          <a:p>
+            <a:pPr lvl="0"/>
+            <a:r>
+              <a:rPr lang="zh-CN" altLang="en-US" smtClean="0"/>
+              <a:t>单击此处编辑母版文本样式</a:t>
+            </a:r>
+          </a:p>
+          <a:p>
+            <a:pPr lvl="1"/>
+            <a:r>
+              <a:rPr lang="zh-CN" altLang="en-US" smtClean="0"/>
+              <a:t>第二级</a:t>
+            </a:r>
+          </a:p>
+          <a:p>
+            <a:pPr lvl="2"/>
+            <a:r>
+              <a:rPr lang="zh-CN" altLang="en-US" smtClean="0"/>
+              <a:t>第三级</a:t>
+            </a:r>
+          </a:p>
+          <a:p>
+            <a:pPr lvl="3"/>
+            <a:r>
+              <a:rPr lang="zh-CN" altLang="en-US" smtClean="0"/>
+              <a:t>第四级</a:t>
+            </a:r>
+          </a:p>
+          <a:p>
+            <a:pPr lvl="4"/>
+            <a:r>
+              <a:rPr lang="zh-CN" altLang="en-US" smtClean="0"/>
+              <a:t>第五级</a:t>
+            </a:r>
+            <a:endParaRPr lang="en-US"/>
+          </a:p>
+        </p:txBody>
+      </p:sp>
+      <p:sp>
+        <p:nvSpPr>
+          <p:cNvPr id="4" name="日期占位符 3"/>
+          <p:cNvSpPr>
+            <a:spLocks noGrp="1"/>
+          </p:cNvSpPr>
+          <p:nvPr>
+            <p:ph type="dt" sz="half" idx="10"/>
+          </p:nvPr>
+        </p:nvSpPr>
+        <p:spPr/>
+        <p:txBody>
+          <a:bodyPr/>
+          <a:lstStyle/>
+          <a:p>
+            <a:fld id="{7506AF6E-7C2C-4319-BD75-E45FB5426491}" type="datetimeFigureOut">
+              <a:rPr lang="en-US">
+                <a:solidFill>
+                  <a:prstClr val="black">
+                    <a:tint val="75000"/>
+                  </a:prstClr>
+                </a:solidFill>
+              </a:rPr>
+              <a:pPr/>
+              <a:t>9/2/2017</a:t>
+            </a:fld>
+            <a:endParaRPr lang="en-US">
+              <a:solidFill>
+                <a:prstClr val="black">
+                  <a:tint val="75000"/>
+                </a:prstClr>
+              </a:solidFill>
+            </a:endParaRPr>
+          </a:p>
+        </p:txBody>
+      </p:sp>
+      <p:sp>
+        <p:nvSpPr>
+          <p:cNvPr id="5" name="页脚占位符 4"/>
+          <p:cNvSpPr>
+            <a:spLocks noGrp="1"/>
+          </p:cNvSpPr>
+          <p:nvPr>
+            <p:ph type="ftr" sz="quarter" idx="11"/>
+          </p:nvPr>
+        </p:nvSpPr>
+        <p:spPr/>
+        <p:txBody>
+          <a:bodyPr/>
+          <a:lstStyle/>
+          <a:p>
+            <a:endParaRPr lang="en-US">
+              <a:solidFill>
+                <a:prstClr val="black">
+                  <a:tint val="75000"/>
+                </a:prstClr>
+              </a:solidFill>
+            </a:endParaRPr>
+          </a:p>
+        </p:txBody>
+      </p:sp>
+      <p:sp>
+        <p:nvSpPr>
+          <p:cNvPr id="6" name="灯片编号占位符 5"/>
+          <p:cNvSpPr>
+            <a:spLocks noGrp="1"/>
+          </p:cNvSpPr>
+          <p:nvPr>
+            <p:ph type="sldNum" sz="quarter" idx="12"/>
+          </p:nvPr>
+        </p:nvSpPr>
+        <p:spPr/>
+        <p:txBody>
+          <a:bodyPr/>
+          <a:lstStyle/>
+          <a:p>
+            <a:fld id="{6CB346C4-FE00-4E06-A9A6-43F79416BB2D}" type="slidenum">
+              <a:rPr lang="en-US">
+                <a:solidFill>
+                  <a:prstClr val="black">
+                    <a:tint val="75000"/>
+                  </a:prstClr>
+                </a:solidFill>
+              </a:rPr>
+              <a:pPr/>
+              <a:t>‹#›</a:t>
+            </a:fld>
+            <a:endParaRPr lang="en-US">
+              <a:solidFill>
+                <a:prstClr val="black">
+                  <a:tint val="75000"/>
+                </a:prstClr>
+              </a:solidFill>
+            </a:endParaRPr>
+          </a:p>
+        </p:txBody>
+      </p:sp>
+    </p:spTree>
+    <p:extLst>
+      <p:ext uri="{BB962C8B-B14F-4D97-AF65-F5344CB8AC3E}">
+        <p14:creationId xmlns:p14="http://schemas.microsoft.com/office/powerpoint/2010/main" val="3415113001"/>
       </p:ext>
     </p:extLst>
   </p:cSld>
@@ -1013,7 +3667,7 @@
           <a:p>
             <a:fld id="{5031EC5B-F743-4982-A443-44F1B46250F2}" type="datetimeFigureOut">
               <a:rPr lang="en-US" smtClean="0"/>
-              <a:t>8/23/2017</a:t>
+              <a:t>9/2/2017</a:t>
             </a:fld>
             <a:endParaRPr lang="en-US"/>
           </a:p>
@@ -1245,7 +3899,7 @@
           <a:p>
             <a:fld id="{5031EC5B-F743-4982-A443-44F1B46250F2}" type="datetimeFigureOut">
               <a:rPr lang="en-US" smtClean="0"/>
-              <a:t>8/23/2017</a:t>
+              <a:t>9/2/2017</a:t>
             </a:fld>
             <a:endParaRPr lang="en-US"/>
           </a:p>
@@ -1612,7 +4266,7 @@
           <a:p>
             <a:fld id="{5031EC5B-F743-4982-A443-44F1B46250F2}" type="datetimeFigureOut">
               <a:rPr lang="en-US" smtClean="0"/>
-              <a:t>8/23/2017</a:t>
+              <a:t>9/2/2017</a:t>
             </a:fld>
             <a:endParaRPr lang="en-US"/>
           </a:p>
@@ -1730,7 +4384,7 @@
           <a:p>
             <a:fld id="{5031EC5B-F743-4982-A443-44F1B46250F2}" type="datetimeFigureOut">
               <a:rPr lang="en-US" smtClean="0"/>
-              <a:t>8/23/2017</a:t>
+              <a:t>9/2/2017</a:t>
             </a:fld>
             <a:endParaRPr lang="en-US"/>
           </a:p>
@@ -1825,7 +4479,7 @@
           <a:p>
             <a:fld id="{5031EC5B-F743-4982-A443-44F1B46250F2}" type="datetimeFigureOut">
               <a:rPr lang="en-US" smtClean="0"/>
-              <a:t>8/23/2017</a:t>
+              <a:t>9/2/2017</a:t>
             </a:fld>
             <a:endParaRPr lang="en-US"/>
           </a:p>
@@ -2102,7 +4756,7 @@
           <a:p>
             <a:fld id="{5031EC5B-F743-4982-A443-44F1B46250F2}" type="datetimeFigureOut">
               <a:rPr lang="en-US" smtClean="0"/>
-              <a:t>8/23/2017</a:t>
+              <a:t>9/2/2017</a:t>
             </a:fld>
             <a:endParaRPr lang="en-US"/>
           </a:p>
@@ -2355,7 +5009,7 @@
           <a:p>
             <a:fld id="{5031EC5B-F743-4982-A443-44F1B46250F2}" type="datetimeFigureOut">
               <a:rPr lang="en-US" smtClean="0"/>
-              <a:t>8/23/2017</a:t>
+              <a:t>9/2/2017</a:t>
             </a:fld>
             <a:endParaRPr lang="en-US"/>
           </a:p>
@@ -2568,7 +5222,7 @@
           <a:p>
             <a:fld id="{5031EC5B-F743-4982-A443-44F1B46250F2}" type="datetimeFigureOut">
               <a:rPr lang="en-US" smtClean="0"/>
-              <a:t>8/23/2017</a:t>
+              <a:t>9/2/2017</a:t>
             </a:fld>
             <a:endParaRPr lang="en-US"/>
           </a:p>
@@ -2672,6 +5326,578 @@
     <p:sldLayoutId id="2147483657" r:id="rId9"/>
     <p:sldLayoutId id="2147483658" r:id="rId10"/>
     <p:sldLayoutId id="2147483659" r:id="rId11"/>
+  </p:sldLayoutIdLst>
+  <p:txStyles>
+    <p:titleStyle>
+      <a:lvl1pPr algn="l" defTabSz="914400" rtl="0" eaLnBrk="1" latinLnBrk="0" hangingPunct="1">
+        <a:lnSpc>
+          <a:spcPct val="90000"/>
+        </a:lnSpc>
+        <a:spcBef>
+          <a:spcPct val="0"/>
+        </a:spcBef>
+        <a:buNone/>
+        <a:defRPr sz="4400" kern="1200">
+          <a:solidFill>
+            <a:schemeClr val="tx1"/>
+          </a:solidFill>
+          <a:latin typeface="+mj-lt"/>
+          <a:ea typeface="+mj-ea"/>
+          <a:cs typeface="+mj-cs"/>
+        </a:defRPr>
+      </a:lvl1pPr>
+    </p:titleStyle>
+    <p:bodyStyle>
+      <a:lvl1pPr marL="228600" indent="-228600" algn="l" defTabSz="914400" rtl="0" eaLnBrk="1" latinLnBrk="0" hangingPunct="1">
+        <a:lnSpc>
+          <a:spcPct val="90000"/>
+        </a:lnSpc>
+        <a:spcBef>
+          <a:spcPts val="1000"/>
+        </a:spcBef>
+        <a:buFont typeface="Arial" panose="020B0604020202020204" pitchFamily="34" charset="0"/>
+        <a:buChar char="•"/>
+        <a:defRPr sz="2800" kern="1200">
+          <a:solidFill>
+            <a:schemeClr val="tx1"/>
+          </a:solidFill>
+          <a:latin typeface="+mn-lt"/>
+          <a:ea typeface="+mn-ea"/>
+          <a:cs typeface="+mn-cs"/>
+        </a:defRPr>
+      </a:lvl1pPr>
+      <a:lvl2pPr marL="685800" indent="-228600" algn="l" defTabSz="914400" rtl="0" eaLnBrk="1" latinLnBrk="0" hangingPunct="1">
+        <a:lnSpc>
+          <a:spcPct val="90000"/>
+        </a:lnSpc>
+        <a:spcBef>
+          <a:spcPts val="500"/>
+        </a:spcBef>
+        <a:buFont typeface="Arial" panose="020B0604020202020204" pitchFamily="34" charset="0"/>
+        <a:buChar char="•"/>
+        <a:defRPr sz="2400" kern="1200">
+          <a:solidFill>
+            <a:schemeClr val="tx1"/>
+          </a:solidFill>
+          <a:latin typeface="+mn-lt"/>
+          <a:ea typeface="+mn-ea"/>
+          <a:cs typeface="+mn-cs"/>
+        </a:defRPr>
+      </a:lvl2pPr>
+      <a:lvl3pPr marL="1143000" indent="-228600" algn="l" defTabSz="914400" rtl="0" eaLnBrk="1" latinLnBrk="0" hangingPunct="1">
+        <a:lnSpc>
+          <a:spcPct val="90000"/>
+        </a:lnSpc>
+        <a:spcBef>
+          <a:spcPts val="500"/>
+        </a:spcBef>
+        <a:buFont typeface="Arial" panose="020B0604020202020204" pitchFamily="34" charset="0"/>
+        <a:buChar char="•"/>
+        <a:defRPr sz="2000" kern="1200">
+          <a:solidFill>
+            <a:schemeClr val="tx1"/>
+          </a:solidFill>
+          <a:latin typeface="+mn-lt"/>
+          <a:ea typeface="+mn-ea"/>
+          <a:cs typeface="+mn-cs"/>
+        </a:defRPr>
+      </a:lvl3pPr>
+      <a:lvl4pPr marL="1600200" indent="-228600" algn="l" defTabSz="914400" rtl="0" eaLnBrk="1" latinLnBrk="0" hangingPunct="1">
+        <a:lnSpc>
+          <a:spcPct val="90000"/>
+        </a:lnSpc>
+        <a:spcBef>
+          <a:spcPts val="500"/>
+        </a:spcBef>
+        <a:buFont typeface="Arial" panose="020B0604020202020204" pitchFamily="34" charset="0"/>
+        <a:buChar char="•"/>
+        <a:defRPr sz="1800" kern="1200">
+          <a:solidFill>
+            <a:schemeClr val="tx1"/>
+          </a:solidFill>
+          <a:latin typeface="+mn-lt"/>
+          <a:ea typeface="+mn-ea"/>
+          <a:cs typeface="+mn-cs"/>
+        </a:defRPr>
+      </a:lvl4pPr>
+      <a:lvl5pPr marL="2057400" indent="-228600" algn="l" defTabSz="914400" rtl="0" eaLnBrk="1" latinLnBrk="0" hangingPunct="1">
+        <a:lnSpc>
+          <a:spcPct val="90000"/>
+        </a:lnSpc>
+        <a:spcBef>
+          <a:spcPts val="500"/>
+        </a:spcBef>
+        <a:buFont typeface="Arial" panose="020B0604020202020204" pitchFamily="34" charset="0"/>
+        <a:buChar char="•"/>
+        <a:defRPr sz="1800" kern="1200">
+          <a:solidFill>
+            <a:schemeClr val="tx1"/>
+          </a:solidFill>
+          <a:latin typeface="+mn-lt"/>
+          <a:ea typeface="+mn-ea"/>
+          <a:cs typeface="+mn-cs"/>
+        </a:defRPr>
+      </a:lvl5pPr>
+      <a:lvl6pPr marL="2514600" indent="-228600" algn="l" defTabSz="914400" rtl="0" eaLnBrk="1" latinLnBrk="0" hangingPunct="1">
+        <a:lnSpc>
+          <a:spcPct val="90000"/>
+        </a:lnSpc>
+        <a:spcBef>
+          <a:spcPts val="500"/>
+        </a:spcBef>
+        <a:buFont typeface="Arial" panose="020B0604020202020204" pitchFamily="34" charset="0"/>
+        <a:buChar char="•"/>
+        <a:defRPr sz="1800" kern="1200">
+          <a:solidFill>
+            <a:schemeClr val="tx1"/>
+          </a:solidFill>
+          <a:latin typeface="+mn-lt"/>
+          <a:ea typeface="+mn-ea"/>
+          <a:cs typeface="+mn-cs"/>
+        </a:defRPr>
+      </a:lvl6pPr>
+      <a:lvl7pPr marL="2971800" indent="-228600" algn="l" defTabSz="914400" rtl="0" eaLnBrk="1" latinLnBrk="0" hangingPunct="1">
+        <a:lnSpc>
+          <a:spcPct val="90000"/>
+        </a:lnSpc>
+        <a:spcBef>
+          <a:spcPts val="500"/>
+        </a:spcBef>
+        <a:buFont typeface="Arial" panose="020B0604020202020204" pitchFamily="34" charset="0"/>
+        <a:buChar char="•"/>
+        <a:defRPr sz="1800" kern="1200">
+          <a:solidFill>
+            <a:schemeClr val="tx1"/>
+          </a:solidFill>
+          <a:latin typeface="+mn-lt"/>
+          <a:ea typeface="+mn-ea"/>
+          <a:cs typeface="+mn-cs"/>
+        </a:defRPr>
+      </a:lvl7pPr>
+      <a:lvl8pPr marL="3429000" indent="-228600" algn="l" defTabSz="914400" rtl="0" eaLnBrk="1" latinLnBrk="0" hangingPunct="1">
+        <a:lnSpc>
+          <a:spcPct val="90000"/>
+        </a:lnSpc>
+        <a:spcBef>
+          <a:spcPts val="500"/>
+        </a:spcBef>
+        <a:buFont typeface="Arial" panose="020B0604020202020204" pitchFamily="34" charset="0"/>
+        <a:buChar char="•"/>
+        <a:defRPr sz="1800" kern="1200">
+          <a:solidFill>
+            <a:schemeClr val="tx1"/>
+          </a:solidFill>
+          <a:latin typeface="+mn-lt"/>
+          <a:ea typeface="+mn-ea"/>
+          <a:cs typeface="+mn-cs"/>
+        </a:defRPr>
+      </a:lvl8pPr>
+      <a:lvl9pPr marL="3886200" indent="-228600" algn="l" defTabSz="914400" rtl="0" eaLnBrk="1" latinLnBrk="0" hangingPunct="1">
+        <a:lnSpc>
+          <a:spcPct val="90000"/>
+        </a:lnSpc>
+        <a:spcBef>
+          <a:spcPts val="500"/>
+        </a:spcBef>
+        <a:buFont typeface="Arial" panose="020B0604020202020204" pitchFamily="34" charset="0"/>
+        <a:buChar char="•"/>
+        <a:defRPr sz="1800" kern="1200">
+          <a:solidFill>
+            <a:schemeClr val="tx1"/>
+          </a:solidFill>
+          <a:latin typeface="+mn-lt"/>
+          <a:ea typeface="+mn-ea"/>
+          <a:cs typeface="+mn-cs"/>
+        </a:defRPr>
+      </a:lvl9pPr>
+    </p:bodyStyle>
+    <p:otherStyle>
+      <a:defPPr>
+        <a:defRPr lang="en-US"/>
+      </a:defPPr>
+      <a:lvl1pPr marL="0" algn="l" defTabSz="914400" rtl="0" eaLnBrk="1" latinLnBrk="0" hangingPunct="1">
+        <a:defRPr sz="1800" kern="1200">
+          <a:solidFill>
+            <a:schemeClr val="tx1"/>
+          </a:solidFill>
+          <a:latin typeface="+mn-lt"/>
+          <a:ea typeface="+mn-ea"/>
+          <a:cs typeface="+mn-cs"/>
+        </a:defRPr>
+      </a:lvl1pPr>
+      <a:lvl2pPr marL="457200" algn="l" defTabSz="914400" rtl="0" eaLnBrk="1" latinLnBrk="0" hangingPunct="1">
+        <a:defRPr sz="1800" kern="1200">
+          <a:solidFill>
+            <a:schemeClr val="tx1"/>
+          </a:solidFill>
+          <a:latin typeface="+mn-lt"/>
+          <a:ea typeface="+mn-ea"/>
+          <a:cs typeface="+mn-cs"/>
+        </a:defRPr>
+      </a:lvl2pPr>
+      <a:lvl3pPr marL="914400" algn="l" defTabSz="914400" rtl="0" eaLnBrk="1" latinLnBrk="0" hangingPunct="1">
+        <a:defRPr sz="1800" kern="1200">
+          <a:solidFill>
+            <a:schemeClr val="tx1"/>
+          </a:solidFill>
+          <a:latin typeface="+mn-lt"/>
+          <a:ea typeface="+mn-ea"/>
+          <a:cs typeface="+mn-cs"/>
+        </a:defRPr>
+      </a:lvl3pPr>
+      <a:lvl4pPr marL="1371600" algn="l" defTabSz="914400" rtl="0" eaLnBrk="1" latinLnBrk="0" hangingPunct="1">
+        <a:defRPr sz="1800" kern="1200">
+          <a:solidFill>
+            <a:schemeClr val="tx1"/>
+          </a:solidFill>
+          <a:latin typeface="+mn-lt"/>
+          <a:ea typeface="+mn-ea"/>
+          <a:cs typeface="+mn-cs"/>
+        </a:defRPr>
+      </a:lvl4pPr>
+      <a:lvl5pPr marL="1828800" algn="l" defTabSz="914400" rtl="0" eaLnBrk="1" latinLnBrk="0" hangingPunct="1">
+        <a:defRPr sz="1800" kern="1200">
+          <a:solidFill>
+            <a:schemeClr val="tx1"/>
+          </a:solidFill>
+          <a:latin typeface="+mn-lt"/>
+          <a:ea typeface="+mn-ea"/>
+          <a:cs typeface="+mn-cs"/>
+        </a:defRPr>
+      </a:lvl5pPr>
+      <a:lvl6pPr marL="2286000" algn="l" defTabSz="914400" rtl="0" eaLnBrk="1" latinLnBrk="0" hangingPunct="1">
+        <a:defRPr sz="1800" kern="1200">
+          <a:solidFill>
+            <a:schemeClr val="tx1"/>
+          </a:solidFill>
+          <a:latin typeface="+mn-lt"/>
+          <a:ea typeface="+mn-ea"/>
+          <a:cs typeface="+mn-cs"/>
+        </a:defRPr>
+      </a:lvl6pPr>
+      <a:lvl7pPr marL="2743200" algn="l" defTabSz="914400" rtl="0" eaLnBrk="1" latinLnBrk="0" hangingPunct="1">
+        <a:defRPr sz="1800" kern="1200">
+          <a:solidFill>
+            <a:schemeClr val="tx1"/>
+          </a:solidFill>
+          <a:latin typeface="+mn-lt"/>
+          <a:ea typeface="+mn-ea"/>
+          <a:cs typeface="+mn-cs"/>
+        </a:defRPr>
+      </a:lvl7pPr>
+      <a:lvl8pPr marL="3200400" algn="l" defTabSz="914400" rtl="0" eaLnBrk="1" latinLnBrk="0" hangingPunct="1">
+        <a:defRPr sz="1800" kern="1200">
+          <a:solidFill>
+            <a:schemeClr val="tx1"/>
+          </a:solidFill>
+          <a:latin typeface="+mn-lt"/>
+          <a:ea typeface="+mn-ea"/>
+          <a:cs typeface="+mn-cs"/>
+        </a:defRPr>
+      </a:lvl8pPr>
+      <a:lvl9pPr marL="3657600" algn="l" defTabSz="914400" rtl="0" eaLnBrk="1" latinLnBrk="0" hangingPunct="1">
+        <a:defRPr sz="1800" kern="1200">
+          <a:solidFill>
+            <a:schemeClr val="tx1"/>
+          </a:solidFill>
+          <a:latin typeface="+mn-lt"/>
+          <a:ea typeface="+mn-ea"/>
+          <a:cs typeface="+mn-cs"/>
+        </a:defRPr>
+      </a:lvl9pPr>
+    </p:otherStyle>
+  </p:txStyles>
+</p:sldMaster>
+</file>
+
+<file path=ppt/slideMasters/slideMaster2.xml><?xml version="1.0" encoding="utf-8"?>
+<p:sldMaster xmlns:a="http://schemas.openxmlformats.org/drawingml/2006/main" xmlns:r="http://schemas.openxmlformats.org/officeDocument/2006/relationships" xmlns:p="http://schemas.openxmlformats.org/presentationml/2006/main">
+  <p:cSld>
+    <p:bg>
+      <p:bgRef idx="1001">
+        <a:schemeClr val="bg1"/>
+      </p:bgRef>
+    </p:bg>
+    <p:spTree>
+      <p:nvGrpSpPr>
+        <p:cNvPr id="1" name=""/>
+        <p:cNvGrpSpPr/>
+        <p:nvPr/>
+      </p:nvGrpSpPr>
+      <p:grpSpPr>
+        <a:xfrm>
+          <a:off x="0" y="0"/>
+          <a:ext cx="0" cy="0"/>
+          <a:chOff x="0" y="0"/>
+          <a:chExt cx="0" cy="0"/>
+        </a:xfrm>
+      </p:grpSpPr>
+      <p:sp>
+        <p:nvSpPr>
+          <p:cNvPr id="2" name="标题占位符 1"/>
+          <p:cNvSpPr>
+            <a:spLocks noGrp="1"/>
+          </p:cNvSpPr>
+          <p:nvPr>
+            <p:ph type="title"/>
+          </p:nvPr>
+        </p:nvSpPr>
+        <p:spPr>
+          <a:xfrm>
+            <a:off x="838200" y="365125"/>
+            <a:ext cx="10515600" cy="1325563"/>
+          </a:xfrm>
+          <a:prstGeom prst="rect">
+            <a:avLst/>
+          </a:prstGeom>
+        </p:spPr>
+        <p:txBody>
+          <a:bodyPr vert="horz" lIns="91440" tIns="45720" rIns="91440" bIns="45720" rtlCol="0" anchor="ctr">
+            <a:normAutofit/>
+          </a:bodyPr>
+          <a:lstStyle/>
+          <a:p>
+            <a:r>
+              <a:rPr lang="zh-CN" altLang="en-US" smtClean="0"/>
+              <a:t>单击此处编辑母版标题样式</a:t>
+            </a:r>
+            <a:endParaRPr lang="en-US"/>
+          </a:p>
+        </p:txBody>
+      </p:sp>
+      <p:sp>
+        <p:nvSpPr>
+          <p:cNvPr id="3" name="文本占位符 2"/>
+          <p:cNvSpPr>
+            <a:spLocks noGrp="1"/>
+          </p:cNvSpPr>
+          <p:nvPr>
+            <p:ph type="body" idx="1"/>
+          </p:nvPr>
+        </p:nvSpPr>
+        <p:spPr>
+          <a:xfrm>
+            <a:off x="838200" y="1825625"/>
+            <a:ext cx="10515600" cy="4351338"/>
+          </a:xfrm>
+          <a:prstGeom prst="rect">
+            <a:avLst/>
+          </a:prstGeom>
+        </p:spPr>
+        <p:txBody>
+          <a:bodyPr vert="horz" lIns="91440" tIns="45720" rIns="91440" bIns="45720" rtlCol="0">
+            <a:normAutofit/>
+          </a:bodyPr>
+          <a:lstStyle/>
+          <a:p>
+            <a:pPr lvl="0"/>
+            <a:r>
+              <a:rPr lang="zh-CN" altLang="en-US" smtClean="0"/>
+              <a:t>单击此处编辑母版文本样式</a:t>
+            </a:r>
+          </a:p>
+          <a:p>
+            <a:pPr lvl="1"/>
+            <a:r>
+              <a:rPr lang="zh-CN" altLang="en-US" smtClean="0"/>
+              <a:t>第二级</a:t>
+            </a:r>
+          </a:p>
+          <a:p>
+            <a:pPr lvl="2"/>
+            <a:r>
+              <a:rPr lang="zh-CN" altLang="en-US" smtClean="0"/>
+              <a:t>第三级</a:t>
+            </a:r>
+          </a:p>
+          <a:p>
+            <a:pPr lvl="3"/>
+            <a:r>
+              <a:rPr lang="zh-CN" altLang="en-US" smtClean="0"/>
+              <a:t>第四级</a:t>
+            </a:r>
+          </a:p>
+          <a:p>
+            <a:pPr lvl="4"/>
+            <a:r>
+              <a:rPr lang="zh-CN" altLang="en-US" smtClean="0"/>
+              <a:t>第五级</a:t>
+            </a:r>
+            <a:endParaRPr lang="en-US"/>
+          </a:p>
+        </p:txBody>
+      </p:sp>
+      <p:sp>
+        <p:nvSpPr>
+          <p:cNvPr id="4" name="日期占位符 3"/>
+          <p:cNvSpPr>
+            <a:spLocks noGrp="1"/>
+          </p:cNvSpPr>
+          <p:nvPr>
+            <p:ph type="dt" sz="half" idx="2"/>
+          </p:nvPr>
+        </p:nvSpPr>
+        <p:spPr>
+          <a:xfrm>
+            <a:off x="838200" y="6356350"/>
+            <a:ext cx="2743200" cy="365125"/>
+          </a:xfrm>
+          <a:prstGeom prst="rect">
+            <a:avLst/>
+          </a:prstGeom>
+        </p:spPr>
+        <p:txBody>
+          <a:bodyPr vert="horz" lIns="91440" tIns="45720" rIns="91440" bIns="45720" rtlCol="0" anchor="ctr"/>
+          <a:lstStyle>
+            <a:lvl1pPr algn="l">
+              <a:defRPr sz="1200">
+                <a:solidFill>
+                  <a:schemeClr val="tx1">
+                    <a:tint val="75000"/>
+                  </a:schemeClr>
+                </a:solidFill>
+              </a:defRPr>
+            </a:lvl1pPr>
+          </a:lstStyle>
+          <a:p>
+            <a:fld id="{7506AF6E-7C2C-4319-BD75-E45FB5426491}" type="datetimeFigureOut">
+              <a:rPr lang="en-US" smtClean="0">
+                <a:solidFill>
+                  <a:prstClr val="black">
+                    <a:tint val="75000"/>
+                  </a:prstClr>
+                </a:solidFill>
+              </a:rPr>
+              <a:pPr/>
+              <a:t>9/2/2017</a:t>
+            </a:fld>
+            <a:endParaRPr lang="en-US" smtClean="0">
+              <a:solidFill>
+                <a:prstClr val="black">
+                  <a:tint val="75000"/>
+                </a:prstClr>
+              </a:solidFill>
+            </a:endParaRPr>
+          </a:p>
+        </p:txBody>
+      </p:sp>
+      <p:sp>
+        <p:nvSpPr>
+          <p:cNvPr id="5" name="页脚占位符 4"/>
+          <p:cNvSpPr>
+            <a:spLocks noGrp="1"/>
+          </p:cNvSpPr>
+          <p:nvPr>
+            <p:ph type="ftr" sz="quarter" idx="3"/>
+          </p:nvPr>
+        </p:nvSpPr>
+        <p:spPr>
+          <a:xfrm>
+            <a:off x="4038600" y="6356350"/>
+            <a:ext cx="4114800" cy="365125"/>
+          </a:xfrm>
+          <a:prstGeom prst="rect">
+            <a:avLst/>
+          </a:prstGeom>
+        </p:spPr>
+        <p:txBody>
+          <a:bodyPr vert="horz" lIns="91440" tIns="45720" rIns="91440" bIns="45720" rtlCol="0" anchor="ctr"/>
+          <a:lstStyle>
+            <a:lvl1pPr algn="ctr">
+              <a:defRPr sz="1200">
+                <a:solidFill>
+                  <a:schemeClr val="tx1">
+                    <a:tint val="75000"/>
+                  </a:schemeClr>
+                </a:solidFill>
+              </a:defRPr>
+            </a:lvl1pPr>
+          </a:lstStyle>
+          <a:p>
+            <a:endParaRPr lang="en-US" smtClean="0">
+              <a:solidFill>
+                <a:prstClr val="black">
+                  <a:tint val="75000"/>
+                </a:prstClr>
+              </a:solidFill>
+            </a:endParaRPr>
+          </a:p>
+        </p:txBody>
+      </p:sp>
+      <p:sp>
+        <p:nvSpPr>
+          <p:cNvPr id="6" name="灯片编号占位符 5"/>
+          <p:cNvSpPr>
+            <a:spLocks noGrp="1"/>
+          </p:cNvSpPr>
+          <p:nvPr>
+            <p:ph type="sldNum" sz="quarter" idx="4"/>
+          </p:nvPr>
+        </p:nvSpPr>
+        <p:spPr>
+          <a:xfrm>
+            <a:off x="8610600" y="6356350"/>
+            <a:ext cx="2743200" cy="365125"/>
+          </a:xfrm>
+          <a:prstGeom prst="rect">
+            <a:avLst/>
+          </a:prstGeom>
+        </p:spPr>
+        <p:txBody>
+          <a:bodyPr vert="horz" lIns="91440" tIns="45720" rIns="91440" bIns="45720" rtlCol="0" anchor="ctr"/>
+          <a:lstStyle>
+            <a:lvl1pPr algn="r">
+              <a:defRPr sz="1200">
+                <a:solidFill>
+                  <a:schemeClr val="tx1">
+                    <a:tint val="75000"/>
+                  </a:schemeClr>
+                </a:solidFill>
+              </a:defRPr>
+            </a:lvl1pPr>
+          </a:lstStyle>
+          <a:p>
+            <a:fld id="{6CB346C4-FE00-4E06-A9A6-43F79416BB2D}" type="slidenum">
+              <a:rPr lang="en-US" smtClean="0">
+                <a:solidFill>
+                  <a:prstClr val="black">
+                    <a:tint val="75000"/>
+                  </a:prstClr>
+                </a:solidFill>
+              </a:rPr>
+              <a:pPr/>
+              <a:t>‹#›</a:t>
+            </a:fld>
+            <a:endParaRPr lang="en-US" smtClean="0">
+              <a:solidFill>
+                <a:prstClr val="black">
+                  <a:tint val="75000"/>
+                </a:prstClr>
+              </a:solidFill>
+            </a:endParaRPr>
+          </a:p>
+        </p:txBody>
+      </p:sp>
+    </p:spTree>
+    <p:extLst>
+      <p:ext uri="{BB962C8B-B14F-4D97-AF65-F5344CB8AC3E}">
+        <p14:creationId xmlns:p14="http://schemas.microsoft.com/office/powerpoint/2010/main" val="3838507074"/>
+      </p:ext>
+    </p:extLst>
+  </p:cSld>
+  <p:clrMap bg1="lt1" tx1="dk1" bg2="lt2" tx2="dk2" accent1="accent1" accent2="accent2" accent3="accent3" accent4="accent4" accent5="accent5" accent6="accent6" hlink="hlink" folHlink="folHlink"/>
+  <p:sldLayoutIdLst>
+    <p:sldLayoutId id="2147483661" r:id="rId1"/>
+    <p:sldLayoutId id="2147483662" r:id="rId2"/>
+    <p:sldLayoutId id="2147483663" r:id="rId3"/>
+    <p:sldLayoutId id="2147483664" r:id="rId4"/>
+    <p:sldLayoutId id="2147483665" r:id="rId5"/>
+    <p:sldLayoutId id="2147483666" r:id="rId6"/>
+    <p:sldLayoutId id="2147483667" r:id="rId7"/>
+    <p:sldLayoutId id="2147483668" r:id="rId8"/>
+    <p:sldLayoutId id="2147483669" r:id="rId9"/>
+    <p:sldLayoutId id="2147483670" r:id="rId10"/>
+    <p:sldLayoutId id="2147483671" r:id="rId11"/>
   </p:sldLayoutIdLst>
   <p:txStyles>
     <p:titleStyle>
@@ -3346,11 +6572,7 @@
             </a:r>
             <a:r>
               <a:rPr lang="zh-CN" altLang="en-US" dirty="0" smtClean="0"/>
-              <a:t>，墙裂</a:t>
-            </a:r>
-            <a:r>
-              <a:rPr lang="zh-CN" altLang="en-US" dirty="0" smtClean="0"/>
-              <a:t>推荐</a:t>
+              <a:t>，墙裂推荐</a:t>
             </a:r>
             <a:r>
               <a:rPr lang="en-US" altLang="zh-CN" dirty="0"/>
@@ -3368,7 +6590,6 @@
               <a:rPr lang="en-US" altLang="zh-CN" dirty="0" smtClean="0"/>
               <a:t>)</a:t>
             </a:r>
-            <a:endParaRPr lang="en-US" altLang="zh-CN" dirty="0" smtClean="0"/>
           </a:p>
           <a:p>
             <a:pPr marL="0" indent="0">
@@ -3691,8 +6912,16 @@
               <a:t>Ansible</a:t>
             </a:r>
             <a:r>
-              <a:rPr lang="en-US" altLang="zh-CN" dirty="0" smtClean="0"/>
-              <a:t> API</a:t>
+              <a:rPr lang="en-US" altLang="zh-CN" smtClean="0"/>
+              <a:t> </a:t>
+            </a:r>
+            <a:r>
+              <a:rPr lang="en-US" altLang="zh-CN"/>
+              <a:t>Python </a:t>
+            </a:r>
+            <a:r>
+              <a:rPr lang="en-US" altLang="zh-CN" smtClean="0"/>
+              <a:t>API</a:t>
             </a:r>
             <a:endParaRPr lang="en-US" dirty="0"/>
           </a:p>
@@ -3728,21 +6957,30 @@
             </a:r>
             <a:r>
               <a:rPr lang="en-US" altLang="zh-CN" dirty="0" smtClean="0"/>
-              <a:t> API</a:t>
-            </a:r>
+              <a:t> </a:t>
+            </a:r>
+            <a:r>
+              <a:rPr lang="en-US" altLang="zh-CN" dirty="0" smtClean="0"/>
+              <a:t>Python API</a:t>
+            </a:r>
+            <a:endParaRPr lang="en-US" altLang="zh-CN" dirty="0" smtClean="0"/>
           </a:p>
           <a:p>
             <a:r>
               <a:rPr lang="zh-CN" altLang="en-US" dirty="0" smtClean="0"/>
-              <a:t>如何使用</a:t>
-            </a:r>
-            <a:r>
-              <a:rPr lang="en-US" altLang="zh-CN" dirty="0" err="1" smtClean="0"/>
+              <a:t>如何</a:t>
+            </a:r>
+            <a:r>
+              <a:rPr lang="zh-CN" altLang="en-US" dirty="0" smtClean="0"/>
+              <a:t>使用</a:t>
+            </a:r>
+            <a:r>
+              <a:rPr lang="en-US" altLang="zh-CN" dirty="0" err="1"/>
               <a:t>Ansible</a:t>
             </a:r>
             <a:r>
-              <a:rPr lang="en-US" altLang="zh-CN" dirty="0" smtClean="0"/>
-              <a:t> API</a:t>
+              <a:rPr lang="en-US" altLang="zh-CN" dirty="0"/>
+              <a:t> Python API</a:t>
             </a:r>
           </a:p>
           <a:p>
@@ -3754,15 +6992,15 @@
               <a:t>使用</a:t>
             </a:r>
             <a:r>
-              <a:rPr lang="en-US" altLang="zh-CN" dirty="0" err="1" smtClean="0"/>
-              <a:t>ansible</a:t>
-            </a:r>
-            <a:r>
-              <a:rPr lang="en-US" altLang="zh-CN" dirty="0" smtClean="0"/>
-              <a:t> </a:t>
-            </a:r>
-            <a:r>
-              <a:rPr lang="en-US" altLang="zh-CN" dirty="0" err="1" smtClean="0"/>
+              <a:rPr lang="en-US" altLang="zh-CN" dirty="0" err="1"/>
+              <a:t>Ansible</a:t>
+            </a:r>
+            <a:r>
+              <a:rPr lang="en-US" altLang="zh-CN" dirty="0"/>
+              <a:t> Python </a:t>
+            </a:r>
+            <a:r>
+              <a:rPr lang="en-US" altLang="zh-CN" dirty="0" err="1"/>
               <a:t>api</a:t>
             </a:r>
             <a:r>
@@ -3783,15 +7021,15 @@
               <a:t>使用</a:t>
             </a:r>
             <a:r>
-              <a:rPr lang="en-US" altLang="zh-CN" dirty="0" err="1" smtClean="0"/>
-              <a:t>ansible</a:t>
-            </a:r>
-            <a:r>
-              <a:rPr lang="en-US" altLang="zh-CN" dirty="0" smtClean="0"/>
-              <a:t> </a:t>
-            </a:r>
-            <a:r>
-              <a:rPr lang="en-US" altLang="zh-CN" dirty="0" err="1" smtClean="0"/>
+              <a:rPr lang="en-US" altLang="zh-CN" dirty="0" err="1"/>
+              <a:t>Ansible</a:t>
+            </a:r>
+            <a:r>
+              <a:rPr lang="en-US" altLang="zh-CN" dirty="0"/>
+              <a:t> Python </a:t>
+            </a:r>
+            <a:r>
+              <a:rPr lang="en-US" altLang="zh-CN" dirty="0" err="1"/>
               <a:t>api</a:t>
             </a:r>
             <a:r>
@@ -3809,12 +7047,12 @@
               <a:t>使用</a:t>
             </a:r>
             <a:r>
-              <a:rPr lang="en-US" altLang="zh-CN" dirty="0" err="1" smtClean="0"/>
+              <a:rPr lang="en-US" altLang="zh-CN" dirty="0" err="1"/>
               <a:t>Ansible</a:t>
             </a:r>
             <a:r>
-              <a:rPr lang="en-US" altLang="zh-CN" dirty="0" smtClean="0"/>
-              <a:t> API</a:t>
+              <a:rPr lang="en-US" altLang="zh-CN" dirty="0"/>
+              <a:t> Python API</a:t>
             </a:r>
             <a:r>
               <a:rPr lang="zh-CN" altLang="en-US" dirty="0" smtClean="0"/>
@@ -3833,23 +7071,27 @@
             </a:r>
             <a:r>
               <a:rPr lang="zh-CN" altLang="en-US" dirty="0"/>
-              <a:t>可以对</a:t>
-            </a:r>
-            <a:r>
-              <a:rPr lang="en-US" altLang="zh-CN" dirty="0" err="1" smtClean="0"/>
-              <a:t>ansible</a:t>
-            </a:r>
-            <a:r>
-              <a:rPr lang="en-US" altLang="zh-CN" dirty="0" smtClean="0"/>
-              <a:t> </a:t>
-            </a:r>
-            <a:r>
-              <a:rPr lang="en-US" altLang="zh-CN" dirty="0" err="1" smtClean="0"/>
-              <a:t>api</a:t>
+              <a:t>可以</a:t>
             </a:r>
             <a:r>
               <a:rPr lang="zh-CN" altLang="en-US" dirty="0" smtClean="0"/>
-              <a:t>运行后的返回值进行处理</a:t>
+              <a:t>对</a:t>
+            </a:r>
+            <a:r>
+              <a:rPr lang="en-US" altLang="zh-CN" dirty="0" err="1"/>
+              <a:t>Ansible</a:t>
+            </a:r>
+            <a:r>
+              <a:rPr lang="en-US" altLang="zh-CN" dirty="0"/>
+              <a:t> Python</a:t>
+            </a:r>
+            <a:r>
+              <a:rPr lang="zh-CN" altLang="en-US" dirty="0" smtClean="0"/>
+              <a:t>运行</a:t>
+            </a:r>
+            <a:r>
+              <a:rPr lang="zh-CN" altLang="en-US" dirty="0" smtClean="0"/>
+              <a:t>后的返回值进行处理</a:t>
             </a:r>
             <a:endParaRPr lang="en-US" altLang="zh-CN" dirty="0" smtClean="0"/>
           </a:p>
@@ -3965,7 +7207,24 @@
           <a:p>
             <a:r>
               <a:rPr lang="zh-CN" altLang="en-US" dirty="0"/>
-              <a:t>首先</a:t>
+              <a:t>什么是</a:t>
+            </a:r>
+            <a:r>
+              <a:rPr lang="en-US" altLang="zh-CN" dirty="0" err="1"/>
+              <a:t>Ansible</a:t>
+            </a:r>
+            <a:r>
+              <a:rPr lang="en-US" altLang="zh-CN" dirty="0"/>
+              <a:t> Plugin</a:t>
+            </a:r>
+          </a:p>
+          <a:p>
+            <a:pPr marL="0" indent="0">
+              <a:buNone/>
+            </a:pPr>
+            <a:r>
+              <a:rPr lang="zh-CN" altLang="en-US" dirty="0" smtClean="0"/>
+              <a:t>   首先</a:t>
             </a:r>
             <a:r>
               <a:rPr lang="zh-CN" altLang="en-US" dirty="0" smtClean="0"/>
@@ -3983,26 +7242,16 @@
           </a:p>
           <a:p>
             <a:r>
-              <a:rPr lang="zh-CN" altLang="en-US" dirty="0" smtClean="0"/>
-              <a:t>什么是</a:t>
-            </a:r>
-            <a:r>
               <a:rPr lang="en-US" altLang="zh-CN" dirty="0" err="1" smtClean="0"/>
               <a:t>Ansible</a:t>
             </a:r>
             <a:r>
               <a:rPr lang="en-US" altLang="zh-CN" dirty="0" smtClean="0"/>
-              <a:t> Plugin</a:t>
-            </a:r>
-          </a:p>
-          <a:p>
-            <a:r>
-              <a:rPr lang="en-US" altLang="zh-CN" dirty="0" err="1" smtClean="0"/>
-              <a:t>Ansible</a:t>
+              <a:t> </a:t>
             </a:r>
             <a:r>
               <a:rPr lang="en-US" altLang="zh-CN" dirty="0" smtClean="0"/>
-              <a:t> Plugin</a:t>
+              <a:t>Plugin</a:t>
             </a:r>
             <a:r>
               <a:rPr lang="zh-CN" altLang="en-US" dirty="0" smtClean="0"/>
@@ -4055,7 +7304,7 @@
           <a:p>
             <a:pPr lvl="1"/>
             <a:r>
-              <a:rPr lang="en-US" altLang="zh-CN"/>
+              <a:rPr lang="en-US" altLang="zh-CN" dirty="0"/>
               <a:t>Callback</a:t>
             </a:r>
             <a:endParaRPr lang="en-US" altLang="zh-CN" dirty="0" smtClean="0"/>
@@ -4087,6 +7336,1349 @@
     <p:extLst>
       <p:ext uri="{BB962C8B-B14F-4D97-AF65-F5344CB8AC3E}">
         <p14:creationId xmlns:p14="http://schemas.microsoft.com/office/powerpoint/2010/main" val="52989442"/>
+      </p:ext>
+    </p:extLst>
+  </p:cSld>
+  <p:clrMapOvr>
+    <a:masterClrMapping/>
+  </p:clrMapOvr>
+</p:sld>
+</file>
+
+<file path=ppt/slides/slide6.xml><?xml version="1.0" encoding="utf-8"?>
+<p:sld xmlns:a="http://schemas.openxmlformats.org/drawingml/2006/main" xmlns:r="http://schemas.openxmlformats.org/officeDocument/2006/relationships" xmlns:p="http://schemas.openxmlformats.org/presentationml/2006/main">
+  <p:cSld>
+    <p:spTree>
+      <p:nvGrpSpPr>
+        <p:cNvPr id="1" name=""/>
+        <p:cNvGrpSpPr/>
+        <p:nvPr/>
+      </p:nvGrpSpPr>
+      <p:grpSpPr>
+        <a:xfrm>
+          <a:off x="0" y="0"/>
+          <a:ext cx="0" cy="0"/>
+          <a:chOff x="0" y="0"/>
+          <a:chExt cx="0" cy="0"/>
+        </a:xfrm>
+      </p:grpSpPr>
+      <p:sp>
+        <p:nvSpPr>
+          <p:cNvPr id="4" name="矩形 3"/>
+          <p:cNvSpPr/>
+          <p:nvPr/>
+        </p:nvSpPr>
+        <p:spPr>
+          <a:xfrm>
+            <a:off x="5361710" y="864173"/>
+            <a:ext cx="2133600" cy="699657"/>
+          </a:xfrm>
+          <a:prstGeom prst="rect">
+            <a:avLst/>
+          </a:prstGeom>
+        </p:spPr>
+        <p:style>
+          <a:lnRef idx="2">
+            <a:schemeClr val="accent1">
+              <a:shade val="50000"/>
+            </a:schemeClr>
+          </a:lnRef>
+          <a:fillRef idx="1">
+            <a:schemeClr val="accent1"/>
+          </a:fillRef>
+          <a:effectRef idx="0">
+            <a:schemeClr val="accent1"/>
+          </a:effectRef>
+          <a:fontRef idx="minor">
+            <a:schemeClr val="lt1"/>
+          </a:fontRef>
+        </p:style>
+        <p:txBody>
+          <a:bodyPr rtlCol="0" anchor="ctr"/>
+          <a:lstStyle/>
+          <a:p>
+            <a:pPr algn="ctr"/>
+            <a:r>
+              <a:rPr lang="en-US" dirty="0" smtClean="0">
+                <a:solidFill>
+                  <a:prstClr val="white"/>
+                </a:solidFill>
+              </a:rPr>
+              <a:t>Inventory </a:t>
+            </a:r>
+            <a:r>
+              <a:rPr lang="en-US" dirty="0" err="1" smtClean="0">
+                <a:solidFill>
+                  <a:prstClr val="white"/>
+                </a:solidFill>
+              </a:rPr>
+              <a:t>Init</a:t>
+            </a:r>
+            <a:endParaRPr lang="en-US" dirty="0" smtClean="0">
+              <a:solidFill>
+                <a:prstClr val="white"/>
+              </a:solidFill>
+            </a:endParaRPr>
+          </a:p>
+        </p:txBody>
+      </p:sp>
+      <p:sp>
+        <p:nvSpPr>
+          <p:cNvPr id="5" name="矩形 4"/>
+          <p:cNvSpPr/>
+          <p:nvPr/>
+        </p:nvSpPr>
+        <p:spPr>
+          <a:xfrm>
+            <a:off x="8021782" y="888420"/>
+            <a:ext cx="1302329" cy="651164"/>
+          </a:xfrm>
+          <a:prstGeom prst="rect">
+            <a:avLst/>
+          </a:prstGeom>
+        </p:spPr>
+        <p:style>
+          <a:lnRef idx="2">
+            <a:schemeClr val="accent1">
+              <a:shade val="50000"/>
+            </a:schemeClr>
+          </a:lnRef>
+          <a:fillRef idx="1">
+            <a:schemeClr val="accent1"/>
+          </a:fillRef>
+          <a:effectRef idx="0">
+            <a:schemeClr val="accent1"/>
+          </a:effectRef>
+          <a:fontRef idx="minor">
+            <a:schemeClr val="lt1"/>
+          </a:fontRef>
+        </p:style>
+        <p:txBody>
+          <a:bodyPr rtlCol="0" anchor="ctr"/>
+          <a:lstStyle/>
+          <a:p>
+            <a:pPr algn="ctr"/>
+            <a:r>
+              <a:rPr lang="en-US" altLang="zh-CN" dirty="0" smtClean="0">
+                <a:solidFill>
+                  <a:prstClr val="white"/>
+                </a:solidFill>
+              </a:rPr>
+              <a:t>Play </a:t>
+            </a:r>
+            <a:r>
+              <a:rPr lang="en-US" altLang="zh-CN" dirty="0" err="1" smtClean="0">
+                <a:solidFill>
+                  <a:prstClr val="white"/>
+                </a:solidFill>
+              </a:rPr>
+              <a:t>init</a:t>
+            </a:r>
+            <a:endParaRPr lang="en-US" dirty="0" smtClean="0">
+              <a:solidFill>
+                <a:prstClr val="white"/>
+              </a:solidFill>
+            </a:endParaRPr>
+          </a:p>
+        </p:txBody>
+      </p:sp>
+      <p:sp>
+        <p:nvSpPr>
+          <p:cNvPr id="6" name="矩形 5"/>
+          <p:cNvSpPr/>
+          <p:nvPr/>
+        </p:nvSpPr>
+        <p:spPr>
+          <a:xfrm>
+            <a:off x="5292436" y="2888673"/>
+            <a:ext cx="4128656" cy="574962"/>
+          </a:xfrm>
+          <a:prstGeom prst="rect">
+            <a:avLst/>
+          </a:prstGeom>
+        </p:spPr>
+        <p:style>
+          <a:lnRef idx="2">
+            <a:schemeClr val="accent1">
+              <a:shade val="50000"/>
+            </a:schemeClr>
+          </a:lnRef>
+          <a:fillRef idx="1">
+            <a:schemeClr val="accent1"/>
+          </a:fillRef>
+          <a:effectRef idx="0">
+            <a:schemeClr val="accent1"/>
+          </a:effectRef>
+          <a:fontRef idx="minor">
+            <a:schemeClr val="lt1"/>
+          </a:fontRef>
+        </p:style>
+        <p:txBody>
+          <a:bodyPr rtlCol="0" anchor="ctr"/>
+          <a:lstStyle/>
+          <a:p>
+            <a:pPr algn="ctr"/>
+            <a:r>
+              <a:rPr lang="en-US" dirty="0" err="1" smtClean="0">
+                <a:solidFill>
+                  <a:prstClr val="white"/>
+                </a:solidFill>
+              </a:rPr>
+              <a:t>Ansible</a:t>
+            </a:r>
+            <a:r>
+              <a:rPr lang="en-US" dirty="0" smtClean="0">
+                <a:solidFill>
+                  <a:prstClr val="white"/>
+                </a:solidFill>
+              </a:rPr>
+              <a:t> </a:t>
+            </a:r>
+            <a:r>
+              <a:rPr lang="zh-CN" altLang="en-US" dirty="0" smtClean="0">
+                <a:solidFill>
+                  <a:prstClr val="white"/>
+                </a:solidFill>
+              </a:rPr>
+              <a:t>执行模块</a:t>
+            </a:r>
+            <a:r>
+              <a:rPr lang="en-US" dirty="0" smtClean="0">
+                <a:solidFill>
+                  <a:prstClr val="white"/>
+                </a:solidFill>
+              </a:rPr>
+              <a:t> </a:t>
+            </a:r>
+          </a:p>
+        </p:txBody>
+      </p:sp>
+      <p:sp>
+        <p:nvSpPr>
+          <p:cNvPr id="7" name="椭圆 6"/>
+          <p:cNvSpPr/>
+          <p:nvPr/>
+        </p:nvSpPr>
+        <p:spPr>
+          <a:xfrm>
+            <a:off x="9919854" y="1749143"/>
+            <a:ext cx="1468581" cy="559369"/>
+          </a:xfrm>
+          <a:prstGeom prst="ellipse">
+            <a:avLst/>
+          </a:prstGeom>
+        </p:spPr>
+        <p:style>
+          <a:lnRef idx="2">
+            <a:schemeClr val="accent1">
+              <a:shade val="50000"/>
+            </a:schemeClr>
+          </a:lnRef>
+          <a:fillRef idx="1">
+            <a:schemeClr val="accent1"/>
+          </a:fillRef>
+          <a:effectRef idx="0">
+            <a:schemeClr val="accent1"/>
+          </a:effectRef>
+          <a:fontRef idx="minor">
+            <a:schemeClr val="lt1"/>
+          </a:fontRef>
+        </p:style>
+        <p:txBody>
+          <a:bodyPr rtlCol="0" anchor="ctr"/>
+          <a:lstStyle/>
+          <a:p>
+            <a:pPr algn="ctr"/>
+            <a:r>
+              <a:rPr lang="en-US" dirty="0" err="1" smtClean="0">
+                <a:solidFill>
+                  <a:prstClr val="white"/>
+                </a:solidFill>
+              </a:rPr>
+              <a:t>Varmanager</a:t>
+            </a:r>
+            <a:endParaRPr lang="en-US" dirty="0" smtClean="0">
+              <a:solidFill>
+                <a:prstClr val="white"/>
+              </a:solidFill>
+            </a:endParaRPr>
+          </a:p>
+        </p:txBody>
+      </p:sp>
+      <p:sp>
+        <p:nvSpPr>
+          <p:cNvPr id="8" name="椭圆 7"/>
+          <p:cNvSpPr/>
+          <p:nvPr/>
+        </p:nvSpPr>
+        <p:spPr>
+          <a:xfrm>
+            <a:off x="2798620" y="1879029"/>
+            <a:ext cx="1579417" cy="588821"/>
+          </a:xfrm>
+          <a:prstGeom prst="ellipse">
+            <a:avLst/>
+          </a:prstGeom>
+        </p:spPr>
+        <p:style>
+          <a:lnRef idx="2">
+            <a:schemeClr val="accent1">
+              <a:shade val="50000"/>
+            </a:schemeClr>
+          </a:lnRef>
+          <a:fillRef idx="1">
+            <a:schemeClr val="accent1"/>
+          </a:fillRef>
+          <a:effectRef idx="0">
+            <a:schemeClr val="accent1"/>
+          </a:effectRef>
+          <a:fontRef idx="minor">
+            <a:schemeClr val="lt1"/>
+          </a:fontRef>
+        </p:style>
+        <p:txBody>
+          <a:bodyPr rtlCol="0" anchor="ctr"/>
+          <a:lstStyle/>
+          <a:p>
+            <a:pPr algn="ctr"/>
+            <a:r>
+              <a:rPr lang="en-US" dirty="0" err="1" smtClean="0">
+                <a:solidFill>
+                  <a:prstClr val="white"/>
+                </a:solidFill>
+              </a:rPr>
+              <a:t>Dataloader</a:t>
+            </a:r>
+            <a:r>
+              <a:rPr lang="en-US" dirty="0" smtClean="0">
+                <a:solidFill>
+                  <a:prstClr val="white"/>
+                </a:solidFill>
+              </a:rPr>
+              <a:t> </a:t>
+            </a:r>
+          </a:p>
+        </p:txBody>
+      </p:sp>
+      <p:sp>
+        <p:nvSpPr>
+          <p:cNvPr id="9" name="椭圆 8"/>
+          <p:cNvSpPr/>
+          <p:nvPr/>
+        </p:nvSpPr>
+        <p:spPr>
+          <a:xfrm>
+            <a:off x="2736273" y="3042593"/>
+            <a:ext cx="1620982" cy="601151"/>
+          </a:xfrm>
+          <a:prstGeom prst="ellipse">
+            <a:avLst/>
+          </a:prstGeom>
+        </p:spPr>
+        <p:style>
+          <a:lnRef idx="2">
+            <a:schemeClr val="accent1">
+              <a:shade val="50000"/>
+            </a:schemeClr>
+          </a:lnRef>
+          <a:fillRef idx="1">
+            <a:schemeClr val="accent1"/>
+          </a:fillRef>
+          <a:effectRef idx="0">
+            <a:schemeClr val="accent1"/>
+          </a:effectRef>
+          <a:fontRef idx="minor">
+            <a:schemeClr val="lt1"/>
+          </a:fontRef>
+        </p:style>
+        <p:txBody>
+          <a:bodyPr rtlCol="0" anchor="ctr"/>
+          <a:lstStyle/>
+          <a:p>
+            <a:pPr algn="ctr"/>
+            <a:r>
+              <a:rPr lang="en-US" dirty="0" smtClean="0">
+                <a:solidFill>
+                  <a:prstClr val="white"/>
+                </a:solidFill>
+              </a:rPr>
+              <a:t>Options</a:t>
+            </a:r>
+          </a:p>
+        </p:txBody>
+      </p:sp>
+      <p:cxnSp>
+        <p:nvCxnSpPr>
+          <p:cNvPr id="11" name="直接箭头连接符 10"/>
+          <p:cNvCxnSpPr/>
+          <p:nvPr/>
+        </p:nvCxnSpPr>
+        <p:spPr>
+          <a:xfrm flipH="1">
+            <a:off x="6539347" y="1491959"/>
+            <a:ext cx="13855" cy="1396714"/>
+          </a:xfrm>
+          <a:prstGeom prst="straightConnector1">
+            <a:avLst/>
+          </a:prstGeom>
+          <a:ln>
+            <a:tailEnd type="triangle"/>
+          </a:ln>
+        </p:spPr>
+        <p:style>
+          <a:lnRef idx="1">
+            <a:schemeClr val="accent1"/>
+          </a:lnRef>
+          <a:fillRef idx="0">
+            <a:schemeClr val="accent1"/>
+          </a:fillRef>
+          <a:effectRef idx="0">
+            <a:schemeClr val="accent1"/>
+          </a:effectRef>
+          <a:fontRef idx="minor">
+            <a:schemeClr val="tx1"/>
+          </a:fontRef>
+        </p:style>
+      </p:cxnSp>
+      <p:cxnSp>
+        <p:nvCxnSpPr>
+          <p:cNvPr id="13" name="直接箭头连接符 12"/>
+          <p:cNvCxnSpPr>
+            <a:stCxn id="72" idx="6"/>
+            <a:endCxn id="4" idx="1"/>
+          </p:cNvCxnSpPr>
+          <p:nvPr/>
+        </p:nvCxnSpPr>
+        <p:spPr>
+          <a:xfrm flipV="1">
+            <a:off x="4267201" y="1214002"/>
+            <a:ext cx="1094509" cy="189655"/>
+          </a:xfrm>
+          <a:prstGeom prst="straightConnector1">
+            <a:avLst/>
+          </a:prstGeom>
+          <a:ln>
+            <a:tailEnd type="triangle"/>
+          </a:ln>
+        </p:spPr>
+        <p:style>
+          <a:lnRef idx="1">
+            <a:schemeClr val="accent1"/>
+          </a:lnRef>
+          <a:fillRef idx="0">
+            <a:schemeClr val="accent1"/>
+          </a:fillRef>
+          <a:effectRef idx="0">
+            <a:schemeClr val="accent1"/>
+          </a:effectRef>
+          <a:fontRef idx="minor">
+            <a:schemeClr val="tx1"/>
+          </a:fontRef>
+        </p:style>
+      </p:cxnSp>
+      <p:cxnSp>
+        <p:nvCxnSpPr>
+          <p:cNvPr id="15" name="直接箭头连接符 14"/>
+          <p:cNvCxnSpPr>
+            <a:stCxn id="8" idx="6"/>
+          </p:cNvCxnSpPr>
+          <p:nvPr/>
+        </p:nvCxnSpPr>
+        <p:spPr>
+          <a:xfrm flipV="1">
+            <a:off x="4378037" y="1574662"/>
+            <a:ext cx="1080655" cy="598778"/>
+          </a:xfrm>
+          <a:prstGeom prst="straightConnector1">
+            <a:avLst/>
+          </a:prstGeom>
+          <a:ln>
+            <a:tailEnd type="triangle"/>
+          </a:ln>
+        </p:spPr>
+        <p:style>
+          <a:lnRef idx="1">
+            <a:schemeClr val="accent1"/>
+          </a:lnRef>
+          <a:fillRef idx="0">
+            <a:schemeClr val="accent1"/>
+          </a:fillRef>
+          <a:effectRef idx="0">
+            <a:schemeClr val="accent1"/>
+          </a:effectRef>
+          <a:fontRef idx="minor">
+            <a:schemeClr val="tx1"/>
+          </a:fontRef>
+        </p:style>
+      </p:cxnSp>
+      <p:cxnSp>
+        <p:nvCxnSpPr>
+          <p:cNvPr id="21" name="直接箭头连接符 20"/>
+          <p:cNvCxnSpPr>
+            <a:stCxn id="5" idx="2"/>
+          </p:cNvCxnSpPr>
+          <p:nvPr/>
+        </p:nvCxnSpPr>
+        <p:spPr>
+          <a:xfrm>
+            <a:off x="8672947" y="1539584"/>
+            <a:ext cx="13855" cy="1403639"/>
+          </a:xfrm>
+          <a:prstGeom prst="straightConnector1">
+            <a:avLst/>
+          </a:prstGeom>
+          <a:ln>
+            <a:tailEnd type="triangle"/>
+          </a:ln>
+        </p:spPr>
+        <p:style>
+          <a:lnRef idx="1">
+            <a:schemeClr val="accent1"/>
+          </a:lnRef>
+          <a:fillRef idx="0">
+            <a:schemeClr val="accent1"/>
+          </a:fillRef>
+          <a:effectRef idx="0">
+            <a:schemeClr val="accent1"/>
+          </a:effectRef>
+          <a:fontRef idx="minor">
+            <a:schemeClr val="tx1"/>
+          </a:fontRef>
+        </p:style>
+      </p:cxnSp>
+      <p:cxnSp>
+        <p:nvCxnSpPr>
+          <p:cNvPr id="34" name="直接箭头连接符 33"/>
+          <p:cNvCxnSpPr>
+            <a:stCxn id="7" idx="1"/>
+            <a:endCxn id="7" idx="1"/>
+          </p:cNvCxnSpPr>
+          <p:nvPr/>
+        </p:nvCxnSpPr>
+        <p:spPr>
+          <a:xfrm>
+            <a:off x="10134923" y="1831061"/>
+            <a:ext cx="0" cy="0"/>
+          </a:xfrm>
+          <a:prstGeom prst="straightConnector1">
+            <a:avLst/>
+          </a:prstGeom>
+          <a:ln>
+            <a:tailEnd type="triangle"/>
+          </a:ln>
+        </p:spPr>
+        <p:style>
+          <a:lnRef idx="1">
+            <a:schemeClr val="accent1"/>
+          </a:lnRef>
+          <a:fillRef idx="0">
+            <a:schemeClr val="accent1"/>
+          </a:fillRef>
+          <a:effectRef idx="0">
+            <a:schemeClr val="accent1"/>
+          </a:effectRef>
+          <a:fontRef idx="minor">
+            <a:schemeClr val="tx1"/>
+          </a:fontRef>
+        </p:style>
+      </p:cxnSp>
+      <p:sp>
+        <p:nvSpPr>
+          <p:cNvPr id="39" name="椭圆 38"/>
+          <p:cNvSpPr/>
+          <p:nvPr/>
+        </p:nvSpPr>
+        <p:spPr>
+          <a:xfrm>
+            <a:off x="2798620" y="207818"/>
+            <a:ext cx="1579418" cy="589678"/>
+          </a:xfrm>
+          <a:prstGeom prst="ellipse">
+            <a:avLst/>
+          </a:prstGeom>
+        </p:spPr>
+        <p:style>
+          <a:lnRef idx="2">
+            <a:schemeClr val="accent1">
+              <a:shade val="50000"/>
+            </a:schemeClr>
+          </a:lnRef>
+          <a:fillRef idx="1">
+            <a:schemeClr val="accent1"/>
+          </a:fillRef>
+          <a:effectRef idx="0">
+            <a:schemeClr val="accent1"/>
+          </a:effectRef>
+          <a:fontRef idx="minor">
+            <a:schemeClr val="lt1"/>
+          </a:fontRef>
+        </p:style>
+        <p:txBody>
+          <a:bodyPr rtlCol="0" anchor="ctr"/>
+          <a:lstStyle/>
+          <a:p>
+            <a:pPr algn="ctr"/>
+            <a:r>
+              <a:rPr lang="en-US" altLang="zh-CN" dirty="0" smtClean="0">
+                <a:solidFill>
+                  <a:prstClr val="white"/>
+                </a:solidFill>
+              </a:rPr>
+              <a:t>Inventory</a:t>
+            </a:r>
+            <a:r>
+              <a:rPr lang="zh-CN" altLang="en-US" dirty="0" smtClean="0">
+                <a:solidFill>
+                  <a:prstClr val="white"/>
+                </a:solidFill>
+              </a:rPr>
+              <a:t>文件</a:t>
+            </a:r>
+            <a:endParaRPr lang="en-US" altLang="zh-CN" dirty="0" smtClean="0">
+              <a:solidFill>
+                <a:prstClr val="white"/>
+              </a:solidFill>
+            </a:endParaRPr>
+          </a:p>
+        </p:txBody>
+      </p:sp>
+      <p:cxnSp>
+        <p:nvCxnSpPr>
+          <p:cNvPr id="42" name="直接箭头连接符 41"/>
+          <p:cNvCxnSpPr>
+            <a:stCxn id="39" idx="6"/>
+          </p:cNvCxnSpPr>
+          <p:nvPr/>
+        </p:nvCxnSpPr>
+        <p:spPr>
+          <a:xfrm>
+            <a:off x="4378038" y="502657"/>
+            <a:ext cx="1163780" cy="361516"/>
+          </a:xfrm>
+          <a:prstGeom prst="straightConnector1">
+            <a:avLst/>
+          </a:prstGeom>
+          <a:ln>
+            <a:tailEnd type="triangle"/>
+          </a:ln>
+        </p:spPr>
+        <p:style>
+          <a:lnRef idx="1">
+            <a:schemeClr val="accent1"/>
+          </a:lnRef>
+          <a:fillRef idx="0">
+            <a:schemeClr val="accent1"/>
+          </a:fillRef>
+          <a:effectRef idx="0">
+            <a:schemeClr val="accent1"/>
+          </a:effectRef>
+          <a:fontRef idx="minor">
+            <a:schemeClr val="tx1"/>
+          </a:fontRef>
+        </p:style>
+      </p:cxnSp>
+      <p:sp>
+        <p:nvSpPr>
+          <p:cNvPr id="46" name="椭圆 45"/>
+          <p:cNvSpPr/>
+          <p:nvPr/>
+        </p:nvSpPr>
+        <p:spPr>
+          <a:xfrm>
+            <a:off x="9850583" y="844259"/>
+            <a:ext cx="1579417" cy="588821"/>
+          </a:xfrm>
+          <a:prstGeom prst="ellipse">
+            <a:avLst/>
+          </a:prstGeom>
+        </p:spPr>
+        <p:style>
+          <a:lnRef idx="2">
+            <a:schemeClr val="accent1">
+              <a:shade val="50000"/>
+            </a:schemeClr>
+          </a:lnRef>
+          <a:fillRef idx="1">
+            <a:schemeClr val="accent1"/>
+          </a:fillRef>
+          <a:effectRef idx="0">
+            <a:schemeClr val="accent1"/>
+          </a:effectRef>
+          <a:fontRef idx="minor">
+            <a:schemeClr val="lt1"/>
+          </a:fontRef>
+        </p:style>
+        <p:txBody>
+          <a:bodyPr rtlCol="0" anchor="ctr"/>
+          <a:lstStyle/>
+          <a:p>
+            <a:pPr algn="ctr"/>
+            <a:r>
+              <a:rPr lang="en-US" dirty="0" err="1" smtClean="0">
+                <a:solidFill>
+                  <a:prstClr val="white"/>
+                </a:solidFill>
+              </a:rPr>
+              <a:t>Dataloader</a:t>
+            </a:r>
+            <a:endParaRPr lang="en-US" dirty="0" smtClean="0">
+              <a:solidFill>
+                <a:prstClr val="white"/>
+              </a:solidFill>
+            </a:endParaRPr>
+          </a:p>
+        </p:txBody>
+      </p:sp>
+      <p:sp>
+        <p:nvSpPr>
+          <p:cNvPr id="52" name="椭圆 51"/>
+          <p:cNvSpPr/>
+          <p:nvPr/>
+        </p:nvSpPr>
+        <p:spPr>
+          <a:xfrm>
+            <a:off x="9850583" y="207818"/>
+            <a:ext cx="1468581" cy="559369"/>
+          </a:xfrm>
+          <a:prstGeom prst="ellipse">
+            <a:avLst/>
+          </a:prstGeom>
+        </p:spPr>
+        <p:style>
+          <a:lnRef idx="2">
+            <a:schemeClr val="accent1">
+              <a:shade val="50000"/>
+            </a:schemeClr>
+          </a:lnRef>
+          <a:fillRef idx="1">
+            <a:schemeClr val="accent1"/>
+          </a:fillRef>
+          <a:effectRef idx="0">
+            <a:schemeClr val="accent1"/>
+          </a:effectRef>
+          <a:fontRef idx="minor">
+            <a:schemeClr val="lt1"/>
+          </a:fontRef>
+        </p:style>
+        <p:txBody>
+          <a:bodyPr rtlCol="0" anchor="ctr"/>
+          <a:lstStyle/>
+          <a:p>
+            <a:pPr algn="ctr"/>
+            <a:r>
+              <a:rPr lang="en-US" altLang="zh-CN" dirty="0" err="1" smtClean="0">
+                <a:solidFill>
+                  <a:prstClr val="white"/>
+                </a:solidFill>
+              </a:rPr>
+              <a:t>Moudle</a:t>
+            </a:r>
+            <a:endParaRPr lang="en-US" dirty="0" smtClean="0">
+              <a:solidFill>
+                <a:prstClr val="white"/>
+              </a:solidFill>
+            </a:endParaRPr>
+          </a:p>
+        </p:txBody>
+      </p:sp>
+      <p:cxnSp>
+        <p:nvCxnSpPr>
+          <p:cNvPr id="54" name="直接箭头连接符 53"/>
+          <p:cNvCxnSpPr>
+            <a:stCxn id="52" idx="2"/>
+            <a:endCxn id="5" idx="0"/>
+          </p:cNvCxnSpPr>
+          <p:nvPr/>
+        </p:nvCxnSpPr>
+        <p:spPr>
+          <a:xfrm flipH="1">
+            <a:off x="8672947" y="487503"/>
+            <a:ext cx="1177636" cy="400917"/>
+          </a:xfrm>
+          <a:prstGeom prst="straightConnector1">
+            <a:avLst/>
+          </a:prstGeom>
+          <a:ln>
+            <a:tailEnd type="triangle"/>
+          </a:ln>
+        </p:spPr>
+        <p:style>
+          <a:lnRef idx="1">
+            <a:schemeClr val="accent1"/>
+          </a:lnRef>
+          <a:fillRef idx="0">
+            <a:schemeClr val="accent1"/>
+          </a:fillRef>
+          <a:effectRef idx="0">
+            <a:schemeClr val="accent1"/>
+          </a:effectRef>
+          <a:fontRef idx="minor">
+            <a:schemeClr val="tx1"/>
+          </a:fontRef>
+        </p:style>
+      </p:cxnSp>
+      <p:cxnSp>
+        <p:nvCxnSpPr>
+          <p:cNvPr id="56" name="直接箭头连接符 55"/>
+          <p:cNvCxnSpPr>
+            <a:stCxn id="46" idx="2"/>
+            <a:endCxn id="5" idx="3"/>
+          </p:cNvCxnSpPr>
+          <p:nvPr/>
+        </p:nvCxnSpPr>
+        <p:spPr>
+          <a:xfrm flipH="1">
+            <a:off x="9324111" y="1138670"/>
+            <a:ext cx="526472" cy="75332"/>
+          </a:xfrm>
+          <a:prstGeom prst="straightConnector1">
+            <a:avLst/>
+          </a:prstGeom>
+          <a:ln>
+            <a:tailEnd type="triangle"/>
+          </a:ln>
+        </p:spPr>
+        <p:style>
+          <a:lnRef idx="1">
+            <a:schemeClr val="accent1"/>
+          </a:lnRef>
+          <a:fillRef idx="0">
+            <a:schemeClr val="accent1"/>
+          </a:fillRef>
+          <a:effectRef idx="0">
+            <a:schemeClr val="accent1"/>
+          </a:effectRef>
+          <a:fontRef idx="minor">
+            <a:schemeClr val="tx1"/>
+          </a:fontRef>
+        </p:style>
+      </p:cxnSp>
+      <p:cxnSp>
+        <p:nvCxnSpPr>
+          <p:cNvPr id="58" name="直接箭头连接符 57"/>
+          <p:cNvCxnSpPr>
+            <a:stCxn id="7" idx="2"/>
+          </p:cNvCxnSpPr>
+          <p:nvPr/>
+        </p:nvCxnSpPr>
+        <p:spPr>
+          <a:xfrm flipH="1" flipV="1">
+            <a:off x="9261765" y="1477241"/>
+            <a:ext cx="658089" cy="551587"/>
+          </a:xfrm>
+          <a:prstGeom prst="straightConnector1">
+            <a:avLst/>
+          </a:prstGeom>
+          <a:ln>
+            <a:tailEnd type="triangle"/>
+          </a:ln>
+        </p:spPr>
+        <p:style>
+          <a:lnRef idx="1">
+            <a:schemeClr val="accent1"/>
+          </a:lnRef>
+          <a:fillRef idx="0">
+            <a:schemeClr val="accent1"/>
+          </a:fillRef>
+          <a:effectRef idx="0">
+            <a:schemeClr val="accent1"/>
+          </a:effectRef>
+          <a:fontRef idx="minor">
+            <a:schemeClr val="tx1"/>
+          </a:fontRef>
+        </p:style>
+      </p:cxnSp>
+      <p:sp>
+        <p:nvSpPr>
+          <p:cNvPr id="59" name="椭圆 58"/>
+          <p:cNvSpPr/>
+          <p:nvPr/>
+        </p:nvSpPr>
+        <p:spPr>
+          <a:xfrm>
+            <a:off x="2798620" y="4106787"/>
+            <a:ext cx="1524001" cy="562195"/>
+          </a:xfrm>
+          <a:prstGeom prst="ellipse">
+            <a:avLst/>
+          </a:prstGeom>
+        </p:spPr>
+        <p:style>
+          <a:lnRef idx="2">
+            <a:schemeClr val="accent1">
+              <a:shade val="50000"/>
+            </a:schemeClr>
+          </a:lnRef>
+          <a:fillRef idx="1">
+            <a:schemeClr val="accent1"/>
+          </a:fillRef>
+          <a:effectRef idx="0">
+            <a:schemeClr val="accent1"/>
+          </a:effectRef>
+          <a:fontRef idx="minor">
+            <a:schemeClr val="lt1"/>
+          </a:fontRef>
+        </p:style>
+        <p:txBody>
+          <a:bodyPr rtlCol="0" anchor="ctr"/>
+          <a:lstStyle/>
+          <a:p>
+            <a:pPr algn="ctr"/>
+            <a:r>
+              <a:rPr lang="en-US" altLang="zh-CN" dirty="0" smtClean="0">
+                <a:solidFill>
+                  <a:prstClr val="white"/>
+                </a:solidFill>
+              </a:rPr>
+              <a:t>Callback</a:t>
+            </a:r>
+          </a:p>
+        </p:txBody>
+      </p:sp>
+      <p:cxnSp>
+        <p:nvCxnSpPr>
+          <p:cNvPr id="61" name="直接箭头连接符 60"/>
+          <p:cNvCxnSpPr>
+            <a:stCxn id="9" idx="6"/>
+          </p:cNvCxnSpPr>
+          <p:nvPr/>
+        </p:nvCxnSpPr>
+        <p:spPr>
+          <a:xfrm flipV="1">
+            <a:off x="4357255" y="3325091"/>
+            <a:ext cx="935181" cy="18078"/>
+          </a:xfrm>
+          <a:prstGeom prst="straightConnector1">
+            <a:avLst/>
+          </a:prstGeom>
+          <a:ln>
+            <a:tailEnd type="triangle"/>
+          </a:ln>
+        </p:spPr>
+        <p:style>
+          <a:lnRef idx="1">
+            <a:schemeClr val="accent1"/>
+          </a:lnRef>
+          <a:fillRef idx="0">
+            <a:schemeClr val="accent1"/>
+          </a:fillRef>
+          <a:effectRef idx="0">
+            <a:schemeClr val="accent1"/>
+          </a:effectRef>
+          <a:fontRef idx="minor">
+            <a:schemeClr val="tx1"/>
+          </a:fontRef>
+        </p:style>
+      </p:cxnSp>
+      <p:cxnSp>
+        <p:nvCxnSpPr>
+          <p:cNvPr id="63" name="直接箭头连接符 62"/>
+          <p:cNvCxnSpPr>
+            <a:stCxn id="59" idx="6"/>
+          </p:cNvCxnSpPr>
+          <p:nvPr/>
+        </p:nvCxnSpPr>
+        <p:spPr>
+          <a:xfrm flipV="1">
+            <a:off x="4322621" y="3463637"/>
+            <a:ext cx="1219197" cy="924248"/>
+          </a:xfrm>
+          <a:prstGeom prst="straightConnector1">
+            <a:avLst/>
+          </a:prstGeom>
+          <a:ln>
+            <a:tailEnd type="triangle"/>
+          </a:ln>
+        </p:spPr>
+        <p:style>
+          <a:lnRef idx="1">
+            <a:schemeClr val="accent1"/>
+          </a:lnRef>
+          <a:fillRef idx="0">
+            <a:schemeClr val="accent1"/>
+          </a:fillRef>
+          <a:effectRef idx="0">
+            <a:schemeClr val="accent1"/>
+          </a:effectRef>
+          <a:fontRef idx="minor">
+            <a:schemeClr val="tx1"/>
+          </a:fontRef>
+        </p:style>
+      </p:cxnSp>
+      <p:sp>
+        <p:nvSpPr>
+          <p:cNvPr id="68" name="椭圆 67"/>
+          <p:cNvSpPr/>
+          <p:nvPr/>
+        </p:nvSpPr>
+        <p:spPr>
+          <a:xfrm>
+            <a:off x="2736273" y="5001492"/>
+            <a:ext cx="1586345" cy="684278"/>
+          </a:xfrm>
+          <a:prstGeom prst="ellipse">
+            <a:avLst/>
+          </a:prstGeom>
+        </p:spPr>
+        <p:style>
+          <a:lnRef idx="2">
+            <a:schemeClr val="accent1">
+              <a:shade val="50000"/>
+            </a:schemeClr>
+          </a:lnRef>
+          <a:fillRef idx="1">
+            <a:schemeClr val="accent1"/>
+          </a:fillRef>
+          <a:effectRef idx="0">
+            <a:schemeClr val="accent1"/>
+          </a:effectRef>
+          <a:fontRef idx="minor">
+            <a:schemeClr val="lt1"/>
+          </a:fontRef>
+        </p:style>
+        <p:txBody>
+          <a:bodyPr rtlCol="0" anchor="ctr"/>
+          <a:lstStyle/>
+          <a:p>
+            <a:pPr algn="ctr"/>
+            <a:r>
+              <a:rPr lang="en-US" altLang="zh-CN" dirty="0" smtClean="0">
+                <a:solidFill>
+                  <a:prstClr val="white"/>
+                </a:solidFill>
+              </a:rPr>
+              <a:t>Password</a:t>
+            </a:r>
+            <a:endParaRPr lang="en-US" dirty="0" smtClean="0">
+              <a:solidFill>
+                <a:prstClr val="white"/>
+              </a:solidFill>
+            </a:endParaRPr>
+          </a:p>
+        </p:txBody>
+      </p:sp>
+      <p:cxnSp>
+        <p:nvCxnSpPr>
+          <p:cNvPr id="70" name="直接箭头连接符 69"/>
+          <p:cNvCxnSpPr/>
+          <p:nvPr/>
+        </p:nvCxnSpPr>
+        <p:spPr>
+          <a:xfrm flipV="1">
+            <a:off x="4322618" y="3463635"/>
+            <a:ext cx="1620982" cy="1801092"/>
+          </a:xfrm>
+          <a:prstGeom prst="straightConnector1">
+            <a:avLst/>
+          </a:prstGeom>
+          <a:ln>
+            <a:tailEnd type="triangle"/>
+          </a:ln>
+        </p:spPr>
+        <p:style>
+          <a:lnRef idx="1">
+            <a:schemeClr val="accent1"/>
+          </a:lnRef>
+          <a:fillRef idx="0">
+            <a:schemeClr val="accent1"/>
+          </a:fillRef>
+          <a:effectRef idx="0">
+            <a:schemeClr val="accent1"/>
+          </a:effectRef>
+          <a:fontRef idx="minor">
+            <a:schemeClr val="tx1"/>
+          </a:fontRef>
+        </p:style>
+      </p:cxnSp>
+      <p:sp>
+        <p:nvSpPr>
+          <p:cNvPr id="71" name="圆角矩形 70"/>
+          <p:cNvSpPr/>
+          <p:nvPr/>
+        </p:nvSpPr>
+        <p:spPr>
+          <a:xfrm>
+            <a:off x="8811493" y="4175952"/>
+            <a:ext cx="1794163" cy="612526"/>
+          </a:xfrm>
+          <a:prstGeom prst="roundRect">
+            <a:avLst/>
+          </a:prstGeom>
+        </p:spPr>
+        <p:style>
+          <a:lnRef idx="2">
+            <a:schemeClr val="accent1">
+              <a:shade val="50000"/>
+            </a:schemeClr>
+          </a:lnRef>
+          <a:fillRef idx="1">
+            <a:schemeClr val="accent1"/>
+          </a:fillRef>
+          <a:effectRef idx="0">
+            <a:schemeClr val="accent1"/>
+          </a:effectRef>
+          <a:fontRef idx="minor">
+            <a:schemeClr val="lt1"/>
+          </a:fontRef>
+        </p:style>
+        <p:txBody>
+          <a:bodyPr rtlCol="0" anchor="ctr"/>
+          <a:lstStyle/>
+          <a:p>
+            <a:pPr algn="ctr"/>
+            <a:r>
+              <a:rPr lang="en-US" altLang="zh-CN" dirty="0" smtClean="0">
+                <a:solidFill>
+                  <a:prstClr val="white"/>
+                </a:solidFill>
+              </a:rPr>
+              <a:t>Remote Host1</a:t>
+            </a:r>
+          </a:p>
+        </p:txBody>
+      </p:sp>
+      <p:sp>
+        <p:nvSpPr>
+          <p:cNvPr id="72" name="椭圆 71"/>
+          <p:cNvSpPr/>
+          <p:nvPr/>
+        </p:nvSpPr>
+        <p:spPr>
+          <a:xfrm>
+            <a:off x="2798620" y="1123972"/>
+            <a:ext cx="1468581" cy="559369"/>
+          </a:xfrm>
+          <a:prstGeom prst="ellipse">
+            <a:avLst/>
+          </a:prstGeom>
+        </p:spPr>
+        <p:style>
+          <a:lnRef idx="2">
+            <a:schemeClr val="accent1">
+              <a:shade val="50000"/>
+            </a:schemeClr>
+          </a:lnRef>
+          <a:fillRef idx="1">
+            <a:schemeClr val="accent1"/>
+          </a:fillRef>
+          <a:effectRef idx="0">
+            <a:schemeClr val="accent1"/>
+          </a:effectRef>
+          <a:fontRef idx="minor">
+            <a:schemeClr val="lt1"/>
+          </a:fontRef>
+        </p:style>
+        <p:txBody>
+          <a:bodyPr rtlCol="0" anchor="ctr"/>
+          <a:lstStyle/>
+          <a:p>
+            <a:pPr algn="ctr"/>
+            <a:r>
+              <a:rPr lang="en-US" dirty="0" err="1" smtClean="0">
+                <a:solidFill>
+                  <a:prstClr val="white"/>
+                </a:solidFill>
+              </a:rPr>
+              <a:t>Varmanager</a:t>
+            </a:r>
+            <a:endParaRPr lang="en-US" dirty="0" smtClean="0">
+              <a:solidFill>
+                <a:prstClr val="white"/>
+              </a:solidFill>
+            </a:endParaRPr>
+          </a:p>
+        </p:txBody>
+      </p:sp>
+      <p:cxnSp>
+        <p:nvCxnSpPr>
+          <p:cNvPr id="77" name="直接箭头连接符 76"/>
+          <p:cNvCxnSpPr/>
+          <p:nvPr/>
+        </p:nvCxnSpPr>
+        <p:spPr>
+          <a:xfrm>
+            <a:off x="4322618" y="2308512"/>
+            <a:ext cx="969818" cy="634711"/>
+          </a:xfrm>
+          <a:prstGeom prst="straightConnector1">
+            <a:avLst/>
+          </a:prstGeom>
+          <a:ln>
+            <a:tailEnd type="triangle"/>
+          </a:ln>
+        </p:spPr>
+        <p:style>
+          <a:lnRef idx="1">
+            <a:schemeClr val="accent1"/>
+          </a:lnRef>
+          <a:fillRef idx="0">
+            <a:schemeClr val="accent1"/>
+          </a:fillRef>
+          <a:effectRef idx="0">
+            <a:schemeClr val="accent1"/>
+          </a:effectRef>
+          <a:fontRef idx="minor">
+            <a:schemeClr val="tx1"/>
+          </a:fontRef>
+        </p:style>
+      </p:cxnSp>
+      <p:cxnSp>
+        <p:nvCxnSpPr>
+          <p:cNvPr id="79" name="直接箭头连接符 78"/>
+          <p:cNvCxnSpPr>
+            <a:stCxn id="7" idx="3"/>
+          </p:cNvCxnSpPr>
+          <p:nvPr/>
+        </p:nvCxnSpPr>
+        <p:spPr>
+          <a:xfrm flipH="1">
+            <a:off x="9421092" y="2226594"/>
+            <a:ext cx="713831" cy="662079"/>
+          </a:xfrm>
+          <a:prstGeom prst="straightConnector1">
+            <a:avLst/>
+          </a:prstGeom>
+          <a:ln>
+            <a:tailEnd type="triangle"/>
+          </a:ln>
+        </p:spPr>
+        <p:style>
+          <a:lnRef idx="1">
+            <a:schemeClr val="accent1"/>
+          </a:lnRef>
+          <a:fillRef idx="0">
+            <a:schemeClr val="accent1"/>
+          </a:fillRef>
+          <a:effectRef idx="0">
+            <a:schemeClr val="accent1"/>
+          </a:effectRef>
+          <a:fontRef idx="minor">
+            <a:schemeClr val="tx1"/>
+          </a:fontRef>
+        </p:style>
+      </p:cxnSp>
+      <p:cxnSp>
+        <p:nvCxnSpPr>
+          <p:cNvPr id="81" name="直接箭头连接符 80"/>
+          <p:cNvCxnSpPr/>
+          <p:nvPr/>
+        </p:nvCxnSpPr>
+        <p:spPr>
+          <a:xfrm>
+            <a:off x="7910945" y="3463635"/>
+            <a:ext cx="900548" cy="712317"/>
+          </a:xfrm>
+          <a:prstGeom prst="straightConnector1">
+            <a:avLst/>
+          </a:prstGeom>
+          <a:ln>
+            <a:tailEnd type="triangle"/>
+          </a:ln>
+        </p:spPr>
+        <p:style>
+          <a:lnRef idx="1">
+            <a:schemeClr val="accent1"/>
+          </a:lnRef>
+          <a:fillRef idx="0">
+            <a:schemeClr val="accent1"/>
+          </a:fillRef>
+          <a:effectRef idx="0">
+            <a:schemeClr val="accent1"/>
+          </a:effectRef>
+          <a:fontRef idx="minor">
+            <a:schemeClr val="tx1"/>
+          </a:fontRef>
+        </p:style>
+      </p:cxnSp>
+      <p:sp>
+        <p:nvSpPr>
+          <p:cNvPr id="82" name="圆角矩形 81"/>
+          <p:cNvSpPr/>
+          <p:nvPr/>
+        </p:nvSpPr>
+        <p:spPr>
+          <a:xfrm>
+            <a:off x="8811493" y="4932759"/>
+            <a:ext cx="1863595" cy="581890"/>
+          </a:xfrm>
+          <a:prstGeom prst="roundRect">
+            <a:avLst/>
+          </a:prstGeom>
+        </p:spPr>
+        <p:style>
+          <a:lnRef idx="2">
+            <a:schemeClr val="accent1">
+              <a:shade val="50000"/>
+            </a:schemeClr>
+          </a:lnRef>
+          <a:fillRef idx="1">
+            <a:schemeClr val="accent1"/>
+          </a:fillRef>
+          <a:effectRef idx="0">
+            <a:schemeClr val="accent1"/>
+          </a:effectRef>
+          <a:fontRef idx="minor">
+            <a:schemeClr val="lt1"/>
+          </a:fontRef>
+        </p:style>
+        <p:txBody>
+          <a:bodyPr rtlCol="0" anchor="ctr"/>
+          <a:lstStyle/>
+          <a:p>
+            <a:pPr algn="ctr"/>
+            <a:r>
+              <a:rPr lang="en-US" altLang="zh-CN" dirty="0" smtClean="0">
+                <a:solidFill>
+                  <a:prstClr val="white"/>
+                </a:solidFill>
+              </a:rPr>
+              <a:t>Remote Host2</a:t>
+            </a:r>
+            <a:endParaRPr lang="en-US" dirty="0" smtClean="0">
+              <a:solidFill>
+                <a:prstClr val="white"/>
+              </a:solidFill>
+            </a:endParaRPr>
+          </a:p>
+        </p:txBody>
+      </p:sp>
+      <p:cxnSp>
+        <p:nvCxnSpPr>
+          <p:cNvPr id="84" name="直接箭头连接符 83"/>
+          <p:cNvCxnSpPr/>
+          <p:nvPr/>
+        </p:nvCxnSpPr>
+        <p:spPr>
+          <a:xfrm>
+            <a:off x="7910945" y="3463635"/>
+            <a:ext cx="900548" cy="1760069"/>
+          </a:xfrm>
+          <a:prstGeom prst="straightConnector1">
+            <a:avLst/>
+          </a:prstGeom>
+          <a:ln>
+            <a:tailEnd type="triangle"/>
+          </a:ln>
+        </p:spPr>
+        <p:style>
+          <a:lnRef idx="1">
+            <a:schemeClr val="accent1"/>
+          </a:lnRef>
+          <a:fillRef idx="0">
+            <a:schemeClr val="accent1"/>
+          </a:fillRef>
+          <a:effectRef idx="0">
+            <a:schemeClr val="accent1"/>
+          </a:effectRef>
+          <a:fontRef idx="minor">
+            <a:schemeClr val="tx1"/>
+          </a:fontRef>
+        </p:style>
+      </p:cxnSp>
+    </p:spTree>
+    <p:extLst>
+      <p:ext uri="{BB962C8B-B14F-4D97-AF65-F5344CB8AC3E}">
+        <p14:creationId xmlns:p14="http://schemas.microsoft.com/office/powerpoint/2010/main" val="2060511688"/>
       </p:ext>
     </p:extLst>
   </p:cSld>
@@ -4355,4 +8947,265 @@
     </a:ext>
   </a:extLst>
 </a:theme>
+</file>
+
+<file path=ppt/theme/theme2.xml><?xml version="1.0" encoding="utf-8"?>
+<a:theme xmlns:a="http://schemas.openxmlformats.org/drawingml/2006/main" name="1_Office 主题">
+  <a:themeElements>
+    <a:clrScheme name="Office">
+      <a:dk1>
+        <a:sysClr val="windowText" lastClr="000000"/>
+      </a:dk1>
+      <a:lt1>
+        <a:sysClr val="window" lastClr="FFFFFF"/>
+      </a:lt1>
+      <a:dk2>
+        <a:srgbClr val="44546A"/>
+      </a:dk2>
+      <a:lt2>
+        <a:srgbClr val="E7E6E6"/>
+      </a:lt2>
+      <a:accent1>
+        <a:srgbClr val="5B9BD5"/>
+      </a:accent1>
+      <a:accent2>
+        <a:srgbClr val="ED7D31"/>
+      </a:accent2>
+      <a:accent3>
+        <a:srgbClr val="A5A5A5"/>
+      </a:accent3>
+      <a:accent4>
+        <a:srgbClr val="FFC000"/>
+      </a:accent4>
+      <a:accent5>
+        <a:srgbClr val="4472C4"/>
+      </a:accent5>
+      <a:accent6>
+        <a:srgbClr val="70AD47"/>
+      </a:accent6>
+      <a:hlink>
+        <a:srgbClr val="0563C1"/>
+      </a:hlink>
+      <a:folHlink>
+        <a:srgbClr val="954F72"/>
+      </a:folHlink>
+    </a:clrScheme>
+    <a:fontScheme name="Office">
+      <a:majorFont>
+        <a:latin typeface="Calibri Light" panose="020F0302020204030204"/>
+        <a:ea typeface=""/>
+        <a:cs typeface=""/>
+        <a:font script="Jpan" typeface="ＭＳ Ｐゴシック"/>
+        <a:font script="Hang" typeface="맑은 고딕"/>
+        <a:font script="Hans" typeface="宋体"/>
+        <a:font script="Hant" typeface="新細明體"/>
+        <a:font script="Arab" typeface="Times New Roman"/>
+        <a:font script="Hebr" typeface="Times New Roman"/>
+        <a:font script="Thai" typeface="Angsana New"/>
+        <a:font script="Ethi" typeface="Nyala"/>
+        <a:font script="Beng" typeface="Vrinda"/>
+        <a:font script="Gujr" typeface="Shruti"/>
+        <a:font script="Khmr" typeface="MoolBoran"/>
+        <a:font script="Knda" typeface="Tunga"/>
+        <a:font script="Guru" typeface="Raavi"/>
+        <a:font script="Cans" typeface="Euphemia"/>
+        <a:font script="Cher" typeface="Plantagenet Cherokee"/>
+        <a:font script="Yiii" typeface="Microsoft Yi Baiti"/>
+        <a:font script="Tibt" typeface="Microsoft Himalaya"/>
+        <a:font script="Thaa" typeface="MV Boli"/>
+        <a:font script="Deva" typeface="Mangal"/>
+        <a:font script="Telu" typeface="Gautami"/>
+        <a:font script="Taml" typeface="Latha"/>
+        <a:font script="Syrc" typeface="Estrangelo Edessa"/>
+        <a:font script="Orya" typeface="Kalinga"/>
+        <a:font script="Mlym" typeface="Kartika"/>
+        <a:font script="Laoo" typeface="DokChampa"/>
+        <a:font script="Sinh" typeface="Iskoola Pota"/>
+        <a:font script="Mong" typeface="Mongolian Baiti"/>
+        <a:font script="Viet" typeface="Times New Roman"/>
+        <a:font script="Uigh" typeface="Microsoft Uighur"/>
+        <a:font script="Geor" typeface="Sylfaen"/>
+      </a:majorFont>
+      <a:minorFont>
+        <a:latin typeface="Calibri" panose="020F0502020204030204"/>
+        <a:ea typeface=""/>
+        <a:cs typeface=""/>
+        <a:font script="Jpan" typeface="ＭＳ Ｐゴシック"/>
+        <a:font script="Hang" typeface="맑은 고딕"/>
+        <a:font script="Hans" typeface="宋体"/>
+        <a:font script="Hant" typeface="新細明體"/>
+        <a:font script="Arab" typeface="Arial"/>
+        <a:font script="Hebr" typeface="Arial"/>
+        <a:font script="Thai" typeface="Cordia New"/>
+        <a:font script="Ethi" typeface="Nyala"/>
+        <a:font script="Beng" typeface="Vrinda"/>
+        <a:font script="Gujr" typeface="Shruti"/>
+        <a:font script="Khmr" typeface="DaunPenh"/>
+        <a:font script="Knda" typeface="Tunga"/>
+        <a:font script="Guru" typeface="Raavi"/>
+        <a:font script="Cans" typeface="Euphemia"/>
+        <a:font script="Cher" typeface="Plantagenet Cherokee"/>
+        <a:font script="Yiii" typeface="Microsoft Yi Baiti"/>
+        <a:font script="Tibt" typeface="Microsoft Himalaya"/>
+        <a:font script="Thaa" typeface="MV Boli"/>
+        <a:font script="Deva" typeface="Mangal"/>
+        <a:font script="Telu" typeface="Gautami"/>
+        <a:font script="Taml" typeface="Latha"/>
+        <a:font script="Syrc" typeface="Estrangelo Edessa"/>
+        <a:font script="Orya" typeface="Kalinga"/>
+        <a:font script="Mlym" typeface="Kartika"/>
+        <a:font script="Laoo" typeface="DokChampa"/>
+        <a:font script="Sinh" typeface="Iskoola Pota"/>
+        <a:font script="Mong" typeface="Mongolian Baiti"/>
+        <a:font script="Viet" typeface="Arial"/>
+        <a:font script="Uigh" typeface="Microsoft Uighur"/>
+        <a:font script="Geor" typeface="Sylfaen"/>
+      </a:minorFont>
+    </a:fontScheme>
+    <a:fmtScheme name="Office">
+      <a:fillStyleLst>
+        <a:solidFill>
+          <a:schemeClr val="phClr"/>
+        </a:solidFill>
+        <a:gradFill rotWithShape="1">
+          <a:gsLst>
+            <a:gs pos="0">
+              <a:schemeClr val="phClr">
+                <a:lumMod val="110000"/>
+                <a:satMod val="105000"/>
+                <a:tint val="67000"/>
+              </a:schemeClr>
+            </a:gs>
+            <a:gs pos="50000">
+              <a:schemeClr val="phClr">
+                <a:lumMod val="105000"/>
+                <a:satMod val="103000"/>
+                <a:tint val="73000"/>
+              </a:schemeClr>
+            </a:gs>
+            <a:gs pos="100000">
+              <a:schemeClr val="phClr">
+                <a:lumMod val="105000"/>
+                <a:satMod val="109000"/>
+                <a:tint val="81000"/>
+              </a:schemeClr>
+            </a:gs>
+          </a:gsLst>
+          <a:lin ang="5400000" scaled="0"/>
+        </a:gradFill>
+        <a:gradFill rotWithShape="1">
+          <a:gsLst>
+            <a:gs pos="0">
+              <a:schemeClr val="phClr">
+                <a:satMod val="103000"/>
+                <a:lumMod val="102000"/>
+                <a:tint val="94000"/>
+              </a:schemeClr>
+            </a:gs>
+            <a:gs pos="50000">
+              <a:schemeClr val="phClr">
+                <a:satMod val="110000"/>
+                <a:lumMod val="100000"/>
+                <a:shade val="100000"/>
+              </a:schemeClr>
+            </a:gs>
+            <a:gs pos="100000">
+              <a:schemeClr val="phClr">
+                <a:lumMod val="99000"/>
+                <a:satMod val="120000"/>
+                <a:shade val="78000"/>
+              </a:schemeClr>
+            </a:gs>
+          </a:gsLst>
+          <a:lin ang="5400000" scaled="0"/>
+        </a:gradFill>
+      </a:fillStyleLst>
+      <a:lnStyleLst>
+        <a:ln w="6350" cap="flat" cmpd="sng" algn="ctr">
+          <a:solidFill>
+            <a:schemeClr val="phClr"/>
+          </a:solidFill>
+          <a:prstDash val="solid"/>
+          <a:miter lim="800000"/>
+        </a:ln>
+        <a:ln w="12700" cap="flat" cmpd="sng" algn="ctr">
+          <a:solidFill>
+            <a:schemeClr val="phClr"/>
+          </a:solidFill>
+          <a:prstDash val="solid"/>
+          <a:miter lim="800000"/>
+        </a:ln>
+        <a:ln w="19050" cap="flat" cmpd="sng" algn="ctr">
+          <a:solidFill>
+            <a:schemeClr val="phClr"/>
+          </a:solidFill>
+          <a:prstDash val="solid"/>
+          <a:miter lim="800000"/>
+        </a:ln>
+      </a:lnStyleLst>
+      <a:effectStyleLst>
+        <a:effectStyle>
+          <a:effectLst/>
+        </a:effectStyle>
+        <a:effectStyle>
+          <a:effectLst/>
+        </a:effectStyle>
+        <a:effectStyle>
+          <a:effectLst>
+            <a:outerShdw blurRad="57150" dist="19050" dir="5400000" algn="ctr" rotWithShape="0">
+              <a:srgbClr val="000000">
+                <a:alpha val="63000"/>
+              </a:srgbClr>
+            </a:outerShdw>
+          </a:effectLst>
+        </a:effectStyle>
+      </a:effectStyleLst>
+      <a:bgFillStyleLst>
+        <a:solidFill>
+          <a:schemeClr val="phClr"/>
+        </a:solidFill>
+        <a:solidFill>
+          <a:schemeClr val="phClr">
+            <a:tint val="95000"/>
+            <a:satMod val="170000"/>
+          </a:schemeClr>
+        </a:solidFill>
+        <a:gradFill rotWithShape="1">
+          <a:gsLst>
+            <a:gs pos="0">
+              <a:schemeClr val="phClr">
+                <a:tint val="93000"/>
+                <a:satMod val="150000"/>
+                <a:shade val="98000"/>
+                <a:lumMod val="102000"/>
+              </a:schemeClr>
+            </a:gs>
+            <a:gs pos="50000">
+              <a:schemeClr val="phClr">
+                <a:tint val="98000"/>
+                <a:satMod val="130000"/>
+                <a:shade val="90000"/>
+                <a:lumMod val="103000"/>
+              </a:schemeClr>
+            </a:gs>
+            <a:gs pos="100000">
+              <a:schemeClr val="phClr">
+                <a:shade val="63000"/>
+                <a:satMod val="120000"/>
+              </a:schemeClr>
+            </a:gs>
+          </a:gsLst>
+          <a:lin ang="5400000" scaled="0"/>
+        </a:gradFill>
+      </a:bgFillStyleLst>
+    </a:fmtScheme>
+  </a:themeElements>
+  <a:objectDefaults/>
+  <a:extraClrSchemeLst/>
+  <a:extLst>
+    <a:ext uri="{05A4C25C-085E-4340-85A3-A5531E510DB2}">
+      <thm15:themeFamily xmlns:thm15="http://schemas.microsoft.com/office/thememl/2012/main" name="Office Theme" id="{62F939B6-93AF-4DB8-9C6B-D6C7DFDC589F}" vid="{4A3C46E8-61CC-4603-A589-7422A47A8E4A}"/>
+    </a:ext>
+  </a:extLst>
+</a:theme>
 </file>
--- a/Ansible develop.pptx
+++ b/Ansible develop.pptx
@@ -7,11 +7,11 @@
   </p:sldMasterIdLst>
   <p:sldIdLst>
     <p:sldId id="257" r:id="rId3"/>
-    <p:sldId id="259" r:id="rId4"/>
-    <p:sldId id="258" r:id="rId5"/>
+    <p:sldId id="258" r:id="rId4"/>
+    <p:sldId id="259" r:id="rId5"/>
     <p:sldId id="260" r:id="rId6"/>
-    <p:sldId id="261" r:id="rId7"/>
-    <p:sldId id="263" r:id="rId8"/>
+    <p:sldId id="263" r:id="rId7"/>
+    <p:sldId id="261" r:id="rId8"/>
   </p:sldIdLst>
   <p:sldSz cx="12192000" cy="6858000"/>
   <p:notesSz cx="6858000" cy="9144000"/>
@@ -249,7 +249,7 @@
           <a:p>
             <a:fld id="{5031EC5B-F743-4982-A443-44F1B46250F2}" type="datetimeFigureOut">
               <a:rPr lang="en-US" smtClean="0"/>
-              <a:t>9/2/2017</a:t>
+              <a:t>9/5/2017</a:t>
             </a:fld>
             <a:endParaRPr lang="en-US"/>
           </a:p>
@@ -419,7 +419,7 @@
           <a:p>
             <a:fld id="{5031EC5B-F743-4982-A443-44F1B46250F2}" type="datetimeFigureOut">
               <a:rPr lang="en-US" smtClean="0"/>
-              <a:t>9/2/2017</a:t>
+              <a:t>9/5/2017</a:t>
             </a:fld>
             <a:endParaRPr lang="en-US"/>
           </a:p>
@@ -599,7 +599,7 @@
           <a:p>
             <a:fld id="{5031EC5B-F743-4982-A443-44F1B46250F2}" type="datetimeFigureOut">
               <a:rPr lang="en-US" smtClean="0"/>
-              <a:t>9/2/2017</a:t>
+              <a:t>9/5/2017</a:t>
             </a:fld>
             <a:endParaRPr lang="en-US"/>
           </a:p>
@@ -798,7 +798,7 @@
                 </a:solidFill>
               </a:rPr>
               <a:pPr/>
-              <a:t>9/2/2017</a:t>
+              <a:t>9/5/2017</a:t>
             </a:fld>
             <a:endParaRPr lang="en-US">
               <a:solidFill>
@@ -1000,7 +1000,7 @@
                 </a:solidFill>
               </a:rPr>
               <a:pPr/>
-              <a:t>9/2/2017</a:t>
+              <a:t>9/5/2017</a:t>
             </a:fld>
             <a:endParaRPr lang="en-US">
               <a:solidFill>
@@ -1278,7 +1278,7 @@
                 </a:solidFill>
               </a:rPr>
               <a:pPr/>
-              <a:t>9/2/2017</a:t>
+              <a:t>9/5/2017</a:t>
             </a:fld>
             <a:endParaRPr lang="en-US">
               <a:solidFill>
@@ -1542,7 +1542,7 @@
                 </a:solidFill>
               </a:rPr>
               <a:pPr/>
-              <a:t>9/2/2017</a:t>
+              <a:t>9/5/2017</a:t>
             </a:fld>
             <a:endParaRPr lang="en-US">
               <a:solidFill>
@@ -1941,7 +1941,7 @@
                 </a:solidFill>
               </a:rPr>
               <a:pPr/>
-              <a:t>9/2/2017</a:t>
+              <a:t>9/5/2017</a:t>
             </a:fld>
             <a:endParaRPr lang="en-US">
               <a:solidFill>
@@ -2091,7 +2091,7 @@
                 </a:solidFill>
               </a:rPr>
               <a:pPr/>
-              <a:t>9/2/2017</a:t>
+              <a:t>9/5/2017</a:t>
             </a:fld>
             <a:endParaRPr lang="en-US">
               <a:solidFill>
@@ -2218,7 +2218,7 @@
                 </a:solidFill>
               </a:rPr>
               <a:pPr/>
-              <a:t>9/2/2017</a:t>
+              <a:t>9/5/2017</a:t>
             </a:fld>
             <a:endParaRPr lang="en-US">
               <a:solidFill>
@@ -2527,7 +2527,7 @@
                 </a:solidFill>
               </a:rPr>
               <a:pPr/>
-              <a:t>9/2/2017</a:t>
+              <a:t>9/5/2017</a:t>
             </a:fld>
             <a:endParaRPr lang="en-US">
               <a:solidFill>
@@ -2722,7 +2722,7 @@
           <a:p>
             <a:fld id="{5031EC5B-F743-4982-A443-44F1B46250F2}" type="datetimeFigureOut">
               <a:rPr lang="en-US" smtClean="0"/>
-              <a:t>9/2/2017</a:t>
+              <a:t>9/5/2017</a:t>
             </a:fld>
             <a:endParaRPr lang="en-US"/>
           </a:p>
@@ -2982,7 +2982,7 @@
                 </a:solidFill>
               </a:rPr>
               <a:pPr/>
-              <a:t>9/2/2017</a:t>
+              <a:t>9/5/2017</a:t>
             </a:fld>
             <a:endParaRPr lang="en-US">
               <a:solidFill>
@@ -3184,7 +3184,7 @@
                 </a:solidFill>
               </a:rPr>
               <a:pPr/>
-              <a:t>9/2/2017</a:t>
+              <a:t>9/5/2017</a:t>
             </a:fld>
             <a:endParaRPr lang="en-US">
               <a:solidFill>
@@ -3396,7 +3396,7 @@
                 </a:solidFill>
               </a:rPr>
               <a:pPr/>
-              <a:t>9/2/2017</a:t>
+              <a:t>9/5/2017</a:t>
             </a:fld>
             <a:endParaRPr lang="en-US">
               <a:solidFill>
@@ -3667,7 +3667,7 @@
           <a:p>
             <a:fld id="{5031EC5B-F743-4982-A443-44F1B46250F2}" type="datetimeFigureOut">
               <a:rPr lang="en-US" smtClean="0"/>
-              <a:t>9/2/2017</a:t>
+              <a:t>9/5/2017</a:t>
             </a:fld>
             <a:endParaRPr lang="en-US"/>
           </a:p>
@@ -3899,7 +3899,7 @@
           <a:p>
             <a:fld id="{5031EC5B-F743-4982-A443-44F1B46250F2}" type="datetimeFigureOut">
               <a:rPr lang="en-US" smtClean="0"/>
-              <a:t>9/2/2017</a:t>
+              <a:t>9/5/2017</a:t>
             </a:fld>
             <a:endParaRPr lang="en-US"/>
           </a:p>
@@ -4266,7 +4266,7 @@
           <a:p>
             <a:fld id="{5031EC5B-F743-4982-A443-44F1B46250F2}" type="datetimeFigureOut">
               <a:rPr lang="en-US" smtClean="0"/>
-              <a:t>9/2/2017</a:t>
+              <a:t>9/5/2017</a:t>
             </a:fld>
             <a:endParaRPr lang="en-US"/>
           </a:p>
@@ -4384,7 +4384,7 @@
           <a:p>
             <a:fld id="{5031EC5B-F743-4982-A443-44F1B46250F2}" type="datetimeFigureOut">
               <a:rPr lang="en-US" smtClean="0"/>
-              <a:t>9/2/2017</a:t>
+              <a:t>9/5/2017</a:t>
             </a:fld>
             <a:endParaRPr lang="en-US"/>
           </a:p>
@@ -4479,7 +4479,7 @@
           <a:p>
             <a:fld id="{5031EC5B-F743-4982-A443-44F1B46250F2}" type="datetimeFigureOut">
               <a:rPr lang="en-US" smtClean="0"/>
-              <a:t>9/2/2017</a:t>
+              <a:t>9/5/2017</a:t>
             </a:fld>
             <a:endParaRPr lang="en-US"/>
           </a:p>
@@ -4756,7 +4756,7 @@
           <a:p>
             <a:fld id="{5031EC5B-F743-4982-A443-44F1B46250F2}" type="datetimeFigureOut">
               <a:rPr lang="en-US" smtClean="0"/>
-              <a:t>9/2/2017</a:t>
+              <a:t>9/5/2017</a:t>
             </a:fld>
             <a:endParaRPr lang="en-US"/>
           </a:p>
@@ -5009,7 +5009,7 @@
           <a:p>
             <a:fld id="{5031EC5B-F743-4982-A443-44F1B46250F2}" type="datetimeFigureOut">
               <a:rPr lang="en-US" smtClean="0"/>
-              <a:t>9/2/2017</a:t>
+              <a:t>9/5/2017</a:t>
             </a:fld>
             <a:endParaRPr lang="en-US"/>
           </a:p>
@@ -5222,7 +5222,7 @@
           <a:p>
             <a:fld id="{5031EC5B-F743-4982-A443-44F1B46250F2}" type="datetimeFigureOut">
               <a:rPr lang="en-US" smtClean="0"/>
-              <a:t>9/2/2017</a:t>
+              <a:t>9/5/2017</a:t>
             </a:fld>
             <a:endParaRPr lang="en-US"/>
           </a:p>
@@ -5769,7 +5769,7 @@
                 </a:solidFill>
               </a:rPr>
               <a:pPr/>
-              <a:t>9/2/2017</a:t>
+              <a:t>9/5/2017</a:t>
             </a:fld>
             <a:endParaRPr lang="en-US" smtClean="0">
               <a:solidFill>
@@ -6284,32 +6284,36 @@
           </a:p>
           <a:p>
             <a:r>
+              <a:rPr lang="en-US" altLang="zh-CN" dirty="0"/>
+              <a:t>Dynamic inventory</a:t>
+            </a:r>
+          </a:p>
+          <a:p>
+            <a:r>
               <a:rPr lang="en-US" altLang="zh-CN" dirty="0" err="1" smtClean="0"/>
               <a:t>Ansible</a:t>
             </a:r>
             <a:r>
               <a:rPr lang="en-US" altLang="zh-CN" dirty="0" smtClean="0"/>
-              <a:t> Module</a:t>
-            </a:r>
-          </a:p>
-          <a:p>
+              <a:t> </a:t>
+            </a:r>
             <a:r>
               <a:rPr lang="en-US" altLang="zh-CN" dirty="0" smtClean="0"/>
-              <a:t>Dynamic inventory</a:t>
-            </a:r>
-          </a:p>
-          <a:p>
-            <a:r>
-              <a:rPr lang="en-US" altLang="zh-CN" dirty="0" err="1"/>
-              <a:t>A</a:t>
-            </a:r>
+              <a:t>Module</a:t>
+            </a:r>
+          </a:p>
+          <a:p>
             <a:r>
               <a:rPr lang="en-US" altLang="zh-CN" dirty="0" err="1" smtClean="0"/>
-              <a:t>nsible</a:t>
+              <a:t>Ansible</a:t>
             </a:r>
             <a:r>
               <a:rPr lang="en-US" altLang="zh-CN" dirty="0" smtClean="0"/>
-              <a:t> API</a:t>
+              <a:t> </a:t>
+            </a:r>
+            <a:r>
+              <a:rPr lang="en-US" altLang="zh-CN" dirty="0" smtClean="0"/>
+              <a:t>API</a:t>
             </a:r>
           </a:p>
           <a:p>
@@ -6405,19 +6409,32 @@
             <p:ph type="title"/>
           </p:nvPr>
         </p:nvSpPr>
-        <p:spPr/>
-        <p:txBody>
-          <a:bodyPr/>
-          <a:lstStyle/>
-          <a:p>
-            <a:r>
-              <a:rPr lang="en-US" altLang="zh-CN" dirty="0" err="1" smtClean="0"/>
-              <a:t>Ansible</a:t>
-            </a:r>
+        <p:spPr>
+          <a:xfrm>
+            <a:off x="768485" y="365125"/>
+            <a:ext cx="10585315" cy="1460500"/>
+          </a:xfrm>
+        </p:spPr>
+        <p:txBody>
+          <a:bodyPr>
+            <a:normAutofit fontScale="90000"/>
+          </a:bodyPr>
+          <a:lstStyle/>
+          <a:p>
+            <a:r>
+              <a:rPr lang="en-US" altLang="zh-CN" dirty="0"/>
+              <a:t/>
+            </a:r>
+            <a:br>
+              <a:rPr lang="en-US" altLang="zh-CN" dirty="0"/>
+            </a:br>
             <a:r>
               <a:rPr lang="en-US" altLang="zh-CN" dirty="0" smtClean="0"/>
-              <a:t> Module</a:t>
-            </a:r>
+              <a:t>Dynamic inventory</a:t>
+            </a:r>
+            <a:br>
+              <a:rPr lang="en-US" altLang="zh-CN" dirty="0" smtClean="0"/>
+            </a:br>
             <a:endParaRPr lang="en-US" dirty="0"/>
           </a:p>
         </p:txBody>
@@ -6433,192 +6450,92 @@
           </p:nvPr>
         </p:nvSpPr>
         <p:spPr>
-          <a:noFill/>
+          <a:xfrm>
+            <a:off x="803342" y="2175821"/>
+            <a:ext cx="10515600" cy="3495405"/>
+          </a:xfrm>
         </p:spPr>
         <p:txBody>
           <a:bodyPr/>
           <a:lstStyle/>
           <a:p>
             <a:r>
-              <a:rPr lang="zh-CN" altLang="en-US" dirty="0"/>
-              <a:t>一</a:t>
-            </a:r>
-            <a:r>
               <a:rPr lang="zh-CN" altLang="en-US" dirty="0" smtClean="0"/>
-              <a:t>个例子展示如何使用</a:t>
+              <a:t>为什么要用</a:t>
             </a:r>
             <a:r>
               <a:rPr lang="en-US" altLang="zh-CN" dirty="0" smtClean="0"/>
-              <a:t>Module</a:t>
+              <a:t>Dynamic inventory</a:t>
             </a:r>
           </a:p>
           <a:p>
             <a:r>
               <a:rPr lang="zh-CN" altLang="en-US" dirty="0" smtClean="0"/>
-              <a:t>为什么要</a:t>
+              <a:t>如何生成</a:t>
+            </a:r>
+            <a:r>
+              <a:rPr lang="en-US" altLang="zh-CN" dirty="0" smtClean="0"/>
+              <a:t>Dynamic inventory</a:t>
+            </a:r>
+          </a:p>
+          <a:p>
+            <a:pPr marL="457200" lvl="1" indent="0">
+              <a:buNone/>
+            </a:pPr>
+            <a:r>
+              <a:rPr lang="en-US" altLang="zh-CN" dirty="0" smtClean="0"/>
+              <a:t>Example</a:t>
+            </a:r>
+            <a:r>
+              <a:rPr lang="zh-CN" altLang="en-US" dirty="0" smtClean="0"/>
+              <a:t>：从</a:t>
+            </a:r>
+            <a:r>
+              <a:rPr lang="en-US" altLang="zh-CN" dirty="0" smtClean="0"/>
+              <a:t>CMDB</a:t>
+            </a:r>
+            <a:r>
+              <a:rPr lang="zh-CN" altLang="en-US" dirty="0" smtClean="0"/>
+              <a:t>中获取</a:t>
+            </a:r>
+            <a:r>
+              <a:rPr lang="en-US" altLang="zh-CN" dirty="0" smtClean="0"/>
+              <a:t>inventory</a:t>
+            </a:r>
+            <a:r>
+              <a:rPr lang="zh-CN" altLang="en-US" dirty="0" smtClean="0"/>
+              <a:t>信息</a:t>
             </a:r>
             <a:r>
               <a:rPr lang="en-US" altLang="zh-CN" dirty="0" smtClean="0"/>
               <a:t>(</a:t>
             </a:r>
             <a:r>
-              <a:rPr lang="zh-CN" altLang="en-US" dirty="0" smtClean="0"/>
-              <a:t>是否有必要</a:t>
+              <a:rPr lang="en-US" altLang="zh-CN" dirty="0" err="1" smtClean="0"/>
+              <a:t>mysql</a:t>
+            </a:r>
+            <a:r>
+              <a:rPr lang="en-US" altLang="zh-CN" dirty="0" smtClean="0"/>
+              <a:t>, </a:t>
+            </a:r>
+            <a:r>
+              <a:rPr lang="en-US" altLang="zh-CN" dirty="0" err="1" smtClean="0"/>
+              <a:t>sqlalchemy</a:t>
             </a:r>
             <a:r>
               <a:rPr lang="en-US" altLang="zh-CN" dirty="0" smtClean="0"/>
               <a:t>)</a:t>
             </a:r>
+          </a:p>
+          <a:p>
             <a:r>
               <a:rPr lang="zh-CN" altLang="en-US" dirty="0" smtClean="0"/>
-              <a:t>开发自己的</a:t>
-            </a:r>
-            <a:r>
-              <a:rPr lang="en-US" altLang="zh-CN" dirty="0" err="1"/>
-              <a:t>A</a:t>
-            </a:r>
-            <a:r>
-              <a:rPr lang="en-US" altLang="zh-CN" dirty="0" err="1" smtClean="0"/>
-              <a:t>nsible</a:t>
+              <a:t>怎样使用</a:t>
             </a:r>
             <a:r>
               <a:rPr lang="en-US" altLang="zh-CN" dirty="0" smtClean="0"/>
-              <a:t> Module</a:t>
-            </a:r>
-          </a:p>
-          <a:p>
-            <a:r>
-              <a:rPr lang="zh-CN" altLang="en-US" dirty="0" smtClean="0"/>
-              <a:t>怎样开发自己的</a:t>
-            </a:r>
-            <a:r>
-              <a:rPr lang="en-US" altLang="zh-CN" dirty="0" err="1" smtClean="0"/>
-              <a:t>Ansible</a:t>
-            </a:r>
-            <a:r>
-              <a:rPr lang="en-US" altLang="zh-CN" dirty="0" smtClean="0"/>
-              <a:t> Module</a:t>
-            </a:r>
-          </a:p>
-          <a:p>
-            <a:pPr marL="457200" lvl="1" indent="0">
-              <a:buNone/>
-            </a:pPr>
-            <a:r>
-              <a:rPr lang="en-US" altLang="zh-CN" dirty="0" smtClean="0"/>
-              <a:t>1. </a:t>
-            </a:r>
-            <a:r>
-              <a:rPr lang="zh-CN" altLang="en-US" dirty="0" smtClean="0"/>
-              <a:t>使用</a:t>
-            </a:r>
-            <a:r>
-              <a:rPr lang="en-US" altLang="zh-CN" dirty="0" smtClean="0"/>
-              <a:t>shell </a:t>
-            </a:r>
-            <a:r>
-              <a:rPr lang="zh-CN" altLang="en-US" dirty="0" smtClean="0"/>
-              <a:t>开发自己的</a:t>
-            </a:r>
-            <a:r>
-              <a:rPr lang="en-US" altLang="zh-CN" dirty="0" smtClean="0"/>
-              <a:t>Module</a:t>
-            </a:r>
-            <a:r>
-              <a:rPr lang="zh-CN" altLang="en-US" dirty="0" smtClean="0"/>
-              <a:t>，用</a:t>
-            </a:r>
-            <a:r>
-              <a:rPr lang="en-US" altLang="zh-CN" dirty="0" smtClean="0"/>
-              <a:t>script</a:t>
-            </a:r>
-            <a:r>
-              <a:rPr lang="zh-CN" altLang="en-US" dirty="0" smtClean="0"/>
-              <a:t>模块代替</a:t>
-            </a:r>
-            <a:r>
-              <a:rPr lang="en-US" altLang="zh-CN" dirty="0" smtClean="0"/>
-              <a:t>shell</a:t>
-            </a:r>
-            <a:r>
-              <a:rPr lang="zh-CN" altLang="en-US" dirty="0" smtClean="0"/>
-              <a:t>开发的模块</a:t>
-            </a:r>
-            <a:endParaRPr lang="en-US" altLang="zh-CN" dirty="0" smtClean="0"/>
-          </a:p>
-          <a:p>
-            <a:pPr marL="457200" lvl="1" indent="0">
-              <a:buNone/>
-            </a:pPr>
-            <a:r>
-              <a:rPr lang="en-US" altLang="zh-CN" dirty="0" smtClean="0"/>
-              <a:t>2. </a:t>
-            </a:r>
-            <a:r>
-              <a:rPr lang="zh-CN" altLang="en-US" dirty="0" smtClean="0"/>
-              <a:t>使用</a:t>
-            </a:r>
-            <a:r>
-              <a:rPr lang="en-US" altLang="zh-CN" dirty="0" smtClean="0"/>
-              <a:t>python </a:t>
-            </a:r>
-            <a:r>
-              <a:rPr lang="zh-CN" altLang="en-US" dirty="0" smtClean="0"/>
-              <a:t>开发自己的</a:t>
-            </a:r>
-            <a:r>
-              <a:rPr lang="en-US" altLang="zh-CN" dirty="0" smtClean="0"/>
-              <a:t>Module</a:t>
-            </a:r>
-            <a:r>
-              <a:rPr lang="zh-CN" altLang="en-US" dirty="0" smtClean="0"/>
-              <a:t>，墙裂推荐</a:t>
-            </a:r>
-            <a:r>
-              <a:rPr lang="en-US" altLang="zh-CN" dirty="0"/>
-              <a:t>(</a:t>
-            </a:r>
-            <a:r>
-              <a:rPr lang="en-US" altLang="zh-CN" dirty="0" err="1"/>
-              <a:t>AnsibleModule</a:t>
-            </a:r>
-            <a:r>
-              <a:rPr lang="zh-CN" altLang="en-US" dirty="0" smtClean="0"/>
-              <a:t>类</a:t>
-            </a:r>
-            <a:r>
-              <a:rPr lang="en-US" altLang="zh-CN" dirty="0" smtClean="0"/>
-              <a:t>)</a:t>
-            </a:r>
-          </a:p>
-          <a:p>
-            <a:pPr marL="0" indent="0">
-              <a:buNone/>
-            </a:pPr>
-            <a:endParaRPr lang="en-US" altLang="zh-CN" dirty="0" smtClean="0"/>
-          </a:p>
-          <a:p>
-            <a:pPr marL="457200" lvl="1" indent="0">
-              <a:buNone/>
-            </a:pPr>
-            <a:endParaRPr lang="en-US" altLang="zh-CN" dirty="0" smtClean="0"/>
-          </a:p>
-          <a:p>
-            <a:pPr marL="457200" lvl="1" indent="0">
-              <a:buNone/>
-            </a:pPr>
-            <a:endParaRPr lang="en-US" altLang="zh-CN" dirty="0" smtClean="0"/>
-          </a:p>
-          <a:p>
-            <a:pPr marL="0" indent="0">
-              <a:buNone/>
-            </a:pPr>
-            <a:endParaRPr lang="en-US" altLang="zh-CN" dirty="0" smtClean="0"/>
-          </a:p>
-          <a:p>
-            <a:endParaRPr lang="en-US" altLang="zh-CN" dirty="0" smtClean="0"/>
-          </a:p>
-          <a:p>
+              <a:t>Dynamic inventory</a:t>
+            </a:r>
             <a:endParaRPr lang="en-US" dirty="0"/>
           </a:p>
         </p:txBody>
@@ -6626,7 +6543,7 @@
     </p:spTree>
     <p:extLst>
       <p:ext uri="{BB962C8B-B14F-4D97-AF65-F5344CB8AC3E}">
-        <p14:creationId xmlns:p14="http://schemas.microsoft.com/office/powerpoint/2010/main" val="3521784644"/>
+        <p14:creationId xmlns:p14="http://schemas.microsoft.com/office/powerpoint/2010/main" val="4098308843"/>
       </p:ext>
     </p:extLst>
   </p:cSld>
@@ -6697,133 +6614,220 @@
             <p:ph type="title"/>
           </p:nvPr>
         </p:nvSpPr>
+        <p:spPr/>
+        <p:txBody>
+          <a:bodyPr/>
+          <a:lstStyle/>
+          <a:p>
+            <a:r>
+              <a:rPr lang="en-US" altLang="zh-CN" dirty="0" err="1" smtClean="0"/>
+              <a:t>Ansible</a:t>
+            </a:r>
+            <a:r>
+              <a:rPr lang="en-US" altLang="zh-CN" dirty="0" smtClean="0"/>
+              <a:t> Module</a:t>
+            </a:r>
+            <a:endParaRPr lang="en-US" dirty="0"/>
+          </a:p>
+        </p:txBody>
+      </p:sp>
+      <p:sp>
+        <p:nvSpPr>
+          <p:cNvPr id="3" name="内容占位符 2"/>
+          <p:cNvSpPr>
+            <a:spLocks noGrp="1"/>
+          </p:cNvSpPr>
+          <p:nvPr>
+            <p:ph idx="1"/>
+          </p:nvPr>
+        </p:nvSpPr>
         <p:spPr>
-          <a:xfrm>
-            <a:off x="768485" y="365125"/>
-            <a:ext cx="10585315" cy="1460500"/>
-          </a:xfrm>
+          <a:noFill/>
         </p:spPr>
         <p:txBody>
-          <a:bodyPr>
-            <a:normAutofit fontScale="90000"/>
-          </a:bodyPr>
-          <a:lstStyle/>
-          <a:p>
-            <a:r>
-              <a:rPr lang="en-US" altLang="zh-CN" dirty="0"/>
-              <a:t/>
-            </a:r>
-            <a:br>
-              <a:rPr lang="en-US" altLang="zh-CN" dirty="0"/>
-            </a:br>
+          <a:bodyPr/>
+          <a:lstStyle/>
+          <a:p>
+            <a:r>
+              <a:rPr lang="zh-CN" altLang="en-US" dirty="0"/>
+              <a:t>一</a:t>
+            </a:r>
+            <a:r>
+              <a:rPr lang="zh-CN" altLang="en-US" dirty="0" smtClean="0"/>
+              <a:t>个例子展示如何使用</a:t>
+            </a:r>
             <a:r>
               <a:rPr lang="en-US" altLang="zh-CN" dirty="0" smtClean="0"/>
-              <a:t>Dynamic inventory</a:t>
-            </a:r>
-            <a:br>
-              <a:rPr lang="en-US" altLang="zh-CN" dirty="0" smtClean="0"/>
-            </a:br>
-            <a:endParaRPr lang="en-US" dirty="0"/>
-          </a:p>
-        </p:txBody>
-      </p:sp>
-      <p:sp>
-        <p:nvSpPr>
-          <p:cNvPr id="3" name="内容占位符 2"/>
-          <p:cNvSpPr>
-            <a:spLocks noGrp="1"/>
-          </p:cNvSpPr>
-          <p:nvPr>
-            <p:ph idx="1"/>
-          </p:nvPr>
-        </p:nvSpPr>
-        <p:spPr>
-          <a:xfrm>
-            <a:off x="803342" y="2175821"/>
-            <a:ext cx="10515600" cy="3495405"/>
-          </a:xfrm>
-        </p:spPr>
-        <p:txBody>
-          <a:bodyPr/>
-          <a:lstStyle/>
+              <a:t>Module</a:t>
+            </a:r>
+          </a:p>
           <a:p>
             <a:r>
               <a:rPr lang="zh-CN" altLang="en-US" dirty="0" smtClean="0"/>
-              <a:t>为什么要用</a:t>
-            </a:r>
-            <a:r>
-              <a:rPr lang="en-US" altLang="zh-CN" dirty="0" smtClean="0"/>
-              <a:t>Dynamic inventory</a:t>
-            </a:r>
-          </a:p>
-          <a:p>
-            <a:r>
-              <a:rPr lang="zh-CN" altLang="en-US" dirty="0" smtClean="0"/>
-              <a:t>如何生成</a:t>
-            </a:r>
-            <a:r>
-              <a:rPr lang="en-US" altLang="zh-CN" dirty="0" smtClean="0"/>
-              <a:t>Dynamic inventory</a:t>
-            </a:r>
-          </a:p>
-          <a:p>
-            <a:pPr marL="457200" lvl="1" indent="0">
-              <a:buNone/>
-            </a:pPr>
-            <a:r>
-              <a:rPr lang="en-US" altLang="zh-CN" dirty="0" smtClean="0"/>
-              <a:t>Example</a:t>
-            </a:r>
-            <a:r>
-              <a:rPr lang="zh-CN" altLang="en-US" dirty="0" smtClean="0"/>
-              <a:t>：从</a:t>
-            </a:r>
-            <a:r>
-              <a:rPr lang="en-US" altLang="zh-CN" dirty="0" smtClean="0"/>
-              <a:t>CMDB</a:t>
-            </a:r>
-            <a:r>
-              <a:rPr lang="zh-CN" altLang="en-US" dirty="0" smtClean="0"/>
-              <a:t>中获取</a:t>
-            </a:r>
-            <a:r>
-              <a:rPr lang="en-US" altLang="zh-CN" dirty="0" smtClean="0"/>
-              <a:t>inventory</a:t>
-            </a:r>
-            <a:r>
-              <a:rPr lang="zh-CN" altLang="en-US" dirty="0" smtClean="0"/>
-              <a:t>信息</a:t>
+              <a:t>为什么要</a:t>
             </a:r>
             <a:r>
               <a:rPr lang="en-US" altLang="zh-CN" dirty="0" smtClean="0"/>
               <a:t>(</a:t>
             </a:r>
             <a:r>
-              <a:rPr lang="en-US" altLang="zh-CN" dirty="0" err="1" smtClean="0"/>
-              <a:t>mysql</a:t>
-            </a:r>
-            <a:r>
-              <a:rPr lang="en-US" altLang="zh-CN" dirty="0" smtClean="0"/>
-              <a:t>, </a:t>
-            </a:r>
-            <a:r>
-              <a:rPr lang="en-US" altLang="zh-CN" dirty="0" err="1" smtClean="0"/>
-              <a:t>sqlalchemy</a:t>
+              <a:rPr lang="zh-CN" altLang="en-US" dirty="0" smtClean="0"/>
+              <a:t>是否有必要</a:t>
             </a:r>
             <a:r>
               <a:rPr lang="en-US" altLang="zh-CN" dirty="0" smtClean="0"/>
               <a:t>)</a:t>
             </a:r>
-          </a:p>
-          <a:p>
             <a:r>
               <a:rPr lang="zh-CN" altLang="en-US" dirty="0" smtClean="0"/>
-              <a:t>怎样使用</a:t>
+              <a:t>开发自己的</a:t>
+            </a:r>
+            <a:r>
+              <a:rPr lang="en-US" altLang="zh-CN" dirty="0" err="1"/>
+              <a:t>A</a:t>
+            </a:r>
+            <a:r>
+              <a:rPr lang="en-US" altLang="zh-CN" dirty="0" err="1" smtClean="0"/>
+              <a:t>nsible</a:t>
             </a:r>
             <a:r>
               <a:rPr lang="en-US" altLang="zh-CN" dirty="0" smtClean="0"/>
-              <a:t>Dynamic inventory</a:t>
-            </a:r>
+              <a:t> Module</a:t>
+            </a:r>
+          </a:p>
+          <a:p>
+            <a:r>
+              <a:rPr lang="zh-CN" altLang="en-US" dirty="0" smtClean="0"/>
+              <a:t>怎样开发自己的</a:t>
+            </a:r>
+            <a:r>
+              <a:rPr lang="en-US" altLang="zh-CN" dirty="0" err="1" smtClean="0"/>
+              <a:t>Ansible</a:t>
+            </a:r>
+            <a:r>
+              <a:rPr lang="en-US" altLang="zh-CN" dirty="0" smtClean="0"/>
+              <a:t> Module</a:t>
+            </a:r>
+          </a:p>
+          <a:p>
+            <a:pPr marL="457200" lvl="1" indent="0">
+              <a:buNone/>
+            </a:pPr>
+            <a:r>
+              <a:rPr lang="en-US" altLang="zh-CN" dirty="0" smtClean="0"/>
+              <a:t>1. </a:t>
+            </a:r>
+            <a:r>
+              <a:rPr lang="zh-CN" altLang="en-US" dirty="0" smtClean="0"/>
+              <a:t>使用</a:t>
+            </a:r>
+            <a:r>
+              <a:rPr lang="en-US" altLang="zh-CN" dirty="0" smtClean="0"/>
+              <a:t>shell </a:t>
+            </a:r>
+            <a:r>
+              <a:rPr lang="zh-CN" altLang="en-US" dirty="0" smtClean="0"/>
+              <a:t>开发自己的</a:t>
+            </a:r>
+            <a:r>
+              <a:rPr lang="en-US" altLang="zh-CN" dirty="0" smtClean="0"/>
+              <a:t>Module</a:t>
+            </a:r>
+            <a:r>
+              <a:rPr lang="zh-CN" altLang="en-US" dirty="0" smtClean="0"/>
+              <a:t>，用</a:t>
+            </a:r>
+            <a:r>
+              <a:rPr lang="en-US" altLang="zh-CN" dirty="0" smtClean="0"/>
+              <a:t>script</a:t>
+            </a:r>
+            <a:r>
+              <a:rPr lang="zh-CN" altLang="en-US" dirty="0" smtClean="0"/>
+              <a:t>模块代替</a:t>
+            </a:r>
+            <a:r>
+              <a:rPr lang="en-US" altLang="zh-CN" dirty="0" smtClean="0"/>
+              <a:t>shell</a:t>
+            </a:r>
+            <a:r>
+              <a:rPr lang="zh-CN" altLang="en-US" dirty="0" smtClean="0"/>
+              <a:t>开发的模块</a:t>
+            </a:r>
+            <a:endParaRPr lang="en-US" altLang="zh-CN" dirty="0" smtClean="0"/>
+          </a:p>
+          <a:p>
+            <a:pPr marL="457200" lvl="1" indent="0">
+              <a:buNone/>
+            </a:pPr>
+            <a:r>
+              <a:rPr lang="en-US" altLang="zh-CN" dirty="0" smtClean="0"/>
+              <a:t>2. </a:t>
+            </a:r>
+            <a:r>
+              <a:rPr lang="zh-CN" altLang="en-US" dirty="0" smtClean="0"/>
+              <a:t>使用</a:t>
+            </a:r>
+            <a:r>
+              <a:rPr lang="en-US" altLang="zh-CN" dirty="0" smtClean="0"/>
+              <a:t>python </a:t>
+            </a:r>
+            <a:r>
+              <a:rPr lang="zh-CN" altLang="en-US" dirty="0" smtClean="0"/>
+              <a:t>开发自己的</a:t>
+            </a:r>
+            <a:r>
+              <a:rPr lang="en-US" altLang="zh-CN" dirty="0" smtClean="0"/>
+              <a:t>Module</a:t>
+            </a:r>
+            <a:r>
+              <a:rPr lang="zh-CN" altLang="en-US" dirty="0" smtClean="0"/>
+              <a:t>，墙裂推荐</a:t>
+            </a:r>
+            <a:r>
+              <a:rPr lang="en-US" altLang="zh-CN" dirty="0"/>
+              <a:t>(</a:t>
+            </a:r>
+            <a:r>
+              <a:rPr lang="en-US" altLang="zh-CN" dirty="0" err="1"/>
+              <a:t>AnsibleModule</a:t>
+            </a:r>
+            <a:r>
+              <a:rPr lang="zh-CN" altLang="en-US" dirty="0" smtClean="0"/>
+              <a:t>类</a:t>
+            </a:r>
+            <a:r>
+              <a:rPr lang="en-US" altLang="zh-CN" dirty="0" smtClean="0"/>
+              <a:t>)</a:t>
+            </a:r>
+          </a:p>
+          <a:p>
+            <a:pPr marL="0" indent="0">
+              <a:buNone/>
+            </a:pPr>
+            <a:endParaRPr lang="en-US" altLang="zh-CN" dirty="0" smtClean="0"/>
+          </a:p>
+          <a:p>
+            <a:pPr marL="457200" lvl="1" indent="0">
+              <a:buNone/>
+            </a:pPr>
+            <a:endParaRPr lang="en-US" altLang="zh-CN" dirty="0" smtClean="0"/>
+          </a:p>
+          <a:p>
+            <a:pPr marL="457200" lvl="1" indent="0">
+              <a:buNone/>
+            </a:pPr>
+            <a:endParaRPr lang="en-US" altLang="zh-CN" dirty="0" smtClean="0"/>
+          </a:p>
+          <a:p>
+            <a:pPr marL="0" indent="0">
+              <a:buNone/>
+            </a:pPr>
+            <a:endParaRPr lang="en-US" altLang="zh-CN" dirty="0" smtClean="0"/>
+          </a:p>
+          <a:p>
+            <a:endParaRPr lang="en-US" altLang="zh-CN" dirty="0" smtClean="0"/>
+          </a:p>
+          <a:p>
             <a:endParaRPr lang="en-US" dirty="0"/>
           </a:p>
         </p:txBody>
@@ -6831,7 +6835,7 @@
     </p:spTree>
     <p:extLst>
       <p:ext uri="{BB962C8B-B14F-4D97-AF65-F5344CB8AC3E}">
-        <p14:creationId xmlns:p14="http://schemas.microsoft.com/office/powerpoint/2010/main" val="4098308843"/>
+        <p14:creationId xmlns:p14="http://schemas.microsoft.com/office/powerpoint/2010/main" val="3521784644"/>
       </p:ext>
     </p:extLst>
   </p:cSld>
@@ -6957,22 +6961,13 @@
             </a:r>
             <a:r>
               <a:rPr lang="en-US" altLang="zh-CN" dirty="0" smtClean="0"/>
-              <a:t> </a:t>
-            </a:r>
-            <a:r>
-              <a:rPr lang="en-US" altLang="zh-CN" dirty="0" smtClean="0"/>
-              <a:t>Python API</a:t>
-            </a:r>
-            <a:endParaRPr lang="en-US" altLang="zh-CN" dirty="0" smtClean="0"/>
+              <a:t> Python API</a:t>
+            </a:r>
           </a:p>
           <a:p>
             <a:r>
               <a:rPr lang="zh-CN" altLang="en-US" dirty="0" smtClean="0"/>
-              <a:t>如何</a:t>
-            </a:r>
-            <a:r>
-              <a:rPr lang="zh-CN" altLang="en-US" dirty="0" smtClean="0"/>
-              <a:t>使用</a:t>
+              <a:t>如何使用</a:t>
             </a:r>
             <a:r>
               <a:rPr lang="en-US" altLang="zh-CN" dirty="0" err="1"/>
@@ -7087,11 +7082,7 @@
             </a:r>
             <a:r>
               <a:rPr lang="zh-CN" altLang="en-US" dirty="0" smtClean="0"/>
-              <a:t>运行</a:t>
-            </a:r>
-            <a:r>
-              <a:rPr lang="zh-CN" altLang="en-US" dirty="0" smtClean="0"/>
-              <a:t>后的返回值进行处理</a:t>
+              <a:t>运行后的返回值进行处理</a:t>
             </a:r>
             <a:endParaRPr lang="en-US" altLang="zh-CN" dirty="0" smtClean="0"/>
           </a:p>
@@ -7111,241 +7102,6 @@
 </file>
 
 <file path=ppt/slides/slide5.xml><?xml version="1.0" encoding="utf-8"?>
-<p:sld xmlns:a="http://schemas.openxmlformats.org/drawingml/2006/main" xmlns:r="http://schemas.openxmlformats.org/officeDocument/2006/relationships" xmlns:p="http://schemas.openxmlformats.org/presentationml/2006/main">
-  <p:cSld>
-    <p:bg>
-      <p:bgPr>
-        <a:gradFill>
-          <a:gsLst>
-            <a:gs pos="0">
-              <a:schemeClr val="accent1">
-                <a:lumMod val="5000"/>
-                <a:lumOff val="95000"/>
-              </a:schemeClr>
-            </a:gs>
-            <a:gs pos="74000">
-              <a:schemeClr val="accent1">
-                <a:lumMod val="45000"/>
-                <a:lumOff val="55000"/>
-              </a:schemeClr>
-            </a:gs>
-            <a:gs pos="83000">
-              <a:schemeClr val="accent1">
-                <a:lumMod val="45000"/>
-                <a:lumOff val="55000"/>
-              </a:schemeClr>
-            </a:gs>
-            <a:gs pos="100000">
-              <a:schemeClr val="accent1">
-                <a:lumMod val="30000"/>
-                <a:lumOff val="70000"/>
-              </a:schemeClr>
-            </a:gs>
-          </a:gsLst>
-          <a:lin ang="5400000" scaled="1"/>
-        </a:gradFill>
-        <a:effectLst/>
-      </p:bgPr>
-    </p:bg>
-    <p:spTree>
-      <p:nvGrpSpPr>
-        <p:cNvPr id="1" name=""/>
-        <p:cNvGrpSpPr/>
-        <p:nvPr/>
-      </p:nvGrpSpPr>
-      <p:grpSpPr>
-        <a:xfrm>
-          <a:off x="0" y="0"/>
-          <a:ext cx="0" cy="0"/>
-          <a:chOff x="0" y="0"/>
-          <a:chExt cx="0" cy="0"/>
-        </a:xfrm>
-      </p:grpSpPr>
-      <p:sp>
-        <p:nvSpPr>
-          <p:cNvPr id="2" name="标题 1"/>
-          <p:cNvSpPr>
-            <a:spLocks noGrp="1"/>
-          </p:cNvSpPr>
-          <p:nvPr>
-            <p:ph type="title"/>
-          </p:nvPr>
-        </p:nvSpPr>
-        <p:spPr/>
-        <p:txBody>
-          <a:bodyPr/>
-          <a:lstStyle/>
-          <a:p>
-            <a:r>
-              <a:rPr lang="en-US" altLang="zh-CN" dirty="0" err="1" smtClean="0"/>
-              <a:t>Ansible</a:t>
-            </a:r>
-            <a:r>
-              <a:rPr lang="en-US" altLang="zh-CN" dirty="0" smtClean="0"/>
-              <a:t> Plugin</a:t>
-            </a:r>
-            <a:endParaRPr lang="en-US" dirty="0"/>
-          </a:p>
-        </p:txBody>
-      </p:sp>
-      <p:sp>
-        <p:nvSpPr>
-          <p:cNvPr id="3" name="内容占位符 2"/>
-          <p:cNvSpPr>
-            <a:spLocks noGrp="1"/>
-          </p:cNvSpPr>
-          <p:nvPr>
-            <p:ph idx="1"/>
-          </p:nvPr>
-        </p:nvSpPr>
-        <p:spPr/>
-        <p:txBody>
-          <a:bodyPr>
-            <a:normAutofit lnSpcReduction="10000"/>
-          </a:bodyPr>
-          <a:lstStyle/>
-          <a:p>
-            <a:r>
-              <a:rPr lang="zh-CN" altLang="en-US" dirty="0"/>
-              <a:t>什么是</a:t>
-            </a:r>
-            <a:r>
-              <a:rPr lang="en-US" altLang="zh-CN" dirty="0" err="1"/>
-              <a:t>Ansible</a:t>
-            </a:r>
-            <a:r>
-              <a:rPr lang="en-US" altLang="zh-CN" dirty="0"/>
-              <a:t> Plugin</a:t>
-            </a:r>
-          </a:p>
-          <a:p>
-            <a:pPr marL="0" indent="0">
-              <a:buNone/>
-            </a:pPr>
-            <a:r>
-              <a:rPr lang="zh-CN" altLang="en-US" dirty="0" smtClean="0"/>
-              <a:t>   首先</a:t>
-            </a:r>
-            <a:r>
-              <a:rPr lang="zh-CN" altLang="en-US" dirty="0" smtClean="0"/>
-              <a:t>回顾</a:t>
-            </a:r>
-            <a:r>
-              <a:rPr lang="en-US" altLang="zh-CN" dirty="0" err="1" smtClean="0"/>
-              <a:t>Ansible</a:t>
-            </a:r>
-            <a:r>
-              <a:rPr lang="zh-CN" altLang="en-US" dirty="0" smtClean="0"/>
-              <a:t>的运行过程</a:t>
-            </a:r>
-            <a:endParaRPr lang="en-US" altLang="zh-CN" dirty="0" smtClean="0"/>
-          </a:p>
-          <a:p>
-            <a:r>
-              <a:rPr lang="en-US" altLang="zh-CN" dirty="0" err="1" smtClean="0"/>
-              <a:t>Ansible</a:t>
-            </a:r>
-            <a:r>
-              <a:rPr lang="en-US" altLang="zh-CN" dirty="0" smtClean="0"/>
-              <a:t> </a:t>
-            </a:r>
-            <a:r>
-              <a:rPr lang="en-US" altLang="zh-CN" dirty="0" smtClean="0"/>
-              <a:t>Plugin</a:t>
-            </a:r>
-            <a:r>
-              <a:rPr lang="zh-CN" altLang="en-US" dirty="0" smtClean="0"/>
-              <a:t>有哪些</a:t>
-            </a:r>
-            <a:endParaRPr lang="en-US" altLang="zh-CN" dirty="0" smtClean="0"/>
-          </a:p>
-          <a:p>
-            <a:pPr lvl="1"/>
-            <a:r>
-              <a:rPr lang="en-US" altLang="zh-CN" dirty="0" err="1" smtClean="0"/>
-              <a:t>Connetction</a:t>
-            </a:r>
-            <a:endParaRPr lang="en-US" altLang="zh-CN" dirty="0" smtClean="0"/>
-          </a:p>
-          <a:p>
-            <a:pPr lvl="1"/>
-            <a:r>
-              <a:rPr lang="en-US" altLang="zh-CN" dirty="0"/>
-              <a:t>Lookup </a:t>
-            </a:r>
-            <a:endParaRPr lang="en-US" altLang="zh-CN" dirty="0" smtClean="0"/>
-          </a:p>
-          <a:p>
-            <a:pPr lvl="1"/>
-            <a:r>
-              <a:rPr lang="en-US" altLang="zh-CN" dirty="0" err="1" smtClean="0"/>
-              <a:t>Vars</a:t>
-            </a:r>
-            <a:endParaRPr lang="en-US" altLang="zh-CN" dirty="0" smtClean="0"/>
-          </a:p>
-          <a:p>
-            <a:pPr lvl="1"/>
-            <a:r>
-              <a:rPr lang="en-US" altLang="zh-CN" dirty="0"/>
-              <a:t>Filter</a:t>
-            </a:r>
-          </a:p>
-          <a:p>
-            <a:pPr lvl="1"/>
-            <a:r>
-              <a:rPr lang="en-US" altLang="zh-CN" dirty="0"/>
-              <a:t>A</a:t>
-            </a:r>
-            <a:r>
-              <a:rPr lang="en-US" altLang="zh-CN" dirty="0" smtClean="0"/>
-              <a:t>ction</a:t>
-            </a:r>
-          </a:p>
-          <a:p>
-            <a:pPr lvl="1"/>
-            <a:r>
-              <a:rPr lang="en-US" altLang="zh-CN" dirty="0"/>
-              <a:t>Callback</a:t>
-            </a:r>
-            <a:endParaRPr lang="en-US" altLang="zh-CN" dirty="0" smtClean="0"/>
-          </a:p>
-          <a:p>
-            <a:r>
-              <a:rPr lang="zh-CN" altLang="en-US" dirty="0" smtClean="0"/>
-              <a:t>以</a:t>
-            </a:r>
-            <a:r>
-              <a:rPr lang="en-US" altLang="zh-CN" dirty="0" smtClean="0"/>
-              <a:t>Callback Plugin</a:t>
-            </a:r>
-            <a:r>
-              <a:rPr lang="zh-CN" altLang="en-US" dirty="0" smtClean="0"/>
-              <a:t>为例子讲述如何扩展</a:t>
-            </a:r>
-            <a:r>
-              <a:rPr lang="en-US" altLang="zh-CN" dirty="0" smtClean="0"/>
-              <a:t>plugin</a:t>
-            </a:r>
-          </a:p>
-          <a:p>
-            <a:endParaRPr lang="en-US" dirty="0"/>
-          </a:p>
-        </p:txBody>
-      </p:sp>
-    </p:spTree>
-    <p:extLst>
-      <p:ext uri="{BB962C8B-B14F-4D97-AF65-F5344CB8AC3E}">
-        <p14:creationId xmlns:p14="http://schemas.microsoft.com/office/powerpoint/2010/main" val="52989442"/>
-      </p:ext>
-    </p:extLst>
-  </p:cSld>
-  <p:clrMapOvr>
-    <a:masterClrMapping/>
-  </p:clrMapOvr>
-</p:sld>
-</file>
-
-<file path=ppt/slides/slide6.xml><?xml version="1.0" encoding="utf-8"?>
 <p:sld xmlns:a="http://schemas.openxmlformats.org/drawingml/2006/main" xmlns:r="http://schemas.openxmlformats.org/officeDocument/2006/relationships" xmlns:p="http://schemas.openxmlformats.org/presentationml/2006/main">
   <p:cSld>
     <p:spTree>
@@ -8679,6 +8435,233 @@
     <p:extLst>
       <p:ext uri="{BB962C8B-B14F-4D97-AF65-F5344CB8AC3E}">
         <p14:creationId xmlns:p14="http://schemas.microsoft.com/office/powerpoint/2010/main" val="2060511688"/>
+      </p:ext>
+    </p:extLst>
+  </p:cSld>
+  <p:clrMapOvr>
+    <a:masterClrMapping/>
+  </p:clrMapOvr>
+</p:sld>
+</file>
+
+<file path=ppt/slides/slide6.xml><?xml version="1.0" encoding="utf-8"?>
+<p:sld xmlns:a="http://schemas.openxmlformats.org/drawingml/2006/main" xmlns:r="http://schemas.openxmlformats.org/officeDocument/2006/relationships" xmlns:p="http://schemas.openxmlformats.org/presentationml/2006/main">
+  <p:cSld>
+    <p:bg>
+      <p:bgPr>
+        <a:gradFill>
+          <a:gsLst>
+            <a:gs pos="0">
+              <a:schemeClr val="accent1">
+                <a:lumMod val="5000"/>
+                <a:lumOff val="95000"/>
+              </a:schemeClr>
+            </a:gs>
+            <a:gs pos="74000">
+              <a:schemeClr val="accent1">
+                <a:lumMod val="45000"/>
+                <a:lumOff val="55000"/>
+              </a:schemeClr>
+            </a:gs>
+            <a:gs pos="83000">
+              <a:schemeClr val="accent1">
+                <a:lumMod val="45000"/>
+                <a:lumOff val="55000"/>
+              </a:schemeClr>
+            </a:gs>
+            <a:gs pos="100000">
+              <a:schemeClr val="accent1">
+                <a:lumMod val="30000"/>
+                <a:lumOff val="70000"/>
+              </a:schemeClr>
+            </a:gs>
+          </a:gsLst>
+          <a:lin ang="5400000" scaled="1"/>
+        </a:gradFill>
+        <a:effectLst/>
+      </p:bgPr>
+    </p:bg>
+    <p:spTree>
+      <p:nvGrpSpPr>
+        <p:cNvPr id="1" name=""/>
+        <p:cNvGrpSpPr/>
+        <p:nvPr/>
+      </p:nvGrpSpPr>
+      <p:grpSpPr>
+        <a:xfrm>
+          <a:off x="0" y="0"/>
+          <a:ext cx="0" cy="0"/>
+          <a:chOff x="0" y="0"/>
+          <a:chExt cx="0" cy="0"/>
+        </a:xfrm>
+      </p:grpSpPr>
+      <p:sp>
+        <p:nvSpPr>
+          <p:cNvPr id="2" name="标题 1"/>
+          <p:cNvSpPr>
+            <a:spLocks noGrp="1"/>
+          </p:cNvSpPr>
+          <p:nvPr>
+            <p:ph type="title"/>
+          </p:nvPr>
+        </p:nvSpPr>
+        <p:spPr/>
+        <p:txBody>
+          <a:bodyPr/>
+          <a:lstStyle/>
+          <a:p>
+            <a:r>
+              <a:rPr lang="en-US" altLang="zh-CN" dirty="0" err="1" smtClean="0"/>
+              <a:t>Ansible</a:t>
+            </a:r>
+            <a:r>
+              <a:rPr lang="en-US" altLang="zh-CN" dirty="0" smtClean="0"/>
+              <a:t> Plugin</a:t>
+            </a:r>
+            <a:endParaRPr lang="en-US" dirty="0"/>
+          </a:p>
+        </p:txBody>
+      </p:sp>
+      <p:sp>
+        <p:nvSpPr>
+          <p:cNvPr id="3" name="内容占位符 2"/>
+          <p:cNvSpPr>
+            <a:spLocks noGrp="1"/>
+          </p:cNvSpPr>
+          <p:nvPr>
+            <p:ph idx="1"/>
+          </p:nvPr>
+        </p:nvSpPr>
+        <p:spPr/>
+        <p:txBody>
+          <a:bodyPr>
+            <a:normAutofit lnSpcReduction="10000"/>
+          </a:bodyPr>
+          <a:lstStyle/>
+          <a:p>
+            <a:r>
+              <a:rPr lang="zh-CN" altLang="en-US" dirty="0"/>
+              <a:t>什么是</a:t>
+            </a:r>
+            <a:r>
+              <a:rPr lang="en-US" altLang="zh-CN" dirty="0" err="1"/>
+              <a:t>Ansible</a:t>
+            </a:r>
+            <a:r>
+              <a:rPr lang="en-US" altLang="zh-CN" dirty="0"/>
+              <a:t> Plugin</a:t>
+            </a:r>
+          </a:p>
+          <a:p>
+            <a:pPr marL="0" indent="0">
+              <a:buNone/>
+            </a:pPr>
+            <a:r>
+              <a:rPr lang="zh-CN" altLang="en-US" dirty="0" smtClean="0"/>
+              <a:t>   首先回顾</a:t>
+            </a:r>
+            <a:r>
+              <a:rPr lang="en-US" altLang="zh-CN" dirty="0" err="1" smtClean="0"/>
+              <a:t>Ansible</a:t>
+            </a:r>
+            <a:r>
+              <a:rPr lang="zh-CN" altLang="en-US" dirty="0" smtClean="0"/>
+              <a:t>的运行过程</a:t>
+            </a:r>
+            <a:endParaRPr lang="en-US" altLang="zh-CN" dirty="0" smtClean="0"/>
+          </a:p>
+          <a:p>
+            <a:r>
+              <a:rPr lang="en-US" altLang="zh-CN" dirty="0" err="1" smtClean="0"/>
+              <a:t>Ansible</a:t>
+            </a:r>
+            <a:r>
+              <a:rPr lang="en-US" altLang="zh-CN" dirty="0" smtClean="0"/>
+              <a:t> Plugin</a:t>
+            </a:r>
+            <a:r>
+              <a:rPr lang="zh-CN" altLang="en-US" dirty="0" smtClean="0"/>
+              <a:t>有哪些</a:t>
+            </a:r>
+            <a:endParaRPr lang="en-US" altLang="zh-CN" dirty="0" smtClean="0"/>
+          </a:p>
+          <a:p>
+            <a:pPr lvl="1"/>
+            <a:r>
+              <a:rPr lang="en-US" altLang="zh-CN" dirty="0" err="1" smtClean="0"/>
+              <a:t>Connetction</a:t>
+            </a:r>
+            <a:endParaRPr lang="en-US" altLang="zh-CN" dirty="0" smtClean="0"/>
+          </a:p>
+          <a:p>
+            <a:pPr lvl="1"/>
+            <a:r>
+              <a:rPr lang="en-US" altLang="zh-CN" dirty="0"/>
+              <a:t>Lookup </a:t>
+            </a:r>
+            <a:endParaRPr lang="en-US" altLang="zh-CN" dirty="0" smtClean="0"/>
+          </a:p>
+          <a:p>
+            <a:pPr lvl="1"/>
+            <a:r>
+              <a:rPr lang="en-US" altLang="zh-CN" dirty="0" err="1" smtClean="0"/>
+              <a:t>Vars</a:t>
+            </a:r>
+            <a:endParaRPr lang="en-US" altLang="zh-CN" dirty="0" smtClean="0"/>
+          </a:p>
+          <a:p>
+            <a:pPr lvl="1"/>
+            <a:r>
+              <a:rPr lang="en-US" altLang="zh-CN" dirty="0"/>
+              <a:t>Filter</a:t>
+            </a:r>
+          </a:p>
+          <a:p>
+            <a:pPr lvl="1"/>
+            <a:r>
+              <a:rPr lang="en-US" altLang="zh-CN" dirty="0"/>
+              <a:t>A</a:t>
+            </a:r>
+            <a:r>
+              <a:rPr lang="en-US" altLang="zh-CN" dirty="0" smtClean="0"/>
+              <a:t>ction</a:t>
+            </a:r>
+          </a:p>
+          <a:p>
+            <a:pPr lvl="1"/>
+            <a:r>
+              <a:rPr lang="en-US" altLang="zh-CN" dirty="0"/>
+              <a:t>Callback</a:t>
+            </a:r>
+            <a:endParaRPr lang="en-US" altLang="zh-CN" dirty="0" smtClean="0"/>
+          </a:p>
+          <a:p>
+            <a:r>
+              <a:rPr lang="zh-CN" altLang="en-US" dirty="0" smtClean="0"/>
+              <a:t>以</a:t>
+            </a:r>
+            <a:r>
+              <a:rPr lang="en-US" altLang="zh-CN" dirty="0" smtClean="0"/>
+              <a:t>Callback Plugin</a:t>
+            </a:r>
+            <a:r>
+              <a:rPr lang="zh-CN" altLang="en-US" dirty="0" smtClean="0"/>
+              <a:t>为例子讲述如何扩展</a:t>
+            </a:r>
+            <a:r>
+              <a:rPr lang="en-US" altLang="zh-CN" dirty="0" smtClean="0"/>
+              <a:t>plugin</a:t>
+            </a:r>
+          </a:p>
+          <a:p>
+            <a:endParaRPr lang="en-US" dirty="0"/>
+          </a:p>
+        </p:txBody>
+      </p:sp>
+    </p:spTree>
+    <p:extLst>
+      <p:ext uri="{BB962C8B-B14F-4D97-AF65-F5344CB8AC3E}">
+        <p14:creationId xmlns:p14="http://schemas.microsoft.com/office/powerpoint/2010/main" val="52989442"/>
       </p:ext>
     </p:extLst>
   </p:cSld>
